--- a/課題研究/2016/大木崇雅/ポスター/大木ポスター.pptx
+++ b/課題研究/2016/大木崇雅/ポスター/大木ポスター.pptx
@@ -211,7 +211,7 @@
           <a:p>
             <a:fld id="{50097E8B-26F7-4514-9BC4-D74C8C7A881C}" type="datetimeFigureOut">
               <a:rPr kumimoji="1" lang="ja-JP" altLang="en-US" smtClean="0"/>
-              <a:t>2016/12/13</a:t>
+              <a:t>2016/12/14</a:t>
             </a:fld>
             <a:endParaRPr kumimoji="1" lang="ja-JP" altLang="en-US"/>
           </a:p>
@@ -765,7 +765,7 @@
           <a:p>
             <a:fld id="{7599971D-E424-4083-B0C6-61FDC58FEAC9}" type="datetimeFigureOut">
               <a:rPr kumimoji="1" lang="ja-JP" altLang="en-US" smtClean="0"/>
-              <a:t>2016/12/13</a:t>
+              <a:t>2016/12/14</a:t>
             </a:fld>
             <a:endParaRPr kumimoji="1" lang="ja-JP" altLang="en-US"/>
           </a:p>
@@ -1032,7 +1032,7 @@
           <a:p>
             <a:fld id="{7599971D-E424-4083-B0C6-61FDC58FEAC9}" type="datetimeFigureOut">
               <a:rPr kumimoji="1" lang="ja-JP" altLang="en-US" smtClean="0"/>
-              <a:t>2016/12/13</a:t>
+              <a:t>2016/12/14</a:t>
             </a:fld>
             <a:endParaRPr kumimoji="1" lang="ja-JP" altLang="en-US"/>
           </a:p>
@@ -1263,7 +1263,7 @@
           <a:p>
             <a:fld id="{7599971D-E424-4083-B0C6-61FDC58FEAC9}" type="datetimeFigureOut">
               <a:rPr kumimoji="1" lang="ja-JP" altLang="en-US" smtClean="0"/>
-              <a:t>2016/12/13</a:t>
+              <a:t>2016/12/14</a:t>
             </a:fld>
             <a:endParaRPr kumimoji="1" lang="ja-JP" altLang="en-US"/>
           </a:p>
@@ -1573,7 +1573,7 @@
           <a:p>
             <a:fld id="{7599971D-E424-4083-B0C6-61FDC58FEAC9}" type="datetimeFigureOut">
               <a:rPr kumimoji="1" lang="ja-JP" altLang="en-US" smtClean="0"/>
-              <a:t>2016/12/13</a:t>
+              <a:t>2016/12/14</a:t>
             </a:fld>
             <a:endParaRPr kumimoji="1" lang="ja-JP" altLang="en-US"/>
           </a:p>
@@ -2046,7 +2046,7 @@
           <a:p>
             <a:fld id="{7599971D-E424-4083-B0C6-61FDC58FEAC9}" type="datetimeFigureOut">
               <a:rPr kumimoji="1" lang="ja-JP" altLang="en-US" smtClean="0"/>
-              <a:t>2016/12/13</a:t>
+              <a:t>2016/12/14</a:t>
             </a:fld>
             <a:endParaRPr kumimoji="1" lang="ja-JP" altLang="en-US"/>
           </a:p>
@@ -2593,7 +2593,7 @@
           <a:p>
             <a:fld id="{7599971D-E424-4083-B0C6-61FDC58FEAC9}" type="datetimeFigureOut">
               <a:rPr kumimoji="1" lang="ja-JP" altLang="en-US" smtClean="0"/>
-              <a:t>2016/12/13</a:t>
+              <a:t>2016/12/14</a:t>
             </a:fld>
             <a:endParaRPr kumimoji="1" lang="ja-JP" altLang="en-US"/>
           </a:p>
@@ -3367,7 +3367,7 @@
           <a:p>
             <a:fld id="{7599971D-E424-4083-B0C6-61FDC58FEAC9}" type="datetimeFigureOut">
               <a:rPr kumimoji="1" lang="ja-JP" altLang="en-US" smtClean="0"/>
-              <a:t>2016/12/13</a:t>
+              <a:t>2016/12/14</a:t>
             </a:fld>
             <a:endParaRPr kumimoji="1" lang="ja-JP" altLang="en-US"/>
           </a:p>
@@ -3574,7 +3574,7 @@
           <a:p>
             <a:fld id="{7599971D-E424-4083-B0C6-61FDC58FEAC9}" type="datetimeFigureOut">
               <a:rPr kumimoji="1" lang="ja-JP" altLang="en-US" smtClean="0"/>
-              <a:t>2016/12/13</a:t>
+              <a:t>2016/12/14</a:t>
             </a:fld>
             <a:endParaRPr kumimoji="1" lang="ja-JP" altLang="en-US"/>
           </a:p>
@@ -3829,7 +3829,7 @@
           <a:p>
             <a:fld id="{7599971D-E424-4083-B0C6-61FDC58FEAC9}" type="datetimeFigureOut">
               <a:rPr kumimoji="1" lang="ja-JP" altLang="en-US" smtClean="0"/>
-              <a:t>2016/12/13</a:t>
+              <a:t>2016/12/14</a:t>
             </a:fld>
             <a:endParaRPr kumimoji="1" lang="ja-JP" altLang="en-US"/>
           </a:p>
@@ -4041,7 +4041,7 @@
           <a:p>
             <a:fld id="{7599971D-E424-4083-B0C6-61FDC58FEAC9}" type="datetimeFigureOut">
               <a:rPr kumimoji="1" lang="ja-JP" altLang="en-US" smtClean="0"/>
-              <a:t>2016/12/13</a:t>
+              <a:t>2016/12/14</a:t>
             </a:fld>
             <a:endParaRPr kumimoji="1" lang="ja-JP" altLang="en-US"/>
           </a:p>
@@ -4330,7 +4330,7 @@
           <a:p>
             <a:fld id="{7599971D-E424-4083-B0C6-61FDC58FEAC9}" type="datetimeFigureOut">
               <a:rPr kumimoji="1" lang="ja-JP" altLang="en-US" smtClean="0"/>
-              <a:t>2016/12/13</a:t>
+              <a:t>2016/12/14</a:t>
             </a:fld>
             <a:endParaRPr kumimoji="1" lang="ja-JP" altLang="en-US"/>
           </a:p>
@@ -4636,7 +4636,7 @@
           <a:p>
             <a:fld id="{7599971D-E424-4083-B0C6-61FDC58FEAC9}" type="datetimeFigureOut">
               <a:rPr kumimoji="1" lang="ja-JP" altLang="en-US" smtClean="0"/>
-              <a:t>2016/12/13</a:t>
+              <a:t>2016/12/14</a:t>
             </a:fld>
             <a:endParaRPr kumimoji="1" lang="ja-JP" altLang="en-US"/>
           </a:p>
@@ -5079,7 +5079,7 @@
           <a:p>
             <a:fld id="{7599971D-E424-4083-B0C6-61FDC58FEAC9}" type="datetimeFigureOut">
               <a:rPr kumimoji="1" lang="ja-JP" altLang="en-US" smtClean="0"/>
-              <a:t>2016/12/13</a:t>
+              <a:t>2016/12/14</a:t>
             </a:fld>
             <a:endParaRPr kumimoji="1" lang="ja-JP" altLang="en-US"/>
           </a:p>
@@ -5197,7 +5197,7 @@
           <a:p>
             <a:fld id="{7599971D-E424-4083-B0C6-61FDC58FEAC9}" type="datetimeFigureOut">
               <a:rPr kumimoji="1" lang="ja-JP" altLang="en-US" smtClean="0"/>
-              <a:t>2016/12/13</a:t>
+              <a:t>2016/12/14</a:t>
             </a:fld>
             <a:endParaRPr kumimoji="1" lang="ja-JP" altLang="en-US"/>
           </a:p>
@@ -5292,7 +5292,7 @@
           <a:p>
             <a:fld id="{7599971D-E424-4083-B0C6-61FDC58FEAC9}" type="datetimeFigureOut">
               <a:rPr kumimoji="1" lang="ja-JP" altLang="en-US" smtClean="0"/>
-              <a:t>2016/12/13</a:t>
+              <a:t>2016/12/14</a:t>
             </a:fld>
             <a:endParaRPr kumimoji="1" lang="ja-JP" altLang="en-US"/>
           </a:p>
@@ -5573,7 +5573,7 @@
           <a:p>
             <a:fld id="{7599971D-E424-4083-B0C6-61FDC58FEAC9}" type="datetimeFigureOut">
               <a:rPr kumimoji="1" lang="ja-JP" altLang="en-US" smtClean="0"/>
-              <a:t>2016/12/13</a:t>
+              <a:t>2016/12/14</a:t>
             </a:fld>
             <a:endParaRPr kumimoji="1" lang="ja-JP" altLang="en-US"/>
           </a:p>
@@ -5830,7 +5830,7 @@
           <a:p>
             <a:fld id="{7599971D-E424-4083-B0C6-61FDC58FEAC9}" type="datetimeFigureOut">
               <a:rPr kumimoji="1" lang="ja-JP" altLang="en-US" smtClean="0"/>
-              <a:t>2016/12/13</a:t>
+              <a:t>2016/12/14</a:t>
             </a:fld>
             <a:endParaRPr kumimoji="1" lang="ja-JP" altLang="en-US"/>
           </a:p>
@@ -6105,7 +6105,7 @@
           <a:p>
             <a:fld id="{7599971D-E424-4083-B0C6-61FDC58FEAC9}" type="datetimeFigureOut">
               <a:rPr kumimoji="1" lang="ja-JP" altLang="en-US" smtClean="0"/>
-              <a:t>2016/12/13</a:t>
+              <a:t>2016/12/14</a:t>
             </a:fld>
             <a:endParaRPr kumimoji="1" lang="ja-JP" altLang="en-US"/>
           </a:p>
@@ -7486,7 +7486,7 @@
         </p:nvSpPr>
         <p:spPr>
           <a:xfrm>
-            <a:off x="142985" y="7939965"/>
+            <a:off x="133787" y="8002024"/>
             <a:ext cx="1344772" cy="390779"/>
           </a:xfrm>
           <a:prstGeom prst="ellipse">
@@ -7850,8 +7850,8 @@
         </p:nvSpPr>
         <p:spPr>
           <a:xfrm>
-            <a:off x="47597" y="5711779"/>
-            <a:ext cx="3613464" cy="2278006"/>
+            <a:off x="27082" y="5578187"/>
+            <a:ext cx="3613464" cy="2487985"/>
           </a:xfrm>
           <a:prstGeom prst="horizontalScroll">
             <a:avLst/>
@@ -7908,15 +7908,62 @@
             </a:r>
             <a:r>
               <a:rPr lang="en-US" altLang="ja-JP" sz="1200" dirty="0" smtClean="0"/>
-              <a:t>0.0001~0.0099</a:t>
+              <a:t>0.0001~0.00099</a:t>
             </a:r>
             <a:r>
               <a:rPr lang="ja-JP" altLang="en-US" sz="1200" dirty="0" smtClean="0"/>
-              <a:t>間の企業・・・</a:t>
+              <a:t>間の</a:t>
+            </a:r>
+            <a:r>
+              <a:rPr lang="ja-JP" altLang="en-US" sz="1200" dirty="0" smtClean="0"/>
+              <a:t>企業・・</a:t>
             </a:r>
             <a:r>
               <a:rPr lang="en-US" altLang="ja-JP" sz="1200" b="1" u="sng" dirty="0" smtClean="0"/>
-              <a:t>9</a:t>
+              <a:t>2</a:t>
+            </a:r>
+            <a:r>
+              <a:rPr lang="ja-JP" altLang="en-US" sz="1200" dirty="0" smtClean="0"/>
+              <a:t>社</a:t>
+            </a:r>
+            <a:endParaRPr lang="en-US" altLang="ja-JP" sz="1200" dirty="0" smtClean="0"/>
+          </a:p>
+          <a:p>
+            <a:r>
+              <a:rPr lang="ja-JP" altLang="en-US" sz="1200" dirty="0" smtClean="0"/>
+              <a:t>誤差</a:t>
+            </a:r>
+            <a:r>
+              <a:rPr lang="ja-JP" altLang="en-US" sz="1200" dirty="0"/>
+              <a:t>平均</a:t>
+            </a:r>
+            <a:r>
+              <a:rPr lang="ja-JP" altLang="en-US" sz="1200" dirty="0" smtClean="0"/>
+              <a:t>が</a:t>
+            </a:r>
+            <a:r>
+              <a:rPr lang="en-US" altLang="ja-JP" sz="1200" dirty="0" smtClean="0"/>
+              <a:t>0.001</a:t>
+            </a:r>
+            <a:r>
+              <a:rPr lang="ja-JP" altLang="en-US" sz="1200" dirty="0" smtClean="0"/>
+              <a:t>～</a:t>
+            </a:r>
+            <a:r>
+              <a:rPr lang="en-US" altLang="ja-JP" sz="1200" dirty="0" smtClean="0"/>
+              <a:t>0.0099</a:t>
+            </a:r>
+            <a:r>
+              <a:rPr lang="ja-JP" altLang="en-US" sz="1200" dirty="0" smtClean="0"/>
+              <a:t>間の企業</a:t>
+            </a:r>
+            <a:r>
+              <a:rPr lang="ja-JP" altLang="en-US" sz="1200" dirty="0" smtClean="0"/>
+              <a:t>・・・</a:t>
+            </a:r>
+            <a:r>
+              <a:rPr lang="ja-JP" altLang="en-US" sz="1200" b="1" u="sng" dirty="0" smtClean="0"/>
+              <a:t>７</a:t>
             </a:r>
             <a:r>
               <a:rPr lang="ja-JP" altLang="en-US" sz="1200" dirty="0" smtClean="0"/>

--- a/課題研究/2016/大木崇雅/ポスター/大木ポスター.pptx
+++ b/課題研究/2016/大木崇雅/ポスター/大木ポスター.pptx
@@ -2,7 +2,7 @@
 <file path=ppt/presentation.xml><?xml version="1.0" encoding="utf-8"?>
 <p:presentation xmlns:a="http://schemas.openxmlformats.org/drawingml/2006/main" xmlns:r="http://schemas.openxmlformats.org/officeDocument/2006/relationships" xmlns:p="http://schemas.openxmlformats.org/presentationml/2006/main" saveSubsetFonts="1">
   <p:sldMasterIdLst>
-    <p:sldMasterId id="2147483986" r:id="rId1"/>
+    <p:sldMasterId id="2147484004" r:id="rId1"/>
   </p:sldMasterIdLst>
   <p:notesMasterIdLst>
     <p:notesMasterId r:id="rId3"/>
@@ -612,36 +612,6 @@
           <a:chExt cx="0" cy="0"/>
         </a:xfrm>
       </p:grpSpPr>
-      <p:pic>
-        <p:nvPicPr>
-          <p:cNvPr id="8" name="Picture 7" descr="C2-HD-BTM.png"/>
-          <p:cNvPicPr>
-            <a:picLocks noChangeAspect="1"/>
-          </p:cNvPicPr>
-          <p:nvPr/>
-        </p:nvPicPr>
-        <p:blipFill>
-          <a:blip r:embed="rId2">
-            <a:extLst>
-              <a:ext uri="{28A0092B-C50C-407E-A947-70E740481C1C}">
-                <a14:useLocalDpi xmlns:a14="http://schemas.microsoft.com/office/drawing/2010/main" val="0"/>
-              </a:ext>
-            </a:extLst>
-          </a:blip>
-          <a:stretch>
-            <a:fillRect/>
-          </a:stretch>
-        </p:blipFill>
-        <p:spPr>
-          <a:xfrm>
-            <a:off x="0" y="6661149"/>
-            <a:ext cx="6858000" cy="2482851"/>
-          </a:xfrm>
-          <a:prstGeom prst="rect">
-            <a:avLst/>
-          </a:prstGeom>
-        </p:spPr>
-      </p:pic>
       <p:sp>
         <p:nvSpPr>
           <p:cNvPr id="2" name="Title 1"/>
@@ -654,17 +624,15 @@
         </p:nvSpPr>
         <p:spPr>
           <a:xfrm>
-            <a:off x="685800" y="2404540"/>
-            <a:ext cx="5486400" cy="2433461"/>
-          </a:xfrm>
-        </p:spPr>
-        <p:txBody>
-          <a:bodyPr anchor="b">
-            <a:normAutofit/>
-          </a:bodyPr>
+            <a:off x="857250" y="1388533"/>
+            <a:ext cx="5143500" cy="3183467"/>
+          </a:xfrm>
+        </p:spPr>
+        <p:txBody>
+          <a:bodyPr anchor="b"/>
           <a:lstStyle>
-            <a:lvl1pPr algn="l">
-              <a:defRPr sz="4500"/>
+            <a:lvl1pPr algn="ctr">
+              <a:defRPr sz="3038"/>
             </a:lvl1pPr>
           </a:lstStyle>
           <a:p>
@@ -672,7 +640,7 @@
               <a:rPr lang="ja-JP" altLang="en-US" smtClean="0"/>
               <a:t>マスター タイトルの書式設定</a:t>
             </a:r>
-            <a:endParaRPr lang="en-US" dirty="0"/>
+            <a:endParaRPr lang="en-US"/>
           </a:p>
         </p:txBody>
       </p:sp>
@@ -688,50 +656,48 @@
         </p:nvSpPr>
         <p:spPr>
           <a:xfrm>
-            <a:off x="685800" y="4842935"/>
-            <a:ext cx="5486400" cy="914400"/>
-          </a:xfrm>
-        </p:spPr>
-        <p:txBody>
-          <a:bodyPr>
-            <a:normAutofit/>
-          </a:bodyPr>
+            <a:off x="857250" y="4802717"/>
+            <a:ext cx="5143500" cy="2207683"/>
+          </a:xfrm>
+        </p:spPr>
+        <p:txBody>
+          <a:bodyPr/>
           <a:lstStyle>
-            <a:lvl1pPr marL="0" indent="0" algn="l">
-              <a:buNone/>
-              <a:defRPr sz="1500"/>
+            <a:lvl1pPr marL="0" indent="0" algn="ctr">
+              <a:buNone/>
+              <a:defRPr sz="1800"/>
             </a:lvl1pPr>
-            <a:lvl2pPr marL="342900" indent="0" algn="ctr">
-              <a:buNone/>
-              <a:defRPr sz="1500"/>
+            <a:lvl2pPr marL="257175" indent="0" algn="ctr">
+              <a:buNone/>
+              <a:defRPr sz="1575"/>
             </a:lvl2pPr>
-            <a:lvl3pPr marL="685800" indent="0" algn="ctr">
+            <a:lvl3pPr marL="514350" indent="0" algn="ctr">
               <a:buNone/>
               <a:defRPr sz="1350"/>
             </a:lvl3pPr>
-            <a:lvl4pPr marL="1028700" indent="0" algn="ctr">
-              <a:buNone/>
-              <a:defRPr sz="1200"/>
+            <a:lvl4pPr marL="771525" indent="0" algn="ctr">
+              <a:buNone/>
+              <a:defRPr sz="1125"/>
             </a:lvl4pPr>
-            <a:lvl5pPr marL="1371600" indent="0" algn="ctr">
-              <a:buNone/>
-              <a:defRPr sz="1200"/>
+            <a:lvl5pPr marL="1028700" indent="0" algn="ctr">
+              <a:buNone/>
+              <a:defRPr sz="1125"/>
             </a:lvl5pPr>
-            <a:lvl6pPr marL="1714500" indent="0" algn="ctr">
-              <a:buNone/>
-              <a:defRPr sz="1200"/>
+            <a:lvl6pPr marL="1285875" indent="0" algn="ctr">
+              <a:buNone/>
+              <a:defRPr sz="1125"/>
             </a:lvl6pPr>
-            <a:lvl7pPr marL="2057400" indent="0" algn="ctr">
-              <a:buNone/>
-              <a:defRPr sz="1200"/>
+            <a:lvl7pPr marL="1543050" indent="0" algn="ctr">
+              <a:buNone/>
+              <a:defRPr sz="1125"/>
             </a:lvl7pPr>
-            <a:lvl8pPr marL="2400300" indent="0" algn="ctr">
-              <a:buNone/>
-              <a:defRPr sz="1200"/>
+            <a:lvl8pPr marL="1800225" indent="0" algn="ctr">
+              <a:buNone/>
+              <a:defRPr sz="1125"/>
             </a:lvl8pPr>
-            <a:lvl9pPr marL="2743200" indent="0" algn="ctr">
-              <a:buNone/>
-              <a:defRPr sz="1200"/>
+            <a:lvl9pPr marL="2057400" indent="0" algn="ctr">
+              <a:buNone/>
+              <a:defRPr sz="1125"/>
             </a:lvl9pPr>
           </a:lstStyle>
           <a:p>
@@ -739,7 +705,7 @@
               <a:rPr lang="ja-JP" altLang="en-US" smtClean="0"/>
               <a:t>マスター サブタイトルの書式設定</a:t>
             </a:r>
-            <a:endParaRPr lang="en-US" dirty="0"/>
+            <a:endParaRPr lang="en-US"/>
           </a:p>
         </p:txBody>
       </p:sp>
@@ -753,12 +719,7 @@
             <p:ph type="dt" sz="half" idx="10"/>
           </p:nvPr>
         </p:nvSpPr>
-        <p:spPr>
-          <a:xfrm>
-            <a:off x="4449128" y="5765128"/>
-            <a:ext cx="1723072" cy="486833"/>
-          </a:xfrm>
-        </p:spPr>
+        <p:spPr/>
         <p:txBody>
           <a:bodyPr/>
           <a:lstStyle/>
@@ -781,12 +742,7 @@
             <p:ph type="ftr" sz="quarter" idx="11"/>
           </p:nvPr>
         </p:nvSpPr>
-        <p:spPr>
-          <a:xfrm>
-            <a:off x="685800" y="5765129"/>
-            <a:ext cx="3660458" cy="486833"/>
-          </a:xfrm>
-        </p:spPr>
+        <p:spPr/>
         <p:txBody>
           <a:bodyPr/>
           <a:lstStyle/>
@@ -805,12 +761,7 @@
             <p:ph type="sldNum" sz="quarter" idx="12"/>
           </p:nvPr>
         </p:nvSpPr>
-        <p:spPr>
-          <a:xfrm>
-            <a:off x="4543425" y="1907824"/>
-            <a:ext cx="1628775" cy="486833"/>
-          </a:xfrm>
-        </p:spPr>
+        <p:spPr/>
         <p:txBody>
           <a:bodyPr/>
           <a:lstStyle/>
@@ -826,7 +777,7 @@
     </p:spTree>
     <p:extLst>
       <p:ext uri="{BB962C8B-B14F-4D97-AF65-F5344CB8AC3E}">
-        <p14:creationId xmlns:p14="http://schemas.microsoft.com/office/powerpoint/2010/main" val="4102536176"/>
+        <p14:creationId xmlns:p14="http://schemas.microsoft.com/office/powerpoint/2010/main" val="799078673"/>
       </p:ext>
     </p:extLst>
   </p:cSld>
@@ -837,2598 +788,6 @@
 </file>
 
 <file path=ppt/slideLayouts/slideLayout10.xml><?xml version="1.0" encoding="utf-8"?>
-<p:sldLayout xmlns:a="http://schemas.openxmlformats.org/drawingml/2006/main" xmlns:r="http://schemas.openxmlformats.org/officeDocument/2006/relationships" xmlns:p="http://schemas.openxmlformats.org/presentationml/2006/main" preserve="1">
-  <p:cSld name="パノラマ写真 (キャプション付き)">
-    <p:spTree>
-      <p:nvGrpSpPr>
-        <p:cNvPr id="1" name=""/>
-        <p:cNvGrpSpPr/>
-        <p:nvPr/>
-      </p:nvGrpSpPr>
-      <p:grpSpPr>
-        <a:xfrm>
-          <a:off x="0" y="0"/>
-          <a:ext cx="0" cy="0"/>
-          <a:chOff x="0" y="0"/>
-          <a:chExt cx="0" cy="0"/>
-        </a:xfrm>
-      </p:grpSpPr>
-      <p:sp>
-        <p:nvSpPr>
-          <p:cNvPr id="2" name="Title 1"/>
-          <p:cNvSpPr>
-            <a:spLocks noGrp="1"/>
-          </p:cNvSpPr>
-          <p:nvPr>
-            <p:ph type="title"/>
-          </p:nvPr>
-        </p:nvSpPr>
-        <p:spPr>
-          <a:xfrm>
-            <a:off x="445766" y="6263149"/>
-            <a:ext cx="5967362" cy="1092473"/>
-          </a:xfrm>
-        </p:spPr>
-        <p:txBody>
-          <a:bodyPr anchor="b"/>
-          <a:lstStyle>
-            <a:lvl1pPr algn="l">
-              <a:defRPr sz="2400"/>
-            </a:lvl1pPr>
-          </a:lstStyle>
-          <a:p>
-            <a:r>
-              <a:rPr lang="ja-JP" altLang="en-US" smtClean="0"/>
-              <a:t>マスター タイトルの書式設定</a:t>
-            </a:r>
-            <a:endParaRPr lang="en-US" dirty="0"/>
-          </a:p>
-        </p:txBody>
-      </p:sp>
-      <p:sp>
-        <p:nvSpPr>
-          <p:cNvPr id="3" name="Picture Placeholder 2"/>
-          <p:cNvSpPr>
-            <a:spLocks noGrp="1" noChangeAspect="1"/>
-          </p:cNvSpPr>
-          <p:nvPr>
-            <p:ph type="pic" idx="1"/>
-          </p:nvPr>
-        </p:nvSpPr>
-        <p:spPr>
-          <a:xfrm>
-            <a:off x="445766" y="1302714"/>
-            <a:ext cx="5962695" cy="4542629"/>
-          </a:xfrm>
-        </p:spPr>
-        <p:txBody>
-          <a:bodyPr anchor="t"/>
-          <a:lstStyle>
-            <a:lvl1pPr marL="0" indent="0">
-              <a:buNone/>
-              <a:defRPr sz="2400"/>
-            </a:lvl1pPr>
-            <a:lvl2pPr marL="342900" indent="0">
-              <a:buNone/>
-              <a:defRPr sz="2100"/>
-            </a:lvl2pPr>
-            <a:lvl3pPr marL="685800" indent="0">
-              <a:buNone/>
-              <a:defRPr sz="1800"/>
-            </a:lvl3pPr>
-            <a:lvl4pPr marL="1028700" indent="0">
-              <a:buNone/>
-              <a:defRPr sz="1500"/>
-            </a:lvl4pPr>
-            <a:lvl5pPr marL="1371600" indent="0">
-              <a:buNone/>
-              <a:defRPr sz="1500"/>
-            </a:lvl5pPr>
-            <a:lvl6pPr marL="1714500" indent="0">
-              <a:buNone/>
-              <a:defRPr sz="1500"/>
-            </a:lvl6pPr>
-            <a:lvl7pPr marL="2057400" indent="0">
-              <a:buNone/>
-              <a:defRPr sz="1500"/>
-            </a:lvl7pPr>
-            <a:lvl8pPr marL="2400300" indent="0">
-              <a:buNone/>
-              <a:defRPr sz="1500"/>
-            </a:lvl8pPr>
-            <a:lvl9pPr marL="2743200" indent="0">
-              <a:buNone/>
-              <a:defRPr sz="1500"/>
-            </a:lvl9pPr>
-          </a:lstStyle>
-          <a:p>
-            <a:r>
-              <a:rPr lang="ja-JP" altLang="en-US" smtClean="0"/>
-              <a:t>図を追加</a:t>
-            </a:r>
-            <a:endParaRPr lang="en-US" dirty="0"/>
-          </a:p>
-        </p:txBody>
-      </p:sp>
-      <p:sp>
-        <p:nvSpPr>
-          <p:cNvPr id="4" name="Text Placeholder 3"/>
-          <p:cNvSpPr>
-            <a:spLocks noGrp="1"/>
-          </p:cNvSpPr>
-          <p:nvPr>
-            <p:ph type="body" sz="half" idx="2"/>
-          </p:nvPr>
-        </p:nvSpPr>
-        <p:spPr>
-          <a:xfrm>
-            <a:off x="445770" y="7355621"/>
-            <a:ext cx="5966460" cy="995899"/>
-          </a:xfrm>
-        </p:spPr>
-        <p:txBody>
-          <a:bodyPr/>
-          <a:lstStyle>
-            <a:lvl1pPr marL="0" indent="0" algn="l">
-              <a:buNone/>
-              <a:defRPr sz="1200"/>
-            </a:lvl1pPr>
-            <a:lvl2pPr marL="342900" indent="0">
-              <a:buNone/>
-              <a:defRPr sz="1050"/>
-            </a:lvl2pPr>
-            <a:lvl3pPr marL="685800" indent="0">
-              <a:buNone/>
-              <a:defRPr sz="900"/>
-            </a:lvl3pPr>
-            <a:lvl4pPr marL="1028700" indent="0">
-              <a:buNone/>
-              <a:defRPr sz="750"/>
-            </a:lvl4pPr>
-            <a:lvl5pPr marL="1371600" indent="0">
-              <a:buNone/>
-              <a:defRPr sz="750"/>
-            </a:lvl5pPr>
-            <a:lvl6pPr marL="1714500" indent="0">
-              <a:buNone/>
-              <a:defRPr sz="750"/>
-            </a:lvl6pPr>
-            <a:lvl7pPr marL="2057400" indent="0">
-              <a:buNone/>
-              <a:defRPr sz="750"/>
-            </a:lvl7pPr>
-            <a:lvl8pPr marL="2400300" indent="0">
-              <a:buNone/>
-              <a:defRPr sz="750"/>
-            </a:lvl8pPr>
-            <a:lvl9pPr marL="2743200" indent="0">
-              <a:buNone/>
-              <a:defRPr sz="750"/>
-            </a:lvl9pPr>
-          </a:lstStyle>
-          <a:p>
-            <a:pPr lvl="0"/>
-            <a:r>
-              <a:rPr lang="ja-JP" altLang="en-US" smtClean="0"/>
-              <a:t>マスター テキストの書式設定</a:t>
-            </a:r>
-          </a:p>
-        </p:txBody>
-      </p:sp>
-      <p:sp>
-        <p:nvSpPr>
-          <p:cNvPr id="5" name="Date Placeholder 4"/>
-          <p:cNvSpPr>
-            <a:spLocks noGrp="1"/>
-          </p:cNvSpPr>
-          <p:nvPr>
-            <p:ph type="dt" sz="half" idx="10"/>
-          </p:nvPr>
-        </p:nvSpPr>
-        <p:spPr/>
-        <p:txBody>
-          <a:bodyPr/>
-          <a:lstStyle/>
-          <a:p>
-            <a:fld id="{7599971D-E424-4083-B0C6-61FDC58FEAC9}" type="datetimeFigureOut">
-              <a:rPr kumimoji="1" lang="ja-JP" altLang="en-US" smtClean="0"/>
-              <a:t>2016/12/14</a:t>
-            </a:fld>
-            <a:endParaRPr kumimoji="1" lang="ja-JP" altLang="en-US"/>
-          </a:p>
-        </p:txBody>
-      </p:sp>
-      <p:sp>
-        <p:nvSpPr>
-          <p:cNvPr id="6" name="Footer Placeholder 5"/>
-          <p:cNvSpPr>
-            <a:spLocks noGrp="1"/>
-          </p:cNvSpPr>
-          <p:nvPr>
-            <p:ph type="ftr" sz="quarter" idx="11"/>
-          </p:nvPr>
-        </p:nvSpPr>
-        <p:spPr/>
-        <p:txBody>
-          <a:bodyPr/>
-          <a:lstStyle/>
-          <a:p>
-            <a:endParaRPr kumimoji="1" lang="ja-JP" altLang="en-US"/>
-          </a:p>
-        </p:txBody>
-      </p:sp>
-      <p:sp>
-        <p:nvSpPr>
-          <p:cNvPr id="7" name="Slide Number Placeholder 6"/>
-          <p:cNvSpPr>
-            <a:spLocks noGrp="1"/>
-          </p:cNvSpPr>
-          <p:nvPr>
-            <p:ph type="sldNum" sz="quarter" idx="12"/>
-          </p:nvPr>
-        </p:nvSpPr>
-        <p:spPr/>
-        <p:txBody>
-          <a:bodyPr/>
-          <a:lstStyle/>
-          <a:p>
-            <a:fld id="{9231AA80-B81E-4211-B860-A0480B528245}" type="slidenum">
-              <a:rPr kumimoji="1" lang="ja-JP" altLang="en-US" smtClean="0"/>
-              <a:t>‹#›</a:t>
-            </a:fld>
-            <a:endParaRPr kumimoji="1" lang="ja-JP" altLang="en-US"/>
-          </a:p>
-        </p:txBody>
-      </p:sp>
-    </p:spTree>
-    <p:extLst>
-      <p:ext uri="{BB962C8B-B14F-4D97-AF65-F5344CB8AC3E}">
-        <p14:creationId xmlns:p14="http://schemas.microsoft.com/office/powerpoint/2010/main" val="3262393036"/>
-      </p:ext>
-    </p:extLst>
-  </p:cSld>
-  <p:clrMapOvr>
-    <a:masterClrMapping/>
-  </p:clrMapOvr>
-</p:sldLayout>
-</file>
-
-<file path=ppt/slideLayouts/slideLayout11.xml><?xml version="1.0" encoding="utf-8"?>
-<p:sldLayout xmlns:a="http://schemas.openxmlformats.org/drawingml/2006/main" xmlns:r="http://schemas.openxmlformats.org/officeDocument/2006/relationships" xmlns:p="http://schemas.openxmlformats.org/presentationml/2006/main" showMasterSp="0" preserve="1">
-  <p:cSld name="タイトルとキャプション">
-    <p:spTree>
-      <p:nvGrpSpPr>
-        <p:cNvPr id="1" name=""/>
-        <p:cNvGrpSpPr/>
-        <p:nvPr/>
-      </p:nvGrpSpPr>
-      <p:grpSpPr>
-        <a:xfrm>
-          <a:off x="0" y="0"/>
-          <a:ext cx="0" cy="0"/>
-          <a:chOff x="0" y="0"/>
-          <a:chExt cx="0" cy="0"/>
-        </a:xfrm>
-      </p:grpSpPr>
-      <p:pic>
-        <p:nvPicPr>
-          <p:cNvPr id="8" name="Picture 7" descr="C2-HD-BTM.png"/>
-          <p:cNvPicPr>
-            <a:picLocks noChangeAspect="1"/>
-          </p:cNvPicPr>
-          <p:nvPr/>
-        </p:nvPicPr>
-        <p:blipFill>
-          <a:blip r:embed="rId2">
-            <a:extLst>
-              <a:ext uri="{28A0092B-C50C-407E-A947-70E740481C1C}">
-                <a14:useLocalDpi xmlns:a14="http://schemas.microsoft.com/office/drawing/2010/main" val="0"/>
-              </a:ext>
-            </a:extLst>
-          </a:blip>
-          <a:stretch>
-            <a:fillRect/>
-          </a:stretch>
-        </p:blipFill>
-        <p:spPr>
-          <a:xfrm>
-            <a:off x="0" y="6661149"/>
-            <a:ext cx="6858000" cy="2482851"/>
-          </a:xfrm>
-          <a:prstGeom prst="rect">
-            <a:avLst/>
-          </a:prstGeom>
-        </p:spPr>
-      </p:pic>
-      <p:sp>
-        <p:nvSpPr>
-          <p:cNvPr id="2" name="Title 1"/>
-          <p:cNvSpPr>
-            <a:spLocks noGrp="1"/>
-          </p:cNvSpPr>
-          <p:nvPr>
-            <p:ph type="title"/>
-          </p:nvPr>
-        </p:nvSpPr>
-        <p:spPr>
-          <a:xfrm>
-            <a:off x="445770" y="1004711"/>
-            <a:ext cx="5966460" cy="3736623"/>
-          </a:xfrm>
-        </p:spPr>
-        <p:txBody>
-          <a:bodyPr anchor="ctr"/>
-          <a:lstStyle>
-            <a:lvl1pPr algn="l">
-              <a:defRPr sz="2400"/>
-            </a:lvl1pPr>
-          </a:lstStyle>
-          <a:p>
-            <a:r>
-              <a:rPr lang="ja-JP" altLang="en-US" smtClean="0"/>
-              <a:t>マスター タイトルの書式設定</a:t>
-            </a:r>
-            <a:endParaRPr lang="en-US" dirty="0"/>
-          </a:p>
-        </p:txBody>
-      </p:sp>
-      <p:sp>
-        <p:nvSpPr>
-          <p:cNvPr id="4" name="Text Placeholder 3"/>
-          <p:cNvSpPr>
-            <a:spLocks noGrp="1"/>
-          </p:cNvSpPr>
-          <p:nvPr>
-            <p:ph type="body" sz="half" idx="2"/>
-          </p:nvPr>
-        </p:nvSpPr>
-        <p:spPr>
-          <a:xfrm>
-            <a:off x="514350" y="4865512"/>
-            <a:ext cx="5829300" cy="1774469"/>
-          </a:xfrm>
-        </p:spPr>
-        <p:txBody>
-          <a:bodyPr anchor="ctr"/>
-          <a:lstStyle>
-            <a:lvl1pPr marL="0" indent="0">
-              <a:buNone/>
-              <a:defRPr sz="1200"/>
-            </a:lvl1pPr>
-            <a:lvl2pPr marL="342900" indent="0">
-              <a:buNone/>
-              <a:defRPr sz="1050"/>
-            </a:lvl2pPr>
-            <a:lvl3pPr marL="685800" indent="0">
-              <a:buNone/>
-              <a:defRPr sz="900"/>
-            </a:lvl3pPr>
-            <a:lvl4pPr marL="1028700" indent="0">
-              <a:buNone/>
-              <a:defRPr sz="750"/>
-            </a:lvl4pPr>
-            <a:lvl5pPr marL="1371600" indent="0">
-              <a:buNone/>
-              <a:defRPr sz="750"/>
-            </a:lvl5pPr>
-            <a:lvl6pPr marL="1714500" indent="0">
-              <a:buNone/>
-              <a:defRPr sz="750"/>
-            </a:lvl6pPr>
-            <a:lvl7pPr marL="2057400" indent="0">
-              <a:buNone/>
-              <a:defRPr sz="750"/>
-            </a:lvl7pPr>
-            <a:lvl8pPr marL="2400300" indent="0">
-              <a:buNone/>
-              <a:defRPr sz="750"/>
-            </a:lvl8pPr>
-            <a:lvl9pPr marL="2743200" indent="0">
-              <a:buNone/>
-              <a:defRPr sz="750"/>
-            </a:lvl9pPr>
-          </a:lstStyle>
-          <a:p>
-            <a:pPr lvl="0"/>
-            <a:r>
-              <a:rPr lang="ja-JP" altLang="en-US" smtClean="0"/>
-              <a:t>マスター テキストの書式設定</a:t>
-            </a:r>
-          </a:p>
-        </p:txBody>
-      </p:sp>
-      <p:sp>
-        <p:nvSpPr>
-          <p:cNvPr id="5" name="Date Placeholder 4"/>
-          <p:cNvSpPr>
-            <a:spLocks noGrp="1"/>
-          </p:cNvSpPr>
-          <p:nvPr>
-            <p:ph type="dt" sz="half" idx="10"/>
-          </p:nvPr>
-        </p:nvSpPr>
-        <p:spPr>
-          <a:xfrm>
-            <a:off x="4171632" y="508002"/>
-            <a:ext cx="1637348" cy="486833"/>
-          </a:xfrm>
-        </p:spPr>
-        <p:txBody>
-          <a:bodyPr/>
-          <a:lstStyle>
-            <a:lvl1pPr algn="r">
-              <a:defRPr/>
-            </a:lvl1pPr>
-          </a:lstStyle>
-          <a:p>
-            <a:fld id="{7599971D-E424-4083-B0C6-61FDC58FEAC9}" type="datetimeFigureOut">
-              <a:rPr kumimoji="1" lang="ja-JP" altLang="en-US" smtClean="0"/>
-              <a:t>2016/12/14</a:t>
-            </a:fld>
-            <a:endParaRPr kumimoji="1" lang="ja-JP" altLang="en-US"/>
-          </a:p>
-        </p:txBody>
-      </p:sp>
-      <p:sp>
-        <p:nvSpPr>
-          <p:cNvPr id="6" name="Footer Placeholder 5"/>
-          <p:cNvSpPr>
-            <a:spLocks noGrp="1"/>
-          </p:cNvSpPr>
-          <p:nvPr>
-            <p:ph type="ftr" sz="quarter" idx="11"/>
-          </p:nvPr>
-        </p:nvSpPr>
-        <p:spPr>
-          <a:xfrm>
-            <a:off x="445770" y="508002"/>
-            <a:ext cx="3622992" cy="486833"/>
-          </a:xfrm>
-        </p:spPr>
-        <p:txBody>
-          <a:bodyPr/>
-          <a:lstStyle/>
-          <a:p>
-            <a:endParaRPr kumimoji="1" lang="ja-JP" altLang="en-US"/>
-          </a:p>
-        </p:txBody>
-      </p:sp>
-      <p:sp>
-        <p:nvSpPr>
-          <p:cNvPr id="7" name="Slide Number Placeholder 6"/>
-          <p:cNvSpPr>
-            <a:spLocks noGrp="1"/>
-          </p:cNvSpPr>
-          <p:nvPr>
-            <p:ph type="sldNum" sz="quarter" idx="12"/>
-          </p:nvPr>
-        </p:nvSpPr>
-        <p:spPr>
-          <a:xfrm>
-            <a:off x="5911849" y="508002"/>
-            <a:ext cx="500381" cy="486833"/>
-          </a:xfrm>
-        </p:spPr>
-        <p:txBody>
-          <a:bodyPr/>
-          <a:lstStyle/>
-          <a:p>
-            <a:fld id="{9231AA80-B81E-4211-B860-A0480B528245}" type="slidenum">
-              <a:rPr kumimoji="1" lang="ja-JP" altLang="en-US" smtClean="0"/>
-              <a:t>‹#›</a:t>
-            </a:fld>
-            <a:endParaRPr kumimoji="1" lang="ja-JP" altLang="en-US"/>
-          </a:p>
-        </p:txBody>
-      </p:sp>
-    </p:spTree>
-    <p:extLst>
-      <p:ext uri="{BB962C8B-B14F-4D97-AF65-F5344CB8AC3E}">
-        <p14:creationId xmlns:p14="http://schemas.microsoft.com/office/powerpoint/2010/main" val="1680827378"/>
-      </p:ext>
-    </p:extLst>
-  </p:cSld>
-  <p:clrMapOvr>
-    <a:masterClrMapping/>
-  </p:clrMapOvr>
-</p:sldLayout>
-</file>
-
-<file path=ppt/slideLayouts/slideLayout12.xml><?xml version="1.0" encoding="utf-8"?>
-<p:sldLayout xmlns:a="http://schemas.openxmlformats.org/drawingml/2006/main" xmlns:r="http://schemas.openxmlformats.org/officeDocument/2006/relationships" xmlns:p="http://schemas.openxmlformats.org/presentationml/2006/main" showMasterSp="0" preserve="1">
-  <p:cSld name="引用 (キャプション付き)">
-    <p:spTree>
-      <p:nvGrpSpPr>
-        <p:cNvPr id="1" name=""/>
-        <p:cNvGrpSpPr/>
-        <p:nvPr/>
-      </p:nvGrpSpPr>
-      <p:grpSpPr>
-        <a:xfrm>
-          <a:off x="0" y="0"/>
-          <a:ext cx="0" cy="0"/>
-          <a:chOff x="0" y="0"/>
-          <a:chExt cx="0" cy="0"/>
-        </a:xfrm>
-      </p:grpSpPr>
-      <p:pic>
-        <p:nvPicPr>
-          <p:cNvPr id="15" name="Picture 14" descr="C2-HD-BTM.png"/>
-          <p:cNvPicPr>
-            <a:picLocks noChangeAspect="1"/>
-          </p:cNvPicPr>
-          <p:nvPr/>
-        </p:nvPicPr>
-        <p:blipFill>
-          <a:blip r:embed="rId2">
-            <a:extLst>
-              <a:ext uri="{28A0092B-C50C-407E-A947-70E740481C1C}">
-                <a14:useLocalDpi xmlns:a14="http://schemas.microsoft.com/office/drawing/2010/main" val="0"/>
-              </a:ext>
-            </a:extLst>
-          </a:blip>
-          <a:stretch>
-            <a:fillRect/>
-          </a:stretch>
-        </p:blipFill>
-        <p:spPr>
-          <a:xfrm>
-            <a:off x="0" y="6661149"/>
-            <a:ext cx="6858000" cy="2482851"/>
-          </a:xfrm>
-          <a:prstGeom prst="rect">
-            <a:avLst/>
-          </a:prstGeom>
-        </p:spPr>
-      </p:pic>
-      <p:sp>
-        <p:nvSpPr>
-          <p:cNvPr id="2" name="Title 1"/>
-          <p:cNvSpPr>
-            <a:spLocks noGrp="1"/>
-          </p:cNvSpPr>
-          <p:nvPr>
-            <p:ph type="title"/>
-          </p:nvPr>
-        </p:nvSpPr>
-        <p:spPr>
-          <a:xfrm>
-            <a:off x="576263" y="1004712"/>
-            <a:ext cx="5710238" cy="3674979"/>
-          </a:xfrm>
-        </p:spPr>
-        <p:txBody>
-          <a:bodyPr anchor="ctr"/>
-          <a:lstStyle>
-            <a:lvl1pPr algn="l">
-              <a:defRPr sz="2400"/>
-            </a:lvl1pPr>
-          </a:lstStyle>
-          <a:p>
-            <a:r>
-              <a:rPr lang="ja-JP" altLang="en-US" smtClean="0"/>
-              <a:t>マスター タイトルの書式設定</a:t>
-            </a:r>
-            <a:endParaRPr lang="en-US" dirty="0"/>
-          </a:p>
-        </p:txBody>
-      </p:sp>
-      <p:sp>
-        <p:nvSpPr>
-          <p:cNvPr id="12" name="Text Placeholder 3"/>
-          <p:cNvSpPr>
-            <a:spLocks noGrp="1"/>
-          </p:cNvSpPr>
-          <p:nvPr>
-            <p:ph type="body" sz="half" idx="13"/>
-          </p:nvPr>
-        </p:nvSpPr>
-        <p:spPr>
-          <a:xfrm>
-            <a:off x="733424" y="4679691"/>
-            <a:ext cx="5395914" cy="592591"/>
-          </a:xfrm>
-        </p:spPr>
-        <p:txBody>
-          <a:bodyPr anchor="t">
-            <a:normAutofit/>
-          </a:bodyPr>
-          <a:lstStyle>
-            <a:lvl1pPr marL="0" indent="0">
-              <a:buNone/>
-              <a:defRPr sz="1050"/>
-            </a:lvl1pPr>
-            <a:lvl2pPr marL="342900" indent="0">
-              <a:buNone/>
-              <a:defRPr sz="1050"/>
-            </a:lvl2pPr>
-            <a:lvl3pPr marL="685800" indent="0">
-              <a:buNone/>
-              <a:defRPr sz="900"/>
-            </a:lvl3pPr>
-            <a:lvl4pPr marL="1028700" indent="0">
-              <a:buNone/>
-              <a:defRPr sz="750"/>
-            </a:lvl4pPr>
-            <a:lvl5pPr marL="1371600" indent="0">
-              <a:buNone/>
-              <a:defRPr sz="750"/>
-            </a:lvl5pPr>
-            <a:lvl6pPr marL="1714500" indent="0">
-              <a:buNone/>
-              <a:defRPr sz="750"/>
-            </a:lvl6pPr>
-            <a:lvl7pPr marL="2057400" indent="0">
-              <a:buNone/>
-              <a:defRPr sz="750"/>
-            </a:lvl7pPr>
-            <a:lvl8pPr marL="2400300" indent="0">
-              <a:buNone/>
-              <a:defRPr sz="750"/>
-            </a:lvl8pPr>
-            <a:lvl9pPr marL="2743200" indent="0">
-              <a:buNone/>
-              <a:defRPr sz="750"/>
-            </a:lvl9pPr>
-          </a:lstStyle>
-          <a:p>
-            <a:pPr lvl="0"/>
-            <a:r>
-              <a:rPr lang="ja-JP" altLang="en-US" smtClean="0"/>
-              <a:t>マスター テキストの書式設定</a:t>
-            </a:r>
-          </a:p>
-        </p:txBody>
-      </p:sp>
-      <p:sp>
-        <p:nvSpPr>
-          <p:cNvPr id="4" name="Text Placeholder 3"/>
-          <p:cNvSpPr>
-            <a:spLocks noGrp="1"/>
-          </p:cNvSpPr>
-          <p:nvPr>
-            <p:ph type="body" sz="half" idx="2"/>
-          </p:nvPr>
-        </p:nvSpPr>
-        <p:spPr>
-          <a:xfrm>
-            <a:off x="514350" y="5566130"/>
-            <a:ext cx="5834064" cy="1095020"/>
-          </a:xfrm>
-        </p:spPr>
-        <p:txBody>
-          <a:bodyPr anchor="ctr">
-            <a:normAutofit/>
-          </a:bodyPr>
-          <a:lstStyle>
-            <a:lvl1pPr marL="0" indent="0">
-              <a:buNone/>
-              <a:defRPr sz="1200"/>
-            </a:lvl1pPr>
-            <a:lvl2pPr marL="342900" indent="0">
-              <a:buNone/>
-              <a:defRPr sz="1050"/>
-            </a:lvl2pPr>
-            <a:lvl3pPr marL="685800" indent="0">
-              <a:buNone/>
-              <a:defRPr sz="900"/>
-            </a:lvl3pPr>
-            <a:lvl4pPr marL="1028700" indent="0">
-              <a:buNone/>
-              <a:defRPr sz="750"/>
-            </a:lvl4pPr>
-            <a:lvl5pPr marL="1371600" indent="0">
-              <a:buNone/>
-              <a:defRPr sz="750"/>
-            </a:lvl5pPr>
-            <a:lvl6pPr marL="1714500" indent="0">
-              <a:buNone/>
-              <a:defRPr sz="750"/>
-            </a:lvl6pPr>
-            <a:lvl7pPr marL="2057400" indent="0">
-              <a:buNone/>
-              <a:defRPr sz="750"/>
-            </a:lvl7pPr>
-            <a:lvl8pPr marL="2400300" indent="0">
-              <a:buNone/>
-              <a:defRPr sz="750"/>
-            </a:lvl8pPr>
-            <a:lvl9pPr marL="2743200" indent="0">
-              <a:buNone/>
-              <a:defRPr sz="750"/>
-            </a:lvl9pPr>
-          </a:lstStyle>
-          <a:p>
-            <a:pPr lvl="0"/>
-            <a:r>
-              <a:rPr lang="ja-JP" altLang="en-US" smtClean="0"/>
-              <a:t>マスター テキストの書式設定</a:t>
-            </a:r>
-          </a:p>
-        </p:txBody>
-      </p:sp>
-      <p:sp>
-        <p:nvSpPr>
-          <p:cNvPr id="5" name="Date Placeholder 4"/>
-          <p:cNvSpPr>
-            <a:spLocks noGrp="1"/>
-          </p:cNvSpPr>
-          <p:nvPr>
-            <p:ph type="dt" sz="half" idx="10"/>
-          </p:nvPr>
-        </p:nvSpPr>
-        <p:spPr>
-          <a:xfrm>
-            <a:off x="4171632" y="508002"/>
-            <a:ext cx="1637348" cy="486833"/>
-          </a:xfrm>
-        </p:spPr>
-        <p:txBody>
-          <a:bodyPr/>
-          <a:lstStyle>
-            <a:lvl1pPr algn="r">
-              <a:defRPr/>
-            </a:lvl1pPr>
-          </a:lstStyle>
-          <a:p>
-            <a:fld id="{7599971D-E424-4083-B0C6-61FDC58FEAC9}" type="datetimeFigureOut">
-              <a:rPr kumimoji="1" lang="ja-JP" altLang="en-US" smtClean="0"/>
-              <a:t>2016/12/14</a:t>
-            </a:fld>
-            <a:endParaRPr kumimoji="1" lang="ja-JP" altLang="en-US"/>
-          </a:p>
-        </p:txBody>
-      </p:sp>
-      <p:sp>
-        <p:nvSpPr>
-          <p:cNvPr id="6" name="Footer Placeholder 5"/>
-          <p:cNvSpPr>
-            <a:spLocks noGrp="1"/>
-          </p:cNvSpPr>
-          <p:nvPr>
-            <p:ph type="ftr" sz="quarter" idx="11"/>
-          </p:nvPr>
-        </p:nvSpPr>
-        <p:spPr>
-          <a:xfrm>
-            <a:off x="445770" y="505918"/>
-            <a:ext cx="3622992" cy="486833"/>
-          </a:xfrm>
-        </p:spPr>
-        <p:txBody>
-          <a:bodyPr/>
-          <a:lstStyle/>
-          <a:p>
-            <a:endParaRPr kumimoji="1" lang="ja-JP" altLang="en-US"/>
-          </a:p>
-        </p:txBody>
-      </p:sp>
-      <p:sp>
-        <p:nvSpPr>
-          <p:cNvPr id="7" name="Slide Number Placeholder 6"/>
-          <p:cNvSpPr>
-            <a:spLocks noGrp="1"/>
-          </p:cNvSpPr>
-          <p:nvPr>
-            <p:ph type="sldNum" sz="quarter" idx="12"/>
-          </p:nvPr>
-        </p:nvSpPr>
-        <p:spPr>
-          <a:xfrm>
-            <a:off x="5911849" y="508002"/>
-            <a:ext cx="500381" cy="486833"/>
-          </a:xfrm>
-        </p:spPr>
-        <p:txBody>
-          <a:bodyPr/>
-          <a:lstStyle/>
-          <a:p>
-            <a:fld id="{9231AA80-B81E-4211-B860-A0480B528245}" type="slidenum">
-              <a:rPr kumimoji="1" lang="ja-JP" altLang="en-US" smtClean="0"/>
-              <a:t>‹#›</a:t>
-            </a:fld>
-            <a:endParaRPr kumimoji="1" lang="ja-JP" altLang="en-US"/>
-          </a:p>
-        </p:txBody>
-      </p:sp>
-      <p:sp>
-        <p:nvSpPr>
-          <p:cNvPr id="13" name="TextBox 12"/>
-          <p:cNvSpPr txBox="1"/>
-          <p:nvPr/>
-        </p:nvSpPr>
-        <p:spPr>
-          <a:xfrm>
-            <a:off x="173594" y="1076960"/>
-            <a:ext cx="342900" cy="779701"/>
-          </a:xfrm>
-          <a:prstGeom prst="rect">
-            <a:avLst/>
-          </a:prstGeom>
-        </p:spPr>
-        <p:txBody>
-          <a:bodyPr vert="horz" lIns="68580" tIns="34290" rIns="68580" bIns="34290" rtlCol="0" anchor="ctr">
-            <a:noAutofit/>
-          </a:bodyPr>
-          <a:lstStyle>
-            <a:lvl1pPr>
-              <a:spcBef>
-                <a:spcPct val="0"/>
-              </a:spcBef>
-              <a:buNone/>
-              <a:defRPr sz="3200" b="0" cap="all">
-                <a:ln w="3175" cmpd="sng">
-                  <a:noFill/>
-                </a:ln>
-                <a:effectLst>
-                  <a:glow rad="38100">
-                    <a:schemeClr val="bg1">
-                      <a:lumMod val="65000"/>
-                      <a:lumOff val="35000"/>
-                      <a:alpha val="40000"/>
-                    </a:schemeClr>
-                  </a:glow>
-                  <a:outerShdw blurRad="28575" dist="38100" dir="14040000" algn="tl" rotWithShape="0">
-                    <a:srgbClr val="000000">
-                      <a:alpha val="25000"/>
-                    </a:srgbClr>
-                  </a:outerShdw>
-                </a:effectLst>
-              </a:defRPr>
-            </a:lvl1pPr>
-            <a:lvl2pPr>
-              <a:defRPr>
-                <a:solidFill>
-                  <a:schemeClr val="tx2"/>
-                </a:solidFill>
-              </a:defRPr>
-            </a:lvl2pPr>
-            <a:lvl3pPr>
-              <a:defRPr>
-                <a:solidFill>
-                  <a:schemeClr val="tx2"/>
-                </a:solidFill>
-              </a:defRPr>
-            </a:lvl3pPr>
-            <a:lvl4pPr>
-              <a:defRPr>
-                <a:solidFill>
-                  <a:schemeClr val="tx2"/>
-                </a:solidFill>
-              </a:defRPr>
-            </a:lvl4pPr>
-            <a:lvl5pPr>
-              <a:defRPr>
-                <a:solidFill>
-                  <a:schemeClr val="tx2"/>
-                </a:solidFill>
-              </a:defRPr>
-            </a:lvl5pPr>
-            <a:lvl6pPr>
-              <a:defRPr>
-                <a:solidFill>
-                  <a:schemeClr val="tx2"/>
-                </a:solidFill>
-              </a:defRPr>
-            </a:lvl6pPr>
-            <a:lvl7pPr>
-              <a:defRPr>
-                <a:solidFill>
-                  <a:schemeClr val="tx2"/>
-                </a:solidFill>
-              </a:defRPr>
-            </a:lvl7pPr>
-            <a:lvl8pPr>
-              <a:defRPr>
-                <a:solidFill>
-                  <a:schemeClr val="tx2"/>
-                </a:solidFill>
-              </a:defRPr>
-            </a:lvl8pPr>
-            <a:lvl9pPr>
-              <a:defRPr>
-                <a:solidFill>
-                  <a:schemeClr val="tx2"/>
-                </a:solidFill>
-              </a:defRPr>
-            </a:lvl9pPr>
-          </a:lstStyle>
-          <a:p>
-            <a:pPr lvl="0"/>
-            <a:r>
-              <a:rPr lang="en-US" sz="6000" dirty="0">
-                <a:solidFill>
-                  <a:schemeClr val="tx1"/>
-                </a:solidFill>
-                <a:effectLst/>
-              </a:rPr>
-              <a:t>“</a:t>
-            </a:r>
-          </a:p>
-        </p:txBody>
-      </p:sp>
-      <p:sp>
-        <p:nvSpPr>
-          <p:cNvPr id="14" name="TextBox 13"/>
-          <p:cNvSpPr txBox="1"/>
-          <p:nvPr/>
-        </p:nvSpPr>
-        <p:spPr>
-          <a:xfrm>
-            <a:off x="6110050" y="4028440"/>
-            <a:ext cx="342900" cy="779701"/>
-          </a:xfrm>
-          <a:prstGeom prst="rect">
-            <a:avLst/>
-          </a:prstGeom>
-        </p:spPr>
-        <p:txBody>
-          <a:bodyPr vert="horz" lIns="68580" tIns="34290" rIns="68580" bIns="34290" rtlCol="0" anchor="ctr">
-            <a:noAutofit/>
-          </a:bodyPr>
-          <a:lstStyle>
-            <a:lvl1pPr>
-              <a:spcBef>
-                <a:spcPct val="0"/>
-              </a:spcBef>
-              <a:buNone/>
-              <a:defRPr sz="3200" b="0" cap="all">
-                <a:ln w="3175" cmpd="sng">
-                  <a:noFill/>
-                </a:ln>
-                <a:effectLst>
-                  <a:glow rad="38100">
-                    <a:schemeClr val="bg1">
-                      <a:lumMod val="65000"/>
-                      <a:lumOff val="35000"/>
-                      <a:alpha val="40000"/>
-                    </a:schemeClr>
-                  </a:glow>
-                  <a:outerShdw blurRad="28575" dist="38100" dir="14040000" algn="tl" rotWithShape="0">
-                    <a:srgbClr val="000000">
-                      <a:alpha val="25000"/>
-                    </a:srgbClr>
-                  </a:outerShdw>
-                </a:effectLst>
-              </a:defRPr>
-            </a:lvl1pPr>
-            <a:lvl2pPr>
-              <a:defRPr>
-                <a:solidFill>
-                  <a:schemeClr val="tx2"/>
-                </a:solidFill>
-              </a:defRPr>
-            </a:lvl2pPr>
-            <a:lvl3pPr>
-              <a:defRPr>
-                <a:solidFill>
-                  <a:schemeClr val="tx2"/>
-                </a:solidFill>
-              </a:defRPr>
-            </a:lvl3pPr>
-            <a:lvl4pPr>
-              <a:defRPr>
-                <a:solidFill>
-                  <a:schemeClr val="tx2"/>
-                </a:solidFill>
-              </a:defRPr>
-            </a:lvl4pPr>
-            <a:lvl5pPr>
-              <a:defRPr>
-                <a:solidFill>
-                  <a:schemeClr val="tx2"/>
-                </a:solidFill>
-              </a:defRPr>
-            </a:lvl5pPr>
-            <a:lvl6pPr>
-              <a:defRPr>
-                <a:solidFill>
-                  <a:schemeClr val="tx2"/>
-                </a:solidFill>
-              </a:defRPr>
-            </a:lvl6pPr>
-            <a:lvl7pPr>
-              <a:defRPr>
-                <a:solidFill>
-                  <a:schemeClr val="tx2"/>
-                </a:solidFill>
-              </a:defRPr>
-            </a:lvl7pPr>
-            <a:lvl8pPr>
-              <a:defRPr>
-                <a:solidFill>
-                  <a:schemeClr val="tx2"/>
-                </a:solidFill>
-              </a:defRPr>
-            </a:lvl8pPr>
-            <a:lvl9pPr>
-              <a:defRPr>
-                <a:solidFill>
-                  <a:schemeClr val="tx2"/>
-                </a:solidFill>
-              </a:defRPr>
-            </a:lvl9pPr>
-          </a:lstStyle>
-          <a:p>
-            <a:pPr lvl="0" algn="r"/>
-            <a:r>
-              <a:rPr lang="en-US" sz="6000" dirty="0">
-                <a:solidFill>
-                  <a:schemeClr val="tx1"/>
-                </a:solidFill>
-                <a:effectLst/>
-              </a:rPr>
-              <a:t>”</a:t>
-            </a:r>
-          </a:p>
-        </p:txBody>
-      </p:sp>
-    </p:spTree>
-    <p:extLst>
-      <p:ext uri="{BB962C8B-B14F-4D97-AF65-F5344CB8AC3E}">
-        <p14:creationId xmlns:p14="http://schemas.microsoft.com/office/powerpoint/2010/main" val="1971363769"/>
-      </p:ext>
-    </p:extLst>
-  </p:cSld>
-  <p:clrMapOvr>
-    <a:masterClrMapping/>
-  </p:clrMapOvr>
-</p:sldLayout>
-</file>
-
-<file path=ppt/slideLayouts/slideLayout13.xml><?xml version="1.0" encoding="utf-8"?>
-<p:sldLayout xmlns:a="http://schemas.openxmlformats.org/drawingml/2006/main" xmlns:r="http://schemas.openxmlformats.org/officeDocument/2006/relationships" xmlns:p="http://schemas.openxmlformats.org/presentationml/2006/main" showMasterSp="0" preserve="1">
-  <p:cSld name="名札">
-    <p:spTree>
-      <p:nvGrpSpPr>
-        <p:cNvPr id="1" name=""/>
-        <p:cNvGrpSpPr/>
-        <p:nvPr/>
-      </p:nvGrpSpPr>
-      <p:grpSpPr>
-        <a:xfrm>
-          <a:off x="0" y="0"/>
-          <a:ext cx="0" cy="0"/>
-          <a:chOff x="0" y="0"/>
-          <a:chExt cx="0" cy="0"/>
-        </a:xfrm>
-      </p:grpSpPr>
-      <p:pic>
-        <p:nvPicPr>
-          <p:cNvPr id="9" name="Picture 8" descr="C2-HD-BTM.png"/>
-          <p:cNvPicPr>
-            <a:picLocks noChangeAspect="1"/>
-          </p:cNvPicPr>
-          <p:nvPr/>
-        </p:nvPicPr>
-        <p:blipFill>
-          <a:blip r:embed="rId2">
-            <a:extLst>
-              <a:ext uri="{28A0092B-C50C-407E-A947-70E740481C1C}">
-                <a14:useLocalDpi xmlns:a14="http://schemas.microsoft.com/office/drawing/2010/main" val="0"/>
-              </a:ext>
-            </a:extLst>
-          </a:blip>
-          <a:stretch>
-            <a:fillRect/>
-          </a:stretch>
-        </p:blipFill>
-        <p:spPr>
-          <a:xfrm>
-            <a:off x="0" y="6661149"/>
-            <a:ext cx="6858000" cy="2482851"/>
-          </a:xfrm>
-          <a:prstGeom prst="rect">
-            <a:avLst/>
-          </a:prstGeom>
-        </p:spPr>
-      </p:pic>
-      <p:sp>
-        <p:nvSpPr>
-          <p:cNvPr id="2" name="Title 1"/>
-          <p:cNvSpPr>
-            <a:spLocks noGrp="1"/>
-          </p:cNvSpPr>
-          <p:nvPr>
-            <p:ph type="title"/>
-          </p:nvPr>
-        </p:nvSpPr>
-        <p:spPr>
-          <a:xfrm>
-            <a:off x="514350" y="1499604"/>
-            <a:ext cx="5831087" cy="3349113"/>
-          </a:xfrm>
-        </p:spPr>
-        <p:txBody>
-          <a:bodyPr anchor="b"/>
-          <a:lstStyle>
-            <a:lvl1pPr algn="l">
-              <a:defRPr sz="2400"/>
-            </a:lvl1pPr>
-          </a:lstStyle>
-          <a:p>
-            <a:r>
-              <a:rPr lang="ja-JP" altLang="en-US" smtClean="0"/>
-              <a:t>マスター タイトルの書式設定</a:t>
-            </a:r>
-            <a:endParaRPr lang="en-US" dirty="0"/>
-          </a:p>
-        </p:txBody>
-      </p:sp>
-      <p:sp>
-        <p:nvSpPr>
-          <p:cNvPr id="4" name="Text Placeholder 3"/>
-          <p:cNvSpPr>
-            <a:spLocks noGrp="1"/>
-          </p:cNvSpPr>
-          <p:nvPr>
-            <p:ph type="body" sz="half" idx="2"/>
-          </p:nvPr>
-        </p:nvSpPr>
-        <p:spPr>
-          <a:xfrm>
-            <a:off x="514344" y="4864422"/>
-            <a:ext cx="5830206" cy="1333180"/>
-          </a:xfrm>
-        </p:spPr>
-        <p:txBody>
-          <a:bodyPr anchor="t"/>
-          <a:lstStyle>
-            <a:lvl1pPr marL="0" indent="0">
-              <a:buNone/>
-              <a:defRPr sz="1200"/>
-            </a:lvl1pPr>
-            <a:lvl2pPr marL="342900" indent="0">
-              <a:buNone/>
-              <a:defRPr sz="1050"/>
-            </a:lvl2pPr>
-            <a:lvl3pPr marL="685800" indent="0">
-              <a:buNone/>
-              <a:defRPr sz="900"/>
-            </a:lvl3pPr>
-            <a:lvl4pPr marL="1028700" indent="0">
-              <a:buNone/>
-              <a:defRPr sz="750"/>
-            </a:lvl4pPr>
-            <a:lvl5pPr marL="1371600" indent="0">
-              <a:buNone/>
-              <a:defRPr sz="750"/>
-            </a:lvl5pPr>
-            <a:lvl6pPr marL="1714500" indent="0">
-              <a:buNone/>
-              <a:defRPr sz="750"/>
-            </a:lvl6pPr>
-            <a:lvl7pPr marL="2057400" indent="0">
-              <a:buNone/>
-              <a:defRPr sz="750"/>
-            </a:lvl7pPr>
-            <a:lvl8pPr marL="2400300" indent="0">
-              <a:buNone/>
-              <a:defRPr sz="750"/>
-            </a:lvl8pPr>
-            <a:lvl9pPr marL="2743200" indent="0">
-              <a:buNone/>
-              <a:defRPr sz="750"/>
-            </a:lvl9pPr>
-          </a:lstStyle>
-          <a:p>
-            <a:pPr lvl="0"/>
-            <a:r>
-              <a:rPr lang="ja-JP" altLang="en-US" smtClean="0"/>
-              <a:t>マスター テキストの書式設定</a:t>
-            </a:r>
-          </a:p>
-        </p:txBody>
-      </p:sp>
-      <p:sp>
-        <p:nvSpPr>
-          <p:cNvPr id="5" name="Date Placeholder 4"/>
-          <p:cNvSpPr>
-            <a:spLocks noGrp="1"/>
-          </p:cNvSpPr>
-          <p:nvPr>
-            <p:ph type="dt" sz="half" idx="10"/>
-          </p:nvPr>
-        </p:nvSpPr>
-        <p:spPr>
-          <a:xfrm>
-            <a:off x="4171632" y="505180"/>
-            <a:ext cx="1637348" cy="486833"/>
-          </a:xfrm>
-        </p:spPr>
-        <p:txBody>
-          <a:bodyPr/>
-          <a:lstStyle>
-            <a:lvl1pPr algn="r">
-              <a:defRPr/>
-            </a:lvl1pPr>
-          </a:lstStyle>
-          <a:p>
-            <a:fld id="{7599971D-E424-4083-B0C6-61FDC58FEAC9}" type="datetimeFigureOut">
-              <a:rPr kumimoji="1" lang="ja-JP" altLang="en-US" smtClean="0"/>
-              <a:t>2016/12/14</a:t>
-            </a:fld>
-            <a:endParaRPr kumimoji="1" lang="ja-JP" altLang="en-US"/>
-          </a:p>
-        </p:txBody>
-      </p:sp>
-      <p:sp>
-        <p:nvSpPr>
-          <p:cNvPr id="6" name="Footer Placeholder 5"/>
-          <p:cNvSpPr>
-            <a:spLocks noGrp="1"/>
-          </p:cNvSpPr>
-          <p:nvPr>
-            <p:ph type="ftr" sz="quarter" idx="11"/>
-          </p:nvPr>
-        </p:nvSpPr>
-        <p:spPr>
-          <a:xfrm>
-            <a:off x="445770" y="505180"/>
-            <a:ext cx="3622992" cy="486833"/>
-          </a:xfrm>
-        </p:spPr>
-        <p:txBody>
-          <a:bodyPr/>
-          <a:lstStyle/>
-          <a:p>
-            <a:endParaRPr kumimoji="1" lang="ja-JP" altLang="en-US"/>
-          </a:p>
-        </p:txBody>
-      </p:sp>
-      <p:sp>
-        <p:nvSpPr>
-          <p:cNvPr id="7" name="Slide Number Placeholder 6"/>
-          <p:cNvSpPr>
-            <a:spLocks noGrp="1"/>
-          </p:cNvSpPr>
-          <p:nvPr>
-            <p:ph type="sldNum" sz="quarter" idx="12"/>
-          </p:nvPr>
-        </p:nvSpPr>
-        <p:spPr>
-          <a:xfrm>
-            <a:off x="5911849" y="508002"/>
-            <a:ext cx="500381" cy="486833"/>
-          </a:xfrm>
-        </p:spPr>
-        <p:txBody>
-          <a:bodyPr/>
-          <a:lstStyle/>
-          <a:p>
-            <a:fld id="{9231AA80-B81E-4211-B860-A0480B528245}" type="slidenum">
-              <a:rPr kumimoji="1" lang="ja-JP" altLang="en-US" smtClean="0"/>
-              <a:t>‹#›</a:t>
-            </a:fld>
-            <a:endParaRPr kumimoji="1" lang="ja-JP" altLang="en-US"/>
-          </a:p>
-        </p:txBody>
-      </p:sp>
-    </p:spTree>
-    <p:extLst>
-      <p:ext uri="{BB962C8B-B14F-4D97-AF65-F5344CB8AC3E}">
-        <p14:creationId xmlns:p14="http://schemas.microsoft.com/office/powerpoint/2010/main" val="2354935537"/>
-      </p:ext>
-    </p:extLst>
-  </p:cSld>
-  <p:clrMapOvr>
-    <a:masterClrMapping/>
-  </p:clrMapOvr>
-</p:sldLayout>
-</file>
-
-<file path=ppt/slideLayouts/slideLayout14.xml><?xml version="1.0" encoding="utf-8"?>
-<p:sldLayout xmlns:a="http://schemas.openxmlformats.org/drawingml/2006/main" xmlns:r="http://schemas.openxmlformats.org/officeDocument/2006/relationships" xmlns:p="http://schemas.openxmlformats.org/presentationml/2006/main" preserve="1">
-  <p:cSld name="3 段">
-    <p:spTree>
-      <p:nvGrpSpPr>
-        <p:cNvPr id="1" name=""/>
-        <p:cNvGrpSpPr/>
-        <p:nvPr/>
-      </p:nvGrpSpPr>
-      <p:grpSpPr>
-        <a:xfrm>
-          <a:off x="0" y="0"/>
-          <a:ext cx="0" cy="0"/>
-          <a:chOff x="0" y="0"/>
-          <a:chExt cx="0" cy="0"/>
-        </a:xfrm>
-      </p:grpSpPr>
-      <p:sp>
-        <p:nvSpPr>
-          <p:cNvPr id="15" name="Title 1"/>
-          <p:cNvSpPr>
-            <a:spLocks noGrp="1"/>
-          </p:cNvSpPr>
-          <p:nvPr>
-            <p:ph type="title"/>
-          </p:nvPr>
-        </p:nvSpPr>
-        <p:spPr>
-          <a:xfrm>
-            <a:off x="1628776" y="1016001"/>
-            <a:ext cx="4783454" cy="1738489"/>
-          </a:xfrm>
-        </p:spPr>
-        <p:txBody>
-          <a:bodyPr/>
-          <a:lstStyle/>
-          <a:p>
-            <a:r>
-              <a:rPr lang="ja-JP" altLang="en-US" smtClean="0"/>
-              <a:t>マスター タイトルの書式設定</a:t>
-            </a:r>
-            <a:endParaRPr lang="en-US" dirty="0"/>
-          </a:p>
-        </p:txBody>
-      </p:sp>
-      <p:sp>
-        <p:nvSpPr>
-          <p:cNvPr id="7" name="Text Placeholder 2"/>
-          <p:cNvSpPr>
-            <a:spLocks noGrp="1"/>
-          </p:cNvSpPr>
-          <p:nvPr>
-            <p:ph type="body" idx="1"/>
-          </p:nvPr>
-        </p:nvSpPr>
-        <p:spPr>
-          <a:xfrm>
-            <a:off x="445771" y="2936107"/>
-            <a:ext cx="1920240" cy="823093"/>
-          </a:xfrm>
-        </p:spPr>
-        <p:txBody>
-          <a:bodyPr anchor="b">
-            <a:noAutofit/>
-          </a:bodyPr>
-          <a:lstStyle>
-            <a:lvl1pPr marL="0" indent="0">
-              <a:buNone/>
-              <a:defRPr sz="1800" b="0">
-                <a:solidFill>
-                  <a:schemeClr val="tx1"/>
-                </a:solidFill>
-              </a:defRPr>
-            </a:lvl1pPr>
-            <a:lvl2pPr marL="342900" indent="0">
-              <a:buNone/>
-              <a:defRPr sz="1500" b="1"/>
-            </a:lvl2pPr>
-            <a:lvl3pPr marL="685800" indent="0">
-              <a:buNone/>
-              <a:defRPr sz="1350" b="1"/>
-            </a:lvl3pPr>
-            <a:lvl4pPr marL="1028700" indent="0">
-              <a:buNone/>
-              <a:defRPr sz="1200" b="1"/>
-            </a:lvl4pPr>
-            <a:lvl5pPr marL="1371600" indent="0">
-              <a:buNone/>
-              <a:defRPr sz="1200" b="1"/>
-            </a:lvl5pPr>
-            <a:lvl6pPr marL="1714500" indent="0">
-              <a:buNone/>
-              <a:defRPr sz="1200" b="1"/>
-            </a:lvl6pPr>
-            <a:lvl7pPr marL="2057400" indent="0">
-              <a:buNone/>
-              <a:defRPr sz="1200" b="1"/>
-            </a:lvl7pPr>
-            <a:lvl8pPr marL="2400300" indent="0">
-              <a:buNone/>
-              <a:defRPr sz="1200" b="1"/>
-            </a:lvl8pPr>
-            <a:lvl9pPr marL="2743200" indent="0">
-              <a:buNone/>
-              <a:defRPr sz="1200" b="1"/>
-            </a:lvl9pPr>
-          </a:lstStyle>
-          <a:p>
-            <a:pPr lvl="0"/>
-            <a:r>
-              <a:rPr lang="ja-JP" altLang="en-US" smtClean="0"/>
-              <a:t>マスター テキストの書式設定</a:t>
-            </a:r>
-          </a:p>
-        </p:txBody>
-      </p:sp>
-      <p:sp>
-        <p:nvSpPr>
-          <p:cNvPr id="8" name="Text Placeholder 3"/>
-          <p:cNvSpPr>
-            <a:spLocks noGrp="1"/>
-          </p:cNvSpPr>
-          <p:nvPr>
-            <p:ph type="body" sz="half" idx="15"/>
-          </p:nvPr>
-        </p:nvSpPr>
-        <p:spPr>
-          <a:xfrm>
-            <a:off x="445770" y="3872753"/>
-            <a:ext cx="1920240" cy="4478772"/>
-          </a:xfrm>
-        </p:spPr>
-        <p:txBody>
-          <a:bodyPr anchor="t">
-            <a:normAutofit/>
-          </a:bodyPr>
-          <a:lstStyle>
-            <a:lvl1pPr marL="0" indent="0">
-              <a:buNone/>
-              <a:defRPr sz="1050"/>
-            </a:lvl1pPr>
-            <a:lvl2pPr marL="342900" indent="0">
-              <a:buNone/>
-              <a:defRPr sz="900"/>
-            </a:lvl2pPr>
-            <a:lvl3pPr marL="685800" indent="0">
-              <a:buNone/>
-              <a:defRPr sz="750"/>
-            </a:lvl3pPr>
-            <a:lvl4pPr marL="1028700" indent="0">
-              <a:buNone/>
-              <a:defRPr sz="675"/>
-            </a:lvl4pPr>
-            <a:lvl5pPr marL="1371600" indent="0">
-              <a:buNone/>
-              <a:defRPr sz="675"/>
-            </a:lvl5pPr>
-            <a:lvl6pPr marL="1714500" indent="0">
-              <a:buNone/>
-              <a:defRPr sz="675"/>
-            </a:lvl6pPr>
-            <a:lvl7pPr marL="2057400" indent="0">
-              <a:buNone/>
-              <a:defRPr sz="675"/>
-            </a:lvl7pPr>
-            <a:lvl8pPr marL="2400300" indent="0">
-              <a:buNone/>
-              <a:defRPr sz="675"/>
-            </a:lvl8pPr>
-            <a:lvl9pPr marL="2743200" indent="0">
-              <a:buNone/>
-              <a:defRPr sz="675"/>
-            </a:lvl9pPr>
-          </a:lstStyle>
-          <a:p>
-            <a:pPr lvl="0"/>
-            <a:r>
-              <a:rPr lang="ja-JP" altLang="en-US" smtClean="0"/>
-              <a:t>マスター テキストの書式設定</a:t>
-            </a:r>
-          </a:p>
-        </p:txBody>
-      </p:sp>
-      <p:sp>
-        <p:nvSpPr>
-          <p:cNvPr id="9" name="Text Placeholder 4"/>
-          <p:cNvSpPr>
-            <a:spLocks noGrp="1"/>
-          </p:cNvSpPr>
-          <p:nvPr>
-            <p:ph type="body" sz="quarter" idx="3"/>
-          </p:nvPr>
-        </p:nvSpPr>
-        <p:spPr>
-          <a:xfrm>
-            <a:off x="2476678" y="2935110"/>
-            <a:ext cx="1920240" cy="835379"/>
-          </a:xfrm>
-        </p:spPr>
-        <p:txBody>
-          <a:bodyPr anchor="b">
-            <a:noAutofit/>
-          </a:bodyPr>
-          <a:lstStyle>
-            <a:lvl1pPr marL="0" indent="0">
-              <a:buNone/>
-              <a:defRPr sz="1800" b="0">
-                <a:solidFill>
-                  <a:schemeClr val="tx1"/>
-                </a:solidFill>
-              </a:defRPr>
-            </a:lvl1pPr>
-            <a:lvl2pPr marL="342900" indent="0">
-              <a:buNone/>
-              <a:defRPr sz="1500" b="1"/>
-            </a:lvl2pPr>
-            <a:lvl3pPr marL="685800" indent="0">
-              <a:buNone/>
-              <a:defRPr sz="1350" b="1"/>
-            </a:lvl3pPr>
-            <a:lvl4pPr marL="1028700" indent="0">
-              <a:buNone/>
-              <a:defRPr sz="1200" b="1"/>
-            </a:lvl4pPr>
-            <a:lvl5pPr marL="1371600" indent="0">
-              <a:buNone/>
-              <a:defRPr sz="1200" b="1"/>
-            </a:lvl5pPr>
-            <a:lvl6pPr marL="1714500" indent="0">
-              <a:buNone/>
-              <a:defRPr sz="1200" b="1"/>
-            </a:lvl6pPr>
-            <a:lvl7pPr marL="2057400" indent="0">
-              <a:buNone/>
-              <a:defRPr sz="1200" b="1"/>
-            </a:lvl7pPr>
-            <a:lvl8pPr marL="2400300" indent="0">
-              <a:buNone/>
-              <a:defRPr sz="1200" b="1"/>
-            </a:lvl8pPr>
-            <a:lvl9pPr marL="2743200" indent="0">
-              <a:buNone/>
-              <a:defRPr sz="1200" b="1"/>
-            </a:lvl9pPr>
-          </a:lstStyle>
-          <a:p>
-            <a:pPr lvl="0"/>
-            <a:r>
-              <a:rPr lang="ja-JP" altLang="en-US" smtClean="0"/>
-              <a:t>マスター テキストの書式設定</a:t>
-            </a:r>
-          </a:p>
-        </p:txBody>
-      </p:sp>
-      <p:sp>
-        <p:nvSpPr>
-          <p:cNvPr id="10" name="Text Placeholder 3"/>
-          <p:cNvSpPr>
-            <a:spLocks noGrp="1"/>
-          </p:cNvSpPr>
-          <p:nvPr>
-            <p:ph type="body" sz="half" idx="16"/>
-          </p:nvPr>
-        </p:nvSpPr>
-        <p:spPr>
-          <a:xfrm>
-            <a:off x="2475586" y="3872091"/>
-            <a:ext cx="1920240" cy="4479429"/>
-          </a:xfrm>
-        </p:spPr>
-        <p:txBody>
-          <a:bodyPr anchor="t">
-            <a:normAutofit/>
-          </a:bodyPr>
-          <a:lstStyle>
-            <a:lvl1pPr marL="0" indent="0">
-              <a:buNone/>
-              <a:defRPr sz="1050"/>
-            </a:lvl1pPr>
-            <a:lvl2pPr marL="342900" indent="0">
-              <a:buNone/>
-              <a:defRPr sz="900"/>
-            </a:lvl2pPr>
-            <a:lvl3pPr marL="685800" indent="0">
-              <a:buNone/>
-              <a:defRPr sz="750"/>
-            </a:lvl3pPr>
-            <a:lvl4pPr marL="1028700" indent="0">
-              <a:buNone/>
-              <a:defRPr sz="675"/>
-            </a:lvl4pPr>
-            <a:lvl5pPr marL="1371600" indent="0">
-              <a:buNone/>
-              <a:defRPr sz="675"/>
-            </a:lvl5pPr>
-            <a:lvl6pPr marL="1714500" indent="0">
-              <a:buNone/>
-              <a:defRPr sz="675"/>
-            </a:lvl6pPr>
-            <a:lvl7pPr marL="2057400" indent="0">
-              <a:buNone/>
-              <a:defRPr sz="675"/>
-            </a:lvl7pPr>
-            <a:lvl8pPr marL="2400300" indent="0">
-              <a:buNone/>
-              <a:defRPr sz="675"/>
-            </a:lvl8pPr>
-            <a:lvl9pPr marL="2743200" indent="0">
-              <a:buNone/>
-              <a:defRPr sz="675"/>
-            </a:lvl9pPr>
-          </a:lstStyle>
-          <a:p>
-            <a:pPr lvl="0"/>
-            <a:r>
-              <a:rPr lang="ja-JP" altLang="en-US" smtClean="0"/>
-              <a:t>マスター テキストの書式設定</a:t>
-            </a:r>
-          </a:p>
-        </p:txBody>
-      </p:sp>
-      <p:sp>
-        <p:nvSpPr>
-          <p:cNvPr id="11" name="Text Placeholder 4"/>
-          <p:cNvSpPr>
-            <a:spLocks noGrp="1"/>
-          </p:cNvSpPr>
-          <p:nvPr>
-            <p:ph type="body" sz="quarter" idx="13"/>
-          </p:nvPr>
-        </p:nvSpPr>
-        <p:spPr>
-          <a:xfrm>
-            <a:off x="4491989" y="2923821"/>
-            <a:ext cx="1920240" cy="835379"/>
-          </a:xfrm>
-        </p:spPr>
-        <p:txBody>
-          <a:bodyPr anchor="b">
-            <a:noAutofit/>
-          </a:bodyPr>
-          <a:lstStyle>
-            <a:lvl1pPr marL="0" indent="0">
-              <a:buNone/>
-              <a:defRPr sz="1800" b="0">
-                <a:solidFill>
-                  <a:schemeClr val="tx1"/>
-                </a:solidFill>
-              </a:defRPr>
-            </a:lvl1pPr>
-            <a:lvl2pPr marL="342900" indent="0">
-              <a:buNone/>
-              <a:defRPr sz="1500" b="1"/>
-            </a:lvl2pPr>
-            <a:lvl3pPr marL="685800" indent="0">
-              <a:buNone/>
-              <a:defRPr sz="1350" b="1"/>
-            </a:lvl3pPr>
-            <a:lvl4pPr marL="1028700" indent="0">
-              <a:buNone/>
-              <a:defRPr sz="1200" b="1"/>
-            </a:lvl4pPr>
-            <a:lvl5pPr marL="1371600" indent="0">
-              <a:buNone/>
-              <a:defRPr sz="1200" b="1"/>
-            </a:lvl5pPr>
-            <a:lvl6pPr marL="1714500" indent="0">
-              <a:buNone/>
-              <a:defRPr sz="1200" b="1"/>
-            </a:lvl6pPr>
-            <a:lvl7pPr marL="2057400" indent="0">
-              <a:buNone/>
-              <a:defRPr sz="1200" b="1"/>
-            </a:lvl7pPr>
-            <a:lvl8pPr marL="2400300" indent="0">
-              <a:buNone/>
-              <a:defRPr sz="1200" b="1"/>
-            </a:lvl8pPr>
-            <a:lvl9pPr marL="2743200" indent="0">
-              <a:buNone/>
-              <a:defRPr sz="1200" b="1"/>
-            </a:lvl9pPr>
-          </a:lstStyle>
-          <a:p>
-            <a:pPr lvl="0"/>
-            <a:r>
-              <a:rPr lang="ja-JP" altLang="en-US" smtClean="0"/>
-              <a:t>マスター テキストの書式設定</a:t>
-            </a:r>
-          </a:p>
-        </p:txBody>
-      </p:sp>
-      <p:sp>
-        <p:nvSpPr>
-          <p:cNvPr id="12" name="Text Placeholder 3"/>
-          <p:cNvSpPr>
-            <a:spLocks noGrp="1"/>
-          </p:cNvSpPr>
-          <p:nvPr>
-            <p:ph type="body" sz="half" idx="17"/>
-          </p:nvPr>
-        </p:nvSpPr>
-        <p:spPr>
-          <a:xfrm>
-            <a:off x="4491990" y="3872753"/>
-            <a:ext cx="1920240" cy="4478772"/>
-          </a:xfrm>
-        </p:spPr>
-        <p:txBody>
-          <a:bodyPr anchor="t">
-            <a:normAutofit/>
-          </a:bodyPr>
-          <a:lstStyle>
-            <a:lvl1pPr marL="0" indent="0">
-              <a:buNone/>
-              <a:defRPr sz="1050"/>
-            </a:lvl1pPr>
-            <a:lvl2pPr marL="342900" indent="0">
-              <a:buNone/>
-              <a:defRPr sz="900"/>
-            </a:lvl2pPr>
-            <a:lvl3pPr marL="685800" indent="0">
-              <a:buNone/>
-              <a:defRPr sz="750"/>
-            </a:lvl3pPr>
-            <a:lvl4pPr marL="1028700" indent="0">
-              <a:buNone/>
-              <a:defRPr sz="675"/>
-            </a:lvl4pPr>
-            <a:lvl5pPr marL="1371600" indent="0">
-              <a:buNone/>
-              <a:defRPr sz="675"/>
-            </a:lvl5pPr>
-            <a:lvl6pPr marL="1714500" indent="0">
-              <a:buNone/>
-              <a:defRPr sz="675"/>
-            </a:lvl6pPr>
-            <a:lvl7pPr marL="2057400" indent="0">
-              <a:buNone/>
-              <a:defRPr sz="675"/>
-            </a:lvl7pPr>
-            <a:lvl8pPr marL="2400300" indent="0">
-              <a:buNone/>
-              <a:defRPr sz="675"/>
-            </a:lvl8pPr>
-            <a:lvl9pPr marL="2743200" indent="0">
-              <a:buNone/>
-              <a:defRPr sz="675"/>
-            </a:lvl9pPr>
-          </a:lstStyle>
-          <a:p>
-            <a:pPr lvl="0"/>
-            <a:r>
-              <a:rPr lang="ja-JP" altLang="en-US" smtClean="0"/>
-              <a:t>マスター テキストの書式設定</a:t>
-            </a:r>
-          </a:p>
-        </p:txBody>
-      </p:sp>
-      <p:sp>
-        <p:nvSpPr>
-          <p:cNvPr id="3" name="Date Placeholder 2"/>
-          <p:cNvSpPr>
-            <a:spLocks noGrp="1"/>
-          </p:cNvSpPr>
-          <p:nvPr>
-            <p:ph type="dt" sz="half" idx="10"/>
-          </p:nvPr>
-        </p:nvSpPr>
-        <p:spPr/>
-        <p:txBody>
-          <a:bodyPr/>
-          <a:lstStyle/>
-          <a:p>
-            <a:fld id="{7599971D-E424-4083-B0C6-61FDC58FEAC9}" type="datetimeFigureOut">
-              <a:rPr kumimoji="1" lang="ja-JP" altLang="en-US" smtClean="0"/>
-              <a:t>2016/12/14</a:t>
-            </a:fld>
-            <a:endParaRPr kumimoji="1" lang="ja-JP" altLang="en-US"/>
-          </a:p>
-        </p:txBody>
-      </p:sp>
-      <p:sp>
-        <p:nvSpPr>
-          <p:cNvPr id="4" name="Footer Placeholder 3"/>
-          <p:cNvSpPr>
-            <a:spLocks noGrp="1"/>
-          </p:cNvSpPr>
-          <p:nvPr>
-            <p:ph type="ftr" sz="quarter" idx="11"/>
-          </p:nvPr>
-        </p:nvSpPr>
-        <p:spPr/>
-        <p:txBody>
-          <a:bodyPr/>
-          <a:lstStyle/>
-          <a:p>
-            <a:endParaRPr kumimoji="1" lang="ja-JP" altLang="en-US"/>
-          </a:p>
-        </p:txBody>
-      </p:sp>
-      <p:sp>
-        <p:nvSpPr>
-          <p:cNvPr id="5" name="Slide Number Placeholder 4"/>
-          <p:cNvSpPr>
-            <a:spLocks noGrp="1"/>
-          </p:cNvSpPr>
-          <p:nvPr>
-            <p:ph type="sldNum" sz="quarter" idx="12"/>
-          </p:nvPr>
-        </p:nvSpPr>
-        <p:spPr/>
-        <p:txBody>
-          <a:bodyPr/>
-          <a:lstStyle/>
-          <a:p>
-            <a:fld id="{9231AA80-B81E-4211-B860-A0480B528245}" type="slidenum">
-              <a:rPr kumimoji="1" lang="ja-JP" altLang="en-US" smtClean="0"/>
-              <a:t>‹#›</a:t>
-            </a:fld>
-            <a:endParaRPr kumimoji="1" lang="ja-JP" altLang="en-US"/>
-          </a:p>
-        </p:txBody>
-      </p:sp>
-    </p:spTree>
-    <p:extLst>
-      <p:ext uri="{BB962C8B-B14F-4D97-AF65-F5344CB8AC3E}">
-        <p14:creationId xmlns:p14="http://schemas.microsoft.com/office/powerpoint/2010/main" val="3433610019"/>
-      </p:ext>
-    </p:extLst>
-  </p:cSld>
-  <p:clrMapOvr>
-    <a:masterClrMapping/>
-  </p:clrMapOvr>
-</p:sldLayout>
-</file>
-
-<file path=ppt/slideLayouts/slideLayout15.xml><?xml version="1.0" encoding="utf-8"?>
-<p:sldLayout xmlns:a="http://schemas.openxmlformats.org/drawingml/2006/main" xmlns:r="http://schemas.openxmlformats.org/officeDocument/2006/relationships" xmlns:p="http://schemas.openxmlformats.org/presentationml/2006/main" preserve="1">
-  <p:cSld name="3 つの画像列">
-    <p:spTree>
-      <p:nvGrpSpPr>
-        <p:cNvPr id="1" name=""/>
-        <p:cNvGrpSpPr/>
-        <p:nvPr/>
-      </p:nvGrpSpPr>
-      <p:grpSpPr>
-        <a:xfrm>
-          <a:off x="0" y="0"/>
-          <a:ext cx="0" cy="0"/>
-          <a:chOff x="0" y="0"/>
-          <a:chExt cx="0" cy="0"/>
-        </a:xfrm>
-      </p:grpSpPr>
-      <p:sp>
-        <p:nvSpPr>
-          <p:cNvPr id="30" name="Title 1"/>
-          <p:cNvSpPr>
-            <a:spLocks noGrp="1"/>
-          </p:cNvSpPr>
-          <p:nvPr>
-            <p:ph type="title"/>
-          </p:nvPr>
-        </p:nvSpPr>
-        <p:spPr>
-          <a:xfrm>
-            <a:off x="1628777" y="1016000"/>
-            <a:ext cx="4786488" cy="1727200"/>
-          </a:xfrm>
-        </p:spPr>
-        <p:txBody>
-          <a:bodyPr/>
-          <a:lstStyle/>
-          <a:p>
-            <a:r>
-              <a:rPr lang="ja-JP" altLang="en-US" smtClean="0"/>
-              <a:t>マスター タイトルの書式設定</a:t>
-            </a:r>
-            <a:endParaRPr lang="en-US" dirty="0"/>
-          </a:p>
-        </p:txBody>
-      </p:sp>
-      <p:sp>
-        <p:nvSpPr>
-          <p:cNvPr id="19" name="Text Placeholder 2"/>
-          <p:cNvSpPr>
-            <a:spLocks noGrp="1"/>
-          </p:cNvSpPr>
-          <p:nvPr>
-            <p:ph type="body" idx="1"/>
-          </p:nvPr>
-        </p:nvSpPr>
-        <p:spPr>
-          <a:xfrm>
-            <a:off x="445770" y="5484454"/>
-            <a:ext cx="1920240" cy="910353"/>
-          </a:xfrm>
-        </p:spPr>
-        <p:txBody>
-          <a:bodyPr anchor="b">
-            <a:noAutofit/>
-          </a:bodyPr>
-          <a:lstStyle>
-            <a:lvl1pPr marL="0" indent="0">
-              <a:buNone/>
-              <a:defRPr sz="1800" b="0">
-                <a:solidFill>
-                  <a:schemeClr val="tx1"/>
-                </a:solidFill>
-              </a:defRPr>
-            </a:lvl1pPr>
-            <a:lvl2pPr marL="342900" indent="0">
-              <a:buNone/>
-              <a:defRPr sz="1500" b="1"/>
-            </a:lvl2pPr>
-            <a:lvl3pPr marL="685800" indent="0">
-              <a:buNone/>
-              <a:defRPr sz="1350" b="1"/>
-            </a:lvl3pPr>
-            <a:lvl4pPr marL="1028700" indent="0">
-              <a:buNone/>
-              <a:defRPr sz="1200" b="1"/>
-            </a:lvl4pPr>
-            <a:lvl5pPr marL="1371600" indent="0">
-              <a:buNone/>
-              <a:defRPr sz="1200" b="1"/>
-            </a:lvl5pPr>
-            <a:lvl6pPr marL="1714500" indent="0">
-              <a:buNone/>
-              <a:defRPr sz="1200" b="1"/>
-            </a:lvl6pPr>
-            <a:lvl7pPr marL="2057400" indent="0">
-              <a:buNone/>
-              <a:defRPr sz="1200" b="1"/>
-            </a:lvl7pPr>
-            <a:lvl8pPr marL="2400300" indent="0">
-              <a:buNone/>
-              <a:defRPr sz="1200" b="1"/>
-            </a:lvl8pPr>
-            <a:lvl9pPr marL="2743200" indent="0">
-              <a:buNone/>
-              <a:defRPr sz="1200" b="1"/>
-            </a:lvl9pPr>
-          </a:lstStyle>
-          <a:p>
-            <a:pPr lvl="0"/>
-            <a:r>
-              <a:rPr lang="ja-JP" altLang="en-US" smtClean="0"/>
-              <a:t>マスター テキストの書式設定</a:t>
-            </a:r>
-          </a:p>
-        </p:txBody>
-      </p:sp>
-      <p:sp>
-        <p:nvSpPr>
-          <p:cNvPr id="20" name="Picture Placeholder 2"/>
-          <p:cNvSpPr>
-            <a:spLocks noGrp="1" noChangeAspect="1"/>
-          </p:cNvSpPr>
-          <p:nvPr>
-            <p:ph type="pic" idx="15"/>
-          </p:nvPr>
-        </p:nvSpPr>
-        <p:spPr>
-          <a:xfrm>
-            <a:off x="445770" y="3108960"/>
-            <a:ext cx="1920240" cy="2009733"/>
-          </a:xfrm>
-          <a:prstGeom prst="roundRect">
-            <a:avLst>
-              <a:gd name="adj" fmla="val 0"/>
-            </a:avLst>
-          </a:prstGeom>
-          <a:effectLst>
-            <a:outerShdw blurRad="50800" dist="50800" dir="5400000" algn="tl" rotWithShape="0">
-              <a:srgbClr val="000000">
-                <a:alpha val="43000"/>
-              </a:srgbClr>
-            </a:outerShdw>
-          </a:effectLst>
-        </p:spPr>
-        <p:txBody>
-          <a:bodyPr anchor="t">
-            <a:normAutofit/>
-          </a:bodyPr>
-          <a:lstStyle>
-            <a:lvl1pPr marL="0" indent="0" algn="ctr">
-              <a:buNone/>
-              <a:defRPr sz="1200"/>
-            </a:lvl1pPr>
-            <a:lvl2pPr marL="342900" indent="0">
-              <a:buNone/>
-              <a:defRPr sz="1200"/>
-            </a:lvl2pPr>
-            <a:lvl3pPr marL="685800" indent="0">
-              <a:buNone/>
-              <a:defRPr sz="1200"/>
-            </a:lvl3pPr>
-            <a:lvl4pPr marL="1028700" indent="0">
-              <a:buNone/>
-              <a:defRPr sz="1200"/>
-            </a:lvl4pPr>
-            <a:lvl5pPr marL="1371600" indent="0">
-              <a:buNone/>
-              <a:defRPr sz="1200"/>
-            </a:lvl5pPr>
-            <a:lvl6pPr marL="1714500" indent="0">
-              <a:buNone/>
-              <a:defRPr sz="1200"/>
-            </a:lvl6pPr>
-            <a:lvl7pPr marL="2057400" indent="0">
-              <a:buNone/>
-              <a:defRPr sz="1200"/>
-            </a:lvl7pPr>
-            <a:lvl8pPr marL="2400300" indent="0">
-              <a:buNone/>
-              <a:defRPr sz="1200"/>
-            </a:lvl8pPr>
-            <a:lvl9pPr marL="2743200" indent="0">
-              <a:buNone/>
-              <a:defRPr sz="1200"/>
-            </a:lvl9pPr>
-          </a:lstStyle>
-          <a:p>
-            <a:r>
-              <a:rPr lang="ja-JP" altLang="en-US" smtClean="0"/>
-              <a:t>図を追加</a:t>
-            </a:r>
-            <a:endParaRPr lang="en-US" dirty="0"/>
-          </a:p>
-        </p:txBody>
-      </p:sp>
-      <p:sp>
-        <p:nvSpPr>
-          <p:cNvPr id="21" name="Text Placeholder 3"/>
-          <p:cNvSpPr>
-            <a:spLocks noGrp="1"/>
-          </p:cNvSpPr>
-          <p:nvPr>
-            <p:ph type="body" sz="half" idx="18"/>
-          </p:nvPr>
-        </p:nvSpPr>
-        <p:spPr>
-          <a:xfrm>
-            <a:off x="445770" y="6394805"/>
-            <a:ext cx="1920240" cy="1956716"/>
-          </a:xfrm>
-        </p:spPr>
-        <p:txBody>
-          <a:bodyPr anchor="t">
-            <a:normAutofit/>
-          </a:bodyPr>
-          <a:lstStyle>
-            <a:lvl1pPr marL="0" indent="0">
-              <a:buNone/>
-              <a:defRPr sz="1050"/>
-            </a:lvl1pPr>
-            <a:lvl2pPr marL="342900" indent="0">
-              <a:buNone/>
-              <a:defRPr sz="900"/>
-            </a:lvl2pPr>
-            <a:lvl3pPr marL="685800" indent="0">
-              <a:buNone/>
-              <a:defRPr sz="750"/>
-            </a:lvl3pPr>
-            <a:lvl4pPr marL="1028700" indent="0">
-              <a:buNone/>
-              <a:defRPr sz="675"/>
-            </a:lvl4pPr>
-            <a:lvl5pPr marL="1371600" indent="0">
-              <a:buNone/>
-              <a:defRPr sz="675"/>
-            </a:lvl5pPr>
-            <a:lvl6pPr marL="1714500" indent="0">
-              <a:buNone/>
-              <a:defRPr sz="675"/>
-            </a:lvl6pPr>
-            <a:lvl7pPr marL="2057400" indent="0">
-              <a:buNone/>
-              <a:defRPr sz="675"/>
-            </a:lvl7pPr>
-            <a:lvl8pPr marL="2400300" indent="0">
-              <a:buNone/>
-              <a:defRPr sz="675"/>
-            </a:lvl8pPr>
-            <a:lvl9pPr marL="2743200" indent="0">
-              <a:buNone/>
-              <a:defRPr sz="675"/>
-            </a:lvl9pPr>
-          </a:lstStyle>
-          <a:p>
-            <a:pPr lvl="0"/>
-            <a:r>
-              <a:rPr lang="ja-JP" altLang="en-US" smtClean="0"/>
-              <a:t>マスター テキストの書式設定</a:t>
-            </a:r>
-          </a:p>
-        </p:txBody>
-      </p:sp>
-      <p:sp>
-        <p:nvSpPr>
-          <p:cNvPr id="22" name="Text Placeholder 4"/>
-          <p:cNvSpPr>
-            <a:spLocks noGrp="1"/>
-          </p:cNvSpPr>
-          <p:nvPr>
-            <p:ph type="body" sz="quarter" idx="3"/>
-          </p:nvPr>
-        </p:nvSpPr>
-        <p:spPr>
-          <a:xfrm>
-            <a:off x="2468905" y="5484454"/>
-            <a:ext cx="1920240" cy="910353"/>
-          </a:xfrm>
-        </p:spPr>
-        <p:txBody>
-          <a:bodyPr anchor="b">
-            <a:noAutofit/>
-          </a:bodyPr>
-          <a:lstStyle>
-            <a:lvl1pPr marL="0" indent="0">
-              <a:buNone/>
-              <a:defRPr sz="1800" b="0">
-                <a:solidFill>
-                  <a:schemeClr val="tx1"/>
-                </a:solidFill>
-              </a:defRPr>
-            </a:lvl1pPr>
-            <a:lvl2pPr marL="342900" indent="0">
-              <a:buNone/>
-              <a:defRPr sz="1500" b="1"/>
-            </a:lvl2pPr>
-            <a:lvl3pPr marL="685800" indent="0">
-              <a:buNone/>
-              <a:defRPr sz="1350" b="1"/>
-            </a:lvl3pPr>
-            <a:lvl4pPr marL="1028700" indent="0">
-              <a:buNone/>
-              <a:defRPr sz="1200" b="1"/>
-            </a:lvl4pPr>
-            <a:lvl5pPr marL="1371600" indent="0">
-              <a:buNone/>
-              <a:defRPr sz="1200" b="1"/>
-            </a:lvl5pPr>
-            <a:lvl6pPr marL="1714500" indent="0">
-              <a:buNone/>
-              <a:defRPr sz="1200" b="1"/>
-            </a:lvl6pPr>
-            <a:lvl7pPr marL="2057400" indent="0">
-              <a:buNone/>
-              <a:defRPr sz="1200" b="1"/>
-            </a:lvl7pPr>
-            <a:lvl8pPr marL="2400300" indent="0">
-              <a:buNone/>
-              <a:defRPr sz="1200" b="1"/>
-            </a:lvl8pPr>
-            <a:lvl9pPr marL="2743200" indent="0">
-              <a:buNone/>
-              <a:defRPr sz="1200" b="1"/>
-            </a:lvl9pPr>
-          </a:lstStyle>
-          <a:p>
-            <a:pPr lvl="0"/>
-            <a:r>
-              <a:rPr lang="ja-JP" altLang="en-US" smtClean="0"/>
-              <a:t>マスター テキストの書式設定</a:t>
-            </a:r>
-          </a:p>
-        </p:txBody>
-      </p:sp>
-      <p:sp>
-        <p:nvSpPr>
-          <p:cNvPr id="23" name="Picture Placeholder 2"/>
-          <p:cNvSpPr>
-            <a:spLocks noGrp="1" noChangeAspect="1"/>
-          </p:cNvSpPr>
-          <p:nvPr>
-            <p:ph type="pic" idx="21"/>
-          </p:nvPr>
-        </p:nvSpPr>
-        <p:spPr>
-          <a:xfrm>
-            <a:off x="2468904" y="3108960"/>
-            <a:ext cx="1920240" cy="2013149"/>
-          </a:xfrm>
-          <a:prstGeom prst="roundRect">
-            <a:avLst>
-              <a:gd name="adj" fmla="val 0"/>
-            </a:avLst>
-          </a:prstGeom>
-          <a:effectLst>
-            <a:outerShdw blurRad="50800" dist="50800" dir="5400000" algn="tl" rotWithShape="0">
-              <a:srgbClr val="000000">
-                <a:alpha val="43000"/>
-              </a:srgbClr>
-            </a:outerShdw>
-          </a:effectLst>
-        </p:spPr>
-        <p:txBody>
-          <a:bodyPr anchor="t">
-            <a:normAutofit/>
-          </a:bodyPr>
-          <a:lstStyle>
-            <a:lvl1pPr marL="0" indent="0" algn="ctr">
-              <a:buNone/>
-              <a:defRPr sz="1200"/>
-            </a:lvl1pPr>
-            <a:lvl2pPr marL="342900" indent="0">
-              <a:buNone/>
-              <a:defRPr sz="1200"/>
-            </a:lvl2pPr>
-            <a:lvl3pPr marL="685800" indent="0">
-              <a:buNone/>
-              <a:defRPr sz="1200"/>
-            </a:lvl3pPr>
-            <a:lvl4pPr marL="1028700" indent="0">
-              <a:buNone/>
-              <a:defRPr sz="1200"/>
-            </a:lvl4pPr>
-            <a:lvl5pPr marL="1371600" indent="0">
-              <a:buNone/>
-              <a:defRPr sz="1200"/>
-            </a:lvl5pPr>
-            <a:lvl6pPr marL="1714500" indent="0">
-              <a:buNone/>
-              <a:defRPr sz="1200"/>
-            </a:lvl6pPr>
-            <a:lvl7pPr marL="2057400" indent="0">
-              <a:buNone/>
-              <a:defRPr sz="1200"/>
-            </a:lvl7pPr>
-            <a:lvl8pPr marL="2400300" indent="0">
-              <a:buNone/>
-              <a:defRPr sz="1200"/>
-            </a:lvl8pPr>
-            <a:lvl9pPr marL="2743200" indent="0">
-              <a:buNone/>
-              <a:defRPr sz="1200"/>
-            </a:lvl9pPr>
-          </a:lstStyle>
-          <a:p>
-            <a:r>
-              <a:rPr lang="ja-JP" altLang="en-US" smtClean="0"/>
-              <a:t>図を追加</a:t>
-            </a:r>
-            <a:endParaRPr lang="en-US" dirty="0"/>
-          </a:p>
-        </p:txBody>
-      </p:sp>
-      <p:sp>
-        <p:nvSpPr>
-          <p:cNvPr id="24" name="Text Placeholder 3"/>
-          <p:cNvSpPr>
-            <a:spLocks noGrp="1"/>
-          </p:cNvSpPr>
-          <p:nvPr>
-            <p:ph type="body" sz="half" idx="19"/>
-          </p:nvPr>
-        </p:nvSpPr>
-        <p:spPr>
-          <a:xfrm>
-            <a:off x="2468144" y="6394803"/>
-            <a:ext cx="1920240" cy="1956716"/>
-          </a:xfrm>
-        </p:spPr>
-        <p:txBody>
-          <a:bodyPr anchor="t">
-            <a:normAutofit/>
-          </a:bodyPr>
-          <a:lstStyle>
-            <a:lvl1pPr marL="0" indent="0">
-              <a:buNone/>
-              <a:defRPr sz="1050"/>
-            </a:lvl1pPr>
-            <a:lvl2pPr marL="342900" indent="0">
-              <a:buNone/>
-              <a:defRPr sz="900"/>
-            </a:lvl2pPr>
-            <a:lvl3pPr marL="685800" indent="0">
-              <a:buNone/>
-              <a:defRPr sz="750"/>
-            </a:lvl3pPr>
-            <a:lvl4pPr marL="1028700" indent="0">
-              <a:buNone/>
-              <a:defRPr sz="675"/>
-            </a:lvl4pPr>
-            <a:lvl5pPr marL="1371600" indent="0">
-              <a:buNone/>
-              <a:defRPr sz="675"/>
-            </a:lvl5pPr>
-            <a:lvl6pPr marL="1714500" indent="0">
-              <a:buNone/>
-              <a:defRPr sz="675"/>
-            </a:lvl6pPr>
-            <a:lvl7pPr marL="2057400" indent="0">
-              <a:buNone/>
-              <a:defRPr sz="675"/>
-            </a:lvl7pPr>
-            <a:lvl8pPr marL="2400300" indent="0">
-              <a:buNone/>
-              <a:defRPr sz="675"/>
-            </a:lvl8pPr>
-            <a:lvl9pPr marL="2743200" indent="0">
-              <a:buNone/>
-              <a:defRPr sz="675"/>
-            </a:lvl9pPr>
-          </a:lstStyle>
-          <a:p>
-            <a:pPr lvl="0"/>
-            <a:r>
-              <a:rPr lang="ja-JP" altLang="en-US" smtClean="0"/>
-              <a:t>マスター テキストの書式設定</a:t>
-            </a:r>
-          </a:p>
-        </p:txBody>
-      </p:sp>
-      <p:sp>
-        <p:nvSpPr>
-          <p:cNvPr id="25" name="Text Placeholder 4"/>
-          <p:cNvSpPr>
-            <a:spLocks noGrp="1"/>
-          </p:cNvSpPr>
-          <p:nvPr>
-            <p:ph type="body" sz="quarter" idx="13"/>
-          </p:nvPr>
-        </p:nvSpPr>
-        <p:spPr>
-          <a:xfrm>
-            <a:off x="4495024" y="5484454"/>
-            <a:ext cx="1920240" cy="910353"/>
-          </a:xfrm>
-        </p:spPr>
-        <p:txBody>
-          <a:bodyPr anchor="b">
-            <a:noAutofit/>
-          </a:bodyPr>
-          <a:lstStyle>
-            <a:lvl1pPr marL="0" indent="0">
-              <a:buNone/>
-              <a:defRPr sz="1800" b="0">
-                <a:solidFill>
-                  <a:schemeClr val="tx1"/>
-                </a:solidFill>
-              </a:defRPr>
-            </a:lvl1pPr>
-            <a:lvl2pPr marL="342900" indent="0">
-              <a:buNone/>
-              <a:defRPr sz="1500" b="1"/>
-            </a:lvl2pPr>
-            <a:lvl3pPr marL="685800" indent="0">
-              <a:buNone/>
-              <a:defRPr sz="1350" b="1"/>
-            </a:lvl3pPr>
-            <a:lvl4pPr marL="1028700" indent="0">
-              <a:buNone/>
-              <a:defRPr sz="1200" b="1"/>
-            </a:lvl4pPr>
-            <a:lvl5pPr marL="1371600" indent="0">
-              <a:buNone/>
-              <a:defRPr sz="1200" b="1"/>
-            </a:lvl5pPr>
-            <a:lvl6pPr marL="1714500" indent="0">
-              <a:buNone/>
-              <a:defRPr sz="1200" b="1"/>
-            </a:lvl6pPr>
-            <a:lvl7pPr marL="2057400" indent="0">
-              <a:buNone/>
-              <a:defRPr sz="1200" b="1"/>
-            </a:lvl7pPr>
-            <a:lvl8pPr marL="2400300" indent="0">
-              <a:buNone/>
-              <a:defRPr sz="1200" b="1"/>
-            </a:lvl8pPr>
-            <a:lvl9pPr marL="2743200" indent="0">
-              <a:buNone/>
-              <a:defRPr sz="1200" b="1"/>
-            </a:lvl9pPr>
-          </a:lstStyle>
-          <a:p>
-            <a:pPr lvl="0"/>
-            <a:r>
-              <a:rPr lang="ja-JP" altLang="en-US" smtClean="0"/>
-              <a:t>マスター テキストの書式設定</a:t>
-            </a:r>
-          </a:p>
-        </p:txBody>
-      </p:sp>
-      <p:sp>
-        <p:nvSpPr>
-          <p:cNvPr id="26" name="Picture Placeholder 2"/>
-          <p:cNvSpPr>
-            <a:spLocks noGrp="1" noChangeAspect="1"/>
-          </p:cNvSpPr>
-          <p:nvPr>
-            <p:ph type="pic" idx="22"/>
-          </p:nvPr>
-        </p:nvSpPr>
-        <p:spPr>
-          <a:xfrm>
-            <a:off x="4495023" y="3108962"/>
-            <a:ext cx="1920240" cy="2011892"/>
-          </a:xfrm>
-          <a:prstGeom prst="roundRect">
-            <a:avLst>
-              <a:gd name="adj" fmla="val 0"/>
-            </a:avLst>
-          </a:prstGeom>
-          <a:effectLst>
-            <a:outerShdw blurRad="50800" dist="50800" dir="5400000" algn="tl" rotWithShape="0">
-              <a:srgbClr val="000000">
-                <a:alpha val="43000"/>
-              </a:srgbClr>
-            </a:outerShdw>
-          </a:effectLst>
-        </p:spPr>
-        <p:txBody>
-          <a:bodyPr anchor="t">
-            <a:normAutofit/>
-          </a:bodyPr>
-          <a:lstStyle>
-            <a:lvl1pPr marL="0" indent="0" algn="ctr">
-              <a:buNone/>
-              <a:defRPr sz="1200"/>
-            </a:lvl1pPr>
-            <a:lvl2pPr marL="342900" indent="0">
-              <a:buNone/>
-              <a:defRPr sz="1200"/>
-            </a:lvl2pPr>
-            <a:lvl3pPr marL="685800" indent="0">
-              <a:buNone/>
-              <a:defRPr sz="1200"/>
-            </a:lvl3pPr>
-            <a:lvl4pPr marL="1028700" indent="0">
-              <a:buNone/>
-              <a:defRPr sz="1200"/>
-            </a:lvl4pPr>
-            <a:lvl5pPr marL="1371600" indent="0">
-              <a:buNone/>
-              <a:defRPr sz="1200"/>
-            </a:lvl5pPr>
-            <a:lvl6pPr marL="1714500" indent="0">
-              <a:buNone/>
-              <a:defRPr sz="1200"/>
-            </a:lvl6pPr>
-            <a:lvl7pPr marL="2057400" indent="0">
-              <a:buNone/>
-              <a:defRPr sz="1200"/>
-            </a:lvl7pPr>
-            <a:lvl8pPr marL="2400300" indent="0">
-              <a:buNone/>
-              <a:defRPr sz="1200"/>
-            </a:lvl8pPr>
-            <a:lvl9pPr marL="2743200" indent="0">
-              <a:buNone/>
-              <a:defRPr sz="1200"/>
-            </a:lvl9pPr>
-          </a:lstStyle>
-          <a:p>
-            <a:r>
-              <a:rPr lang="ja-JP" altLang="en-US" smtClean="0"/>
-              <a:t>図を追加</a:t>
-            </a:r>
-            <a:endParaRPr lang="en-US" dirty="0"/>
-          </a:p>
-        </p:txBody>
-      </p:sp>
-      <p:sp>
-        <p:nvSpPr>
-          <p:cNvPr id="27" name="Text Placeholder 3"/>
-          <p:cNvSpPr>
-            <a:spLocks noGrp="1"/>
-          </p:cNvSpPr>
-          <p:nvPr>
-            <p:ph type="body" sz="half" idx="20"/>
-          </p:nvPr>
-        </p:nvSpPr>
-        <p:spPr>
-          <a:xfrm>
-            <a:off x="4494954" y="6394801"/>
-            <a:ext cx="1920240" cy="1956716"/>
-          </a:xfrm>
-        </p:spPr>
-        <p:txBody>
-          <a:bodyPr anchor="t">
-            <a:normAutofit/>
-          </a:bodyPr>
-          <a:lstStyle>
-            <a:lvl1pPr marL="0" indent="0">
-              <a:buNone/>
-              <a:defRPr sz="1050"/>
-            </a:lvl1pPr>
-            <a:lvl2pPr marL="342900" indent="0">
-              <a:buNone/>
-              <a:defRPr sz="900"/>
-            </a:lvl2pPr>
-            <a:lvl3pPr marL="685800" indent="0">
-              <a:buNone/>
-              <a:defRPr sz="750"/>
-            </a:lvl3pPr>
-            <a:lvl4pPr marL="1028700" indent="0">
-              <a:buNone/>
-              <a:defRPr sz="675"/>
-            </a:lvl4pPr>
-            <a:lvl5pPr marL="1371600" indent="0">
-              <a:buNone/>
-              <a:defRPr sz="675"/>
-            </a:lvl5pPr>
-            <a:lvl6pPr marL="1714500" indent="0">
-              <a:buNone/>
-              <a:defRPr sz="675"/>
-            </a:lvl6pPr>
-            <a:lvl7pPr marL="2057400" indent="0">
-              <a:buNone/>
-              <a:defRPr sz="675"/>
-            </a:lvl7pPr>
-            <a:lvl8pPr marL="2400300" indent="0">
-              <a:buNone/>
-              <a:defRPr sz="675"/>
-            </a:lvl8pPr>
-            <a:lvl9pPr marL="2743200" indent="0">
-              <a:buNone/>
-              <a:defRPr sz="675"/>
-            </a:lvl9pPr>
-          </a:lstStyle>
-          <a:p>
-            <a:pPr lvl="0"/>
-            <a:r>
-              <a:rPr lang="ja-JP" altLang="en-US" smtClean="0"/>
-              <a:t>マスター テキストの書式設定</a:t>
-            </a:r>
-          </a:p>
-        </p:txBody>
-      </p:sp>
-      <p:sp>
-        <p:nvSpPr>
-          <p:cNvPr id="3" name="Date Placeholder 2"/>
-          <p:cNvSpPr>
-            <a:spLocks noGrp="1"/>
-          </p:cNvSpPr>
-          <p:nvPr>
-            <p:ph type="dt" sz="half" idx="10"/>
-          </p:nvPr>
-        </p:nvSpPr>
-        <p:spPr/>
-        <p:txBody>
-          <a:bodyPr/>
-          <a:lstStyle/>
-          <a:p>
-            <a:fld id="{7599971D-E424-4083-B0C6-61FDC58FEAC9}" type="datetimeFigureOut">
-              <a:rPr kumimoji="1" lang="ja-JP" altLang="en-US" smtClean="0"/>
-              <a:t>2016/12/14</a:t>
-            </a:fld>
-            <a:endParaRPr kumimoji="1" lang="ja-JP" altLang="en-US"/>
-          </a:p>
-        </p:txBody>
-      </p:sp>
-      <p:sp>
-        <p:nvSpPr>
-          <p:cNvPr id="4" name="Footer Placeholder 3"/>
-          <p:cNvSpPr>
-            <a:spLocks noGrp="1"/>
-          </p:cNvSpPr>
-          <p:nvPr>
-            <p:ph type="ftr" sz="quarter" idx="11"/>
-          </p:nvPr>
-        </p:nvSpPr>
-        <p:spPr/>
-        <p:txBody>
-          <a:bodyPr/>
-          <a:lstStyle/>
-          <a:p>
-            <a:endParaRPr kumimoji="1" lang="ja-JP" altLang="en-US"/>
-          </a:p>
-        </p:txBody>
-      </p:sp>
-      <p:sp>
-        <p:nvSpPr>
-          <p:cNvPr id="5" name="Slide Number Placeholder 4"/>
-          <p:cNvSpPr>
-            <a:spLocks noGrp="1"/>
-          </p:cNvSpPr>
-          <p:nvPr>
-            <p:ph type="sldNum" sz="quarter" idx="12"/>
-          </p:nvPr>
-        </p:nvSpPr>
-        <p:spPr/>
-        <p:txBody>
-          <a:bodyPr/>
-          <a:lstStyle/>
-          <a:p>
-            <a:fld id="{9231AA80-B81E-4211-B860-A0480B528245}" type="slidenum">
-              <a:rPr kumimoji="1" lang="ja-JP" altLang="en-US" smtClean="0"/>
-              <a:t>‹#›</a:t>
-            </a:fld>
-            <a:endParaRPr kumimoji="1" lang="ja-JP" altLang="en-US"/>
-          </a:p>
-        </p:txBody>
-      </p:sp>
-    </p:spTree>
-    <p:extLst>
-      <p:ext uri="{BB962C8B-B14F-4D97-AF65-F5344CB8AC3E}">
-        <p14:creationId xmlns:p14="http://schemas.microsoft.com/office/powerpoint/2010/main" val="2592082938"/>
-      </p:ext>
-    </p:extLst>
-  </p:cSld>
-  <p:clrMapOvr>
-    <a:masterClrMapping/>
-  </p:clrMapOvr>
-</p:sldLayout>
-</file>
-
-<file path=ppt/slideLayouts/slideLayout16.xml><?xml version="1.0" encoding="utf-8"?>
 <p:sldLayout xmlns:a="http://schemas.openxmlformats.org/drawingml/2006/main" xmlns:r="http://schemas.openxmlformats.org/officeDocument/2006/relationships" xmlns:p="http://schemas.openxmlformats.org/presentationml/2006/main" type="vertTx" preserve="1">
   <p:cSld name="タイトルと&#10;縦書きテキスト">
     <p:spTree>
@@ -3464,7 +823,7 @@
               <a:rPr lang="ja-JP" altLang="en-US" smtClean="0"/>
               <a:t>マスター タイトルの書式設定</a:t>
             </a:r>
-            <a:endParaRPr lang="en-US" dirty="0"/>
+            <a:endParaRPr lang="en-US"/>
           </a:p>
         </p:txBody>
       </p:sp>
@@ -3478,12 +837,7 @@
             <p:ph type="body" orient="vert" idx="1"/>
           </p:nvPr>
         </p:nvSpPr>
-        <p:spPr>
-          <a:xfrm>
-            <a:off x="445770" y="2926080"/>
-            <a:ext cx="5966460" cy="5425440"/>
-          </a:xfrm>
-        </p:spPr>
+        <p:spPr/>
         <p:txBody>
           <a:bodyPr vert="eaVert"/>
           <a:lstStyle/>
@@ -3553,7 +907,7 @@
               <a:rPr lang="ja-JP" altLang="en-US" smtClean="0"/>
               <a:t>レベル</a:t>
             </a:r>
-            <a:endParaRPr lang="en-US" dirty="0"/>
+            <a:endParaRPr lang="en-US"/>
           </a:p>
         </p:txBody>
       </p:sp>
@@ -3625,7 +979,7 @@
     </p:spTree>
     <p:extLst>
       <p:ext uri="{BB962C8B-B14F-4D97-AF65-F5344CB8AC3E}">
-        <p14:creationId xmlns:p14="http://schemas.microsoft.com/office/powerpoint/2010/main" val="1138402256"/>
+        <p14:creationId xmlns:p14="http://schemas.microsoft.com/office/powerpoint/2010/main" val="3169793895"/>
       </p:ext>
     </p:extLst>
   </p:cSld>
@@ -3635,8 +989,8 @@
 </p:sldLayout>
 </file>
 
-<file path=ppt/slideLayouts/slideLayout17.xml><?xml version="1.0" encoding="utf-8"?>
-<p:sldLayout xmlns:a="http://schemas.openxmlformats.org/drawingml/2006/main" xmlns:r="http://schemas.openxmlformats.org/officeDocument/2006/relationships" xmlns:p="http://schemas.openxmlformats.org/presentationml/2006/main" showMasterSp="0" type="vertTitleAndTx" preserve="1">
+<file path=ppt/slideLayouts/slideLayout11.xml><?xml version="1.0" encoding="utf-8"?>
+<p:sldLayout xmlns:a="http://schemas.openxmlformats.org/drawingml/2006/main" xmlns:r="http://schemas.openxmlformats.org/officeDocument/2006/relationships" xmlns:p="http://schemas.openxmlformats.org/presentationml/2006/main" type="vertTitleAndTx" preserve="1">
   <p:cSld name="縦書きタイトルと&#10;縦書きテキスト">
     <p:spTree>
       <p:nvGrpSpPr>
@@ -3652,36 +1006,6 @@
           <a:chExt cx="0" cy="0"/>
         </a:xfrm>
       </p:grpSpPr>
-      <p:pic>
-        <p:nvPicPr>
-          <p:cNvPr id="8" name="Picture 7" descr="C2-HD-BTM.png"/>
-          <p:cNvPicPr>
-            <a:picLocks noChangeAspect="1"/>
-          </p:cNvPicPr>
-          <p:nvPr/>
-        </p:nvPicPr>
-        <p:blipFill>
-          <a:blip r:embed="rId2">
-            <a:extLst>
-              <a:ext uri="{28A0092B-C50C-407E-A947-70E740481C1C}">
-                <a14:useLocalDpi xmlns:a14="http://schemas.microsoft.com/office/drawing/2010/main" val="0"/>
-              </a:ext>
-            </a:extLst>
-          </a:blip>
-          <a:stretch>
-            <a:fillRect/>
-          </a:stretch>
-        </p:blipFill>
-        <p:spPr>
-          <a:xfrm>
-            <a:off x="0" y="6661149"/>
-            <a:ext cx="6858000" cy="2482851"/>
-          </a:xfrm>
-          <a:prstGeom prst="rect">
-            <a:avLst/>
-          </a:prstGeom>
-        </p:spPr>
-      </p:pic>
       <p:sp>
         <p:nvSpPr>
           <p:cNvPr id="2" name="Vertical Title 1"/>
@@ -3694,23 +1018,19 @@
         </p:nvSpPr>
         <p:spPr>
           <a:xfrm>
-            <a:off x="5254942" y="996245"/>
-            <a:ext cx="1157288" cy="5664900"/>
+            <a:off x="4907756" y="366184"/>
+            <a:ext cx="1478756" cy="7863416"/>
           </a:xfrm>
         </p:spPr>
         <p:txBody>
           <a:bodyPr vert="eaVert"/>
-          <a:lstStyle>
-            <a:lvl1pPr algn="l">
-              <a:defRPr/>
-            </a:lvl1pPr>
-          </a:lstStyle>
+          <a:lstStyle/>
           <a:p>
             <a:r>
               <a:rPr lang="ja-JP" altLang="en-US" smtClean="0"/>
               <a:t>マスター タイトルの書式設定</a:t>
             </a:r>
-            <a:endParaRPr lang="en-US" dirty="0"/>
+            <a:endParaRPr lang="en-US"/>
           </a:p>
         </p:txBody>
       </p:sp>
@@ -3726,8 +1046,8 @@
         </p:nvSpPr>
         <p:spPr>
           <a:xfrm>
-            <a:off x="445771" y="994835"/>
-            <a:ext cx="4708526" cy="5666309"/>
+            <a:off x="471487" y="366184"/>
+            <a:ext cx="4350544" cy="7863416"/>
           </a:xfrm>
         </p:spPr>
         <p:txBody>
@@ -3799,7 +1119,7 @@
               <a:rPr lang="ja-JP" altLang="en-US" smtClean="0"/>
               <a:t>レベル</a:t>
             </a:r>
-            <a:endParaRPr lang="en-US" dirty="0"/>
+            <a:endParaRPr lang="en-US"/>
           </a:p>
         </p:txBody>
       </p:sp>
@@ -3813,19 +1133,10 @@
             <p:ph type="dt" sz="half" idx="10"/>
           </p:nvPr>
         </p:nvSpPr>
-        <p:spPr>
-          <a:xfrm>
-            <a:off x="4171632" y="508002"/>
-            <a:ext cx="1637348" cy="486833"/>
-          </a:xfrm>
-        </p:spPr>
+        <p:spPr/>
         <p:txBody>
           <a:bodyPr/>
-          <a:lstStyle>
-            <a:lvl1pPr algn="r">
-              <a:defRPr/>
-            </a:lvl1pPr>
-          </a:lstStyle>
+          <a:lstStyle/>
           <a:p>
             <a:fld id="{7599971D-E424-4083-B0C6-61FDC58FEAC9}" type="datetimeFigureOut">
               <a:rPr kumimoji="1" lang="ja-JP" altLang="en-US" smtClean="0"/>
@@ -3845,12 +1156,7 @@
             <p:ph type="ftr" sz="quarter" idx="11"/>
           </p:nvPr>
         </p:nvSpPr>
-        <p:spPr>
-          <a:xfrm>
-            <a:off x="445770" y="508002"/>
-            <a:ext cx="3622992" cy="486833"/>
-          </a:xfrm>
-        </p:spPr>
+        <p:spPr/>
         <p:txBody>
           <a:bodyPr/>
           <a:lstStyle/>
@@ -3869,12 +1175,7 @@
             <p:ph type="sldNum" sz="quarter" idx="12"/>
           </p:nvPr>
         </p:nvSpPr>
-        <p:spPr>
-          <a:xfrm>
-            <a:off x="5911849" y="508002"/>
-            <a:ext cx="500381" cy="486833"/>
-          </a:xfrm>
-        </p:spPr>
+        <p:spPr/>
         <p:txBody>
           <a:bodyPr/>
           <a:lstStyle/>
@@ -3890,7 +1191,7 @@
     </p:spTree>
     <p:extLst>
       <p:ext uri="{BB962C8B-B14F-4D97-AF65-F5344CB8AC3E}">
-        <p14:creationId xmlns:p14="http://schemas.microsoft.com/office/powerpoint/2010/main" val="4119173769"/>
+        <p14:creationId xmlns:p14="http://schemas.microsoft.com/office/powerpoint/2010/main" val="4120984466"/>
       </p:ext>
     </p:extLst>
   </p:cSld>
@@ -3936,7 +1237,7 @@
               <a:rPr lang="ja-JP" altLang="en-US" smtClean="0"/>
               <a:t>マスター タイトルの書式設定</a:t>
             </a:r>
-            <a:endParaRPr lang="en-US" dirty="0"/>
+            <a:endParaRPr lang="en-US"/>
           </a:p>
         </p:txBody>
       </p:sp>
@@ -4020,7 +1321,7 @@
               <a:rPr lang="ja-JP" altLang="en-US" smtClean="0"/>
               <a:t>レベル</a:t>
             </a:r>
-            <a:endParaRPr lang="en-US" dirty="0"/>
+            <a:endParaRPr lang="en-US"/>
           </a:p>
         </p:txBody>
       </p:sp>
@@ -4092,7 +1393,7 @@
     </p:spTree>
     <p:extLst>
       <p:ext uri="{BB962C8B-B14F-4D97-AF65-F5344CB8AC3E}">
-        <p14:creationId xmlns:p14="http://schemas.microsoft.com/office/powerpoint/2010/main" val="17023773"/>
+        <p14:creationId xmlns:p14="http://schemas.microsoft.com/office/powerpoint/2010/main" val="3248063852"/>
       </p:ext>
     </p:extLst>
   </p:cSld>
@@ -4103,7 +1404,7 @@
 </file>
 
 <file path=ppt/slideLayouts/slideLayout3.xml><?xml version="1.0" encoding="utf-8"?>
-<p:sldLayout xmlns:a="http://schemas.openxmlformats.org/drawingml/2006/main" xmlns:r="http://schemas.openxmlformats.org/officeDocument/2006/relationships" xmlns:p="http://schemas.openxmlformats.org/presentationml/2006/main" showMasterSp="0" type="secHead" preserve="1">
+<p:sldLayout xmlns:a="http://schemas.openxmlformats.org/drawingml/2006/main" xmlns:r="http://schemas.openxmlformats.org/officeDocument/2006/relationships" xmlns:p="http://schemas.openxmlformats.org/presentationml/2006/main" type="secHead" preserve="1">
   <p:cSld name="セクション見出し">
     <p:spTree>
       <p:nvGrpSpPr>
@@ -4119,36 +1420,6 @@
           <a:chExt cx="0" cy="0"/>
         </a:xfrm>
       </p:grpSpPr>
-      <p:pic>
-        <p:nvPicPr>
-          <p:cNvPr id="9" name="Picture 8" descr="C2-HD-BTM.png"/>
-          <p:cNvPicPr>
-            <a:picLocks noChangeAspect="1"/>
-          </p:cNvPicPr>
-          <p:nvPr/>
-        </p:nvPicPr>
-        <p:blipFill>
-          <a:blip r:embed="rId2">
-            <a:extLst>
-              <a:ext uri="{28A0092B-C50C-407E-A947-70E740481C1C}">
-                <a14:useLocalDpi xmlns:a14="http://schemas.microsoft.com/office/drawing/2010/main" val="0"/>
-              </a:ext>
-            </a:extLst>
-          </a:blip>
-          <a:stretch>
-            <a:fillRect/>
-          </a:stretch>
-        </p:blipFill>
-        <p:spPr>
-          <a:xfrm>
-            <a:off x="0" y="6661149"/>
-            <a:ext cx="6858000" cy="2482851"/>
-          </a:xfrm>
-          <a:prstGeom prst="rect">
-            <a:avLst/>
-          </a:prstGeom>
-        </p:spPr>
-      </p:pic>
       <p:sp>
         <p:nvSpPr>
           <p:cNvPr id="2" name="Title 1"/>
@@ -4161,17 +1432,15 @@
         </p:nvSpPr>
         <p:spPr>
           <a:xfrm>
-            <a:off x="445770" y="1004713"/>
-            <a:ext cx="5966460" cy="3735913"/>
-          </a:xfrm>
-        </p:spPr>
-        <p:txBody>
-          <a:bodyPr anchor="b">
-            <a:normAutofit/>
-          </a:bodyPr>
+            <a:off x="467916" y="5875867"/>
+            <a:ext cx="5915025" cy="1816100"/>
+          </a:xfrm>
+        </p:spPr>
+        <p:txBody>
+          <a:bodyPr anchor="t"/>
           <a:lstStyle>
-            <a:lvl1pPr algn="r">
-              <a:defRPr sz="3000"/>
+            <a:lvl1pPr>
+              <a:defRPr sz="2250" b="1"/>
             </a:lvl1pPr>
           </a:lstStyle>
           <a:p>
@@ -4179,7 +1448,7 @@
               <a:rPr lang="ja-JP" altLang="en-US" smtClean="0"/>
               <a:t>マスター タイトルの書式設定</a:t>
             </a:r>
-            <a:endParaRPr lang="en-US" dirty="0"/>
+            <a:endParaRPr lang="en-US"/>
           </a:p>
         </p:txBody>
       </p:sp>
@@ -4195,18 +1464,16 @@
         </p:nvSpPr>
         <p:spPr>
           <a:xfrm>
-            <a:off x="445770" y="4855635"/>
-            <a:ext cx="5966461" cy="1805512"/>
-          </a:xfrm>
-        </p:spPr>
-        <p:txBody>
-          <a:bodyPr>
-            <a:normAutofit/>
-          </a:bodyPr>
+            <a:off x="467916" y="3875618"/>
+            <a:ext cx="5915025" cy="2000249"/>
+          </a:xfrm>
+        </p:spPr>
+        <p:txBody>
+          <a:bodyPr anchor="b"/>
           <a:lstStyle>
-            <a:lvl1pPr marL="0" indent="0" algn="r">
-              <a:buNone/>
-              <a:defRPr sz="1650">
+            <a:lvl1pPr marL="0" indent="0">
+              <a:buNone/>
+              <a:defRPr sz="1125">
                 <a:solidFill>
                   <a:schemeClr val="tx1">
                     <a:tint val="75000"/>
@@ -4214,9 +1481,9 @@
                 </a:solidFill>
               </a:defRPr>
             </a:lvl1pPr>
-            <a:lvl2pPr marL="342900" indent="0">
-              <a:buNone/>
-              <a:defRPr sz="1500">
+            <a:lvl2pPr marL="257175" indent="0">
+              <a:buNone/>
+              <a:defRPr sz="1013">
                 <a:solidFill>
                   <a:schemeClr val="tx1">
                     <a:tint val="75000"/>
@@ -4224,9 +1491,9 @@
                 </a:solidFill>
               </a:defRPr>
             </a:lvl2pPr>
-            <a:lvl3pPr marL="685800" indent="0">
-              <a:buNone/>
-              <a:defRPr sz="1350">
+            <a:lvl3pPr marL="514350" indent="0">
+              <a:buNone/>
+              <a:defRPr sz="900">
                 <a:solidFill>
                   <a:schemeClr val="tx1">
                     <a:tint val="75000"/>
@@ -4234,9 +1501,9 @@
                 </a:solidFill>
               </a:defRPr>
             </a:lvl3pPr>
-            <a:lvl4pPr marL="1028700" indent="0">
-              <a:buNone/>
-              <a:defRPr sz="1200">
+            <a:lvl4pPr marL="771525" indent="0">
+              <a:buNone/>
+              <a:defRPr sz="788">
                 <a:solidFill>
                   <a:schemeClr val="tx1">
                     <a:tint val="75000"/>
@@ -4244,9 +1511,9 @@
                 </a:solidFill>
               </a:defRPr>
             </a:lvl4pPr>
-            <a:lvl5pPr marL="1371600" indent="0">
-              <a:buNone/>
-              <a:defRPr sz="1200">
+            <a:lvl5pPr marL="1028700" indent="0">
+              <a:buNone/>
+              <a:defRPr sz="788">
                 <a:solidFill>
                   <a:schemeClr val="tx1">
                     <a:tint val="75000"/>
@@ -4254,9 +1521,9 @@
                 </a:solidFill>
               </a:defRPr>
             </a:lvl5pPr>
-            <a:lvl6pPr marL="1714500" indent="0">
-              <a:buNone/>
-              <a:defRPr sz="1200">
+            <a:lvl6pPr marL="1285875" indent="0">
+              <a:buNone/>
+              <a:defRPr sz="788">
                 <a:solidFill>
                   <a:schemeClr val="tx1">
                     <a:tint val="75000"/>
@@ -4264,9 +1531,9 @@
                 </a:solidFill>
               </a:defRPr>
             </a:lvl6pPr>
-            <a:lvl7pPr marL="2057400" indent="0">
-              <a:buNone/>
-              <a:defRPr sz="1200">
+            <a:lvl7pPr marL="1543050" indent="0">
+              <a:buNone/>
+              <a:defRPr sz="788">
                 <a:solidFill>
                   <a:schemeClr val="tx1">
                     <a:tint val="75000"/>
@@ -4274,9 +1541,9 @@
                 </a:solidFill>
               </a:defRPr>
             </a:lvl7pPr>
-            <a:lvl8pPr marL="2400300" indent="0">
-              <a:buNone/>
-              <a:defRPr sz="1200">
+            <a:lvl8pPr marL="1800225" indent="0">
+              <a:buNone/>
+              <a:defRPr sz="788">
                 <a:solidFill>
                   <a:schemeClr val="tx1">
                     <a:tint val="75000"/>
@@ -4284,9 +1551,9 @@
                 </a:solidFill>
               </a:defRPr>
             </a:lvl8pPr>
-            <a:lvl9pPr marL="2743200" indent="0">
-              <a:buNone/>
-              <a:defRPr sz="1200">
+            <a:lvl9pPr marL="2057400" indent="0">
+              <a:buNone/>
+              <a:defRPr sz="788">
                 <a:solidFill>
                   <a:schemeClr val="tx1">
                     <a:tint val="75000"/>
@@ -4314,19 +1581,10 @@
             <p:ph type="dt" sz="half" idx="10"/>
           </p:nvPr>
         </p:nvSpPr>
-        <p:spPr>
-          <a:xfrm>
-            <a:off x="4171632" y="508002"/>
-            <a:ext cx="1637348" cy="486833"/>
-          </a:xfrm>
-        </p:spPr>
+        <p:spPr/>
         <p:txBody>
           <a:bodyPr/>
-          <a:lstStyle>
-            <a:lvl1pPr algn="r">
-              <a:defRPr/>
-            </a:lvl1pPr>
-          </a:lstStyle>
+          <a:lstStyle/>
           <a:p>
             <a:fld id="{7599971D-E424-4083-B0C6-61FDC58FEAC9}" type="datetimeFigureOut">
               <a:rPr kumimoji="1" lang="ja-JP" altLang="en-US" smtClean="0"/>
@@ -4346,12 +1604,7 @@
             <p:ph type="ftr" sz="quarter" idx="11"/>
           </p:nvPr>
         </p:nvSpPr>
-        <p:spPr>
-          <a:xfrm>
-            <a:off x="445770" y="508002"/>
-            <a:ext cx="3622992" cy="486833"/>
-          </a:xfrm>
-        </p:spPr>
+        <p:spPr/>
         <p:txBody>
           <a:bodyPr/>
           <a:lstStyle/>
@@ -4370,12 +1623,7 @@
             <p:ph type="sldNum" sz="quarter" idx="12"/>
           </p:nvPr>
         </p:nvSpPr>
-        <p:spPr>
-          <a:xfrm>
-            <a:off x="5911850" y="508002"/>
-            <a:ext cx="500380" cy="486833"/>
-          </a:xfrm>
-        </p:spPr>
+        <p:spPr/>
         <p:txBody>
           <a:bodyPr/>
           <a:lstStyle/>
@@ -4391,7 +1639,7 @@
     </p:spTree>
     <p:extLst>
       <p:ext uri="{BB962C8B-B14F-4D97-AF65-F5344CB8AC3E}">
-        <p14:creationId xmlns:p14="http://schemas.microsoft.com/office/powerpoint/2010/main" val="3416398678"/>
+        <p14:creationId xmlns:p14="http://schemas.microsoft.com/office/powerpoint/2010/main" val="2465173207"/>
       </p:ext>
     </p:extLst>
   </p:cSld>
@@ -4437,7 +1685,7 @@
               <a:rPr lang="ja-JP" altLang="en-US" smtClean="0"/>
               <a:t>マスター タイトルの書式設定</a:t>
             </a:r>
-            <a:endParaRPr lang="en-US" dirty="0"/>
+            <a:endParaRPr lang="en-US"/>
           </a:p>
         </p:txBody>
       </p:sp>
@@ -4453,13 +1701,41 @@
         </p:nvSpPr>
         <p:spPr>
           <a:xfrm>
-            <a:off x="445771" y="2926080"/>
-            <a:ext cx="2932934" cy="5425440"/>
+            <a:off x="471488" y="2427818"/>
+            <a:ext cx="2914650" cy="5801783"/>
           </a:xfrm>
         </p:spPr>
         <p:txBody>
           <a:bodyPr/>
-          <a:lstStyle/>
+          <a:lstStyle>
+            <a:lvl1pPr>
+              <a:defRPr sz="1575"/>
+            </a:lvl1pPr>
+            <a:lvl2pPr>
+              <a:defRPr sz="1350"/>
+            </a:lvl2pPr>
+            <a:lvl3pPr>
+              <a:defRPr sz="1125"/>
+            </a:lvl3pPr>
+            <a:lvl4pPr>
+              <a:defRPr sz="1013"/>
+            </a:lvl4pPr>
+            <a:lvl5pPr>
+              <a:defRPr sz="1013"/>
+            </a:lvl5pPr>
+            <a:lvl6pPr>
+              <a:defRPr sz="1013"/>
+            </a:lvl6pPr>
+            <a:lvl7pPr>
+              <a:defRPr sz="1013"/>
+            </a:lvl7pPr>
+            <a:lvl8pPr>
+              <a:defRPr sz="1013"/>
+            </a:lvl8pPr>
+            <a:lvl9pPr>
+              <a:defRPr sz="1013"/>
+            </a:lvl9pPr>
+          </a:lstStyle>
           <a:p>
             <a:pPr lvl="0"/>
             <a:r>
@@ -4526,7 +1802,7 @@
               <a:rPr lang="ja-JP" altLang="en-US" smtClean="0"/>
               <a:t>レベル</a:t>
             </a:r>
-            <a:endParaRPr lang="en-US" dirty="0"/>
+            <a:endParaRPr lang="en-US"/>
           </a:p>
         </p:txBody>
       </p:sp>
@@ -4542,13 +1818,41 @@
         </p:nvSpPr>
         <p:spPr>
           <a:xfrm>
-            <a:off x="3481574" y="2926080"/>
-            <a:ext cx="2930655" cy="5425440"/>
+            <a:off x="3471863" y="2427818"/>
+            <a:ext cx="2914650" cy="5801783"/>
           </a:xfrm>
         </p:spPr>
         <p:txBody>
           <a:bodyPr/>
-          <a:lstStyle/>
+          <a:lstStyle>
+            <a:lvl1pPr>
+              <a:defRPr sz="1575"/>
+            </a:lvl1pPr>
+            <a:lvl2pPr>
+              <a:defRPr sz="1350"/>
+            </a:lvl2pPr>
+            <a:lvl3pPr>
+              <a:defRPr sz="1125"/>
+            </a:lvl3pPr>
+            <a:lvl4pPr>
+              <a:defRPr sz="1013"/>
+            </a:lvl4pPr>
+            <a:lvl5pPr>
+              <a:defRPr sz="1013"/>
+            </a:lvl5pPr>
+            <a:lvl6pPr>
+              <a:defRPr sz="1013"/>
+            </a:lvl6pPr>
+            <a:lvl7pPr>
+              <a:defRPr sz="1013"/>
+            </a:lvl7pPr>
+            <a:lvl8pPr>
+              <a:defRPr sz="1013"/>
+            </a:lvl8pPr>
+            <a:lvl9pPr>
+              <a:defRPr sz="1013"/>
+            </a:lvl9pPr>
+          </a:lstStyle>
           <a:p>
             <a:pPr lvl="0"/>
             <a:r>
@@ -4615,7 +1919,7 @@
               <a:rPr lang="ja-JP" altLang="en-US" smtClean="0"/>
               <a:t>レベル</a:t>
             </a:r>
-            <a:endParaRPr lang="en-US" dirty="0"/>
+            <a:endParaRPr lang="en-US"/>
           </a:p>
         </p:txBody>
       </p:sp>
@@ -4687,7 +1991,7 @@
     </p:spTree>
     <p:extLst>
       <p:ext uri="{BB962C8B-B14F-4D97-AF65-F5344CB8AC3E}">
-        <p14:creationId xmlns:p14="http://schemas.microsoft.com/office/powerpoint/2010/main" val="308607470"/>
+        <p14:creationId xmlns:p14="http://schemas.microsoft.com/office/powerpoint/2010/main" val="666814494"/>
       </p:ext>
     </p:extLst>
   </p:cSld>
@@ -4726,8 +2030,8 @@
         </p:nvSpPr>
         <p:spPr>
           <a:xfrm>
-            <a:off x="1628775" y="1016000"/>
-            <a:ext cx="4783455" cy="1727200"/>
+            <a:off x="467916" y="366184"/>
+            <a:ext cx="5915025" cy="1524000"/>
           </a:xfrm>
         </p:spPr>
         <p:txBody>
@@ -4738,7 +2042,7 @@
               <a:rPr lang="ja-JP" altLang="en-US" smtClean="0"/>
               <a:t>マスター タイトルの書式設定</a:t>
             </a:r>
-            <a:endParaRPr lang="en-US" dirty="0"/>
+            <a:endParaRPr lang="en-US"/>
           </a:p>
         </p:txBody>
       </p:sp>
@@ -4754,54 +2058,48 @@
         </p:nvSpPr>
         <p:spPr>
           <a:xfrm>
-            <a:off x="615960" y="2911736"/>
-            <a:ext cx="2762744" cy="1098549"/>
-          </a:xfrm>
-        </p:spPr>
-        <p:txBody>
-          <a:bodyPr anchor="b">
-            <a:normAutofit/>
-          </a:bodyPr>
+            <a:off x="467915" y="2046817"/>
+            <a:ext cx="2900363" cy="853016"/>
+          </a:xfrm>
+        </p:spPr>
+        <p:txBody>
+          <a:bodyPr anchor="b"/>
           <a:lstStyle>
             <a:lvl1pPr marL="0" indent="0">
               <a:buNone/>
-              <a:defRPr sz="2100" b="0">
-                <a:solidFill>
-                  <a:schemeClr val="tx1"/>
-                </a:solidFill>
-              </a:defRPr>
+              <a:defRPr sz="1350" b="1"/>
             </a:lvl1pPr>
-            <a:lvl2pPr marL="342900" indent="0">
-              <a:buNone/>
-              <a:defRPr sz="1500" b="1"/>
+            <a:lvl2pPr marL="257175" indent="0">
+              <a:buNone/>
+              <a:defRPr sz="1125" b="1"/>
             </a:lvl2pPr>
-            <a:lvl3pPr marL="685800" indent="0">
-              <a:buNone/>
-              <a:defRPr sz="1350" b="1"/>
+            <a:lvl3pPr marL="514350" indent="0">
+              <a:buNone/>
+              <a:defRPr sz="1013" b="1"/>
             </a:lvl3pPr>
-            <a:lvl4pPr marL="1028700" indent="0">
-              <a:buNone/>
-              <a:defRPr sz="1200" b="1"/>
+            <a:lvl4pPr marL="771525" indent="0">
+              <a:buNone/>
+              <a:defRPr sz="900" b="1"/>
             </a:lvl4pPr>
-            <a:lvl5pPr marL="1371600" indent="0">
-              <a:buNone/>
-              <a:defRPr sz="1200" b="1"/>
+            <a:lvl5pPr marL="1028700" indent="0">
+              <a:buNone/>
+              <a:defRPr sz="900" b="1"/>
             </a:lvl5pPr>
-            <a:lvl6pPr marL="1714500" indent="0">
-              <a:buNone/>
-              <a:defRPr sz="1200" b="1"/>
+            <a:lvl6pPr marL="1285875" indent="0">
+              <a:buNone/>
+              <a:defRPr sz="900" b="1"/>
             </a:lvl6pPr>
-            <a:lvl7pPr marL="2057400" indent="0">
-              <a:buNone/>
-              <a:defRPr sz="1200" b="1"/>
+            <a:lvl7pPr marL="1543050" indent="0">
+              <a:buNone/>
+              <a:defRPr sz="900" b="1"/>
             </a:lvl7pPr>
-            <a:lvl8pPr marL="2400300" indent="0">
-              <a:buNone/>
-              <a:defRPr sz="1200" b="1"/>
+            <a:lvl8pPr marL="1800225" indent="0">
+              <a:buNone/>
+              <a:defRPr sz="900" b="1"/>
             </a:lvl8pPr>
-            <a:lvl9pPr marL="2743200" indent="0">
-              <a:buNone/>
-              <a:defRPr sz="1200" b="1"/>
+            <a:lvl9pPr marL="2057400" indent="0">
+              <a:buNone/>
+              <a:defRPr sz="900" b="1"/>
             </a:lvl9pPr>
           </a:lstStyle>
           <a:p>
@@ -4825,13 +2123,41 @@
         </p:nvSpPr>
         <p:spPr>
           <a:xfrm>
-            <a:off x="445770" y="4176890"/>
-            <a:ext cx="2932934" cy="4174631"/>
+            <a:off x="467915" y="2899834"/>
+            <a:ext cx="2900363" cy="5329767"/>
           </a:xfrm>
         </p:spPr>
         <p:txBody>
           <a:bodyPr/>
-          <a:lstStyle/>
+          <a:lstStyle>
+            <a:lvl1pPr>
+              <a:defRPr sz="1350"/>
+            </a:lvl1pPr>
+            <a:lvl2pPr>
+              <a:defRPr sz="1125"/>
+            </a:lvl2pPr>
+            <a:lvl3pPr>
+              <a:defRPr sz="1013"/>
+            </a:lvl3pPr>
+            <a:lvl4pPr>
+              <a:defRPr sz="900"/>
+            </a:lvl4pPr>
+            <a:lvl5pPr>
+              <a:defRPr sz="900"/>
+            </a:lvl5pPr>
+            <a:lvl6pPr>
+              <a:defRPr sz="900"/>
+            </a:lvl6pPr>
+            <a:lvl7pPr>
+              <a:defRPr sz="900"/>
+            </a:lvl7pPr>
+            <a:lvl8pPr>
+              <a:defRPr sz="900"/>
+            </a:lvl8pPr>
+            <a:lvl9pPr>
+              <a:defRPr sz="900"/>
+            </a:lvl9pPr>
+          </a:lstStyle>
           <a:p>
             <a:pPr lvl="0"/>
             <a:r>
@@ -4898,7 +2224,7 @@
               <a:rPr lang="ja-JP" altLang="en-US" smtClean="0"/>
               <a:t>レベル</a:t>
             </a:r>
-            <a:endParaRPr lang="en-US" dirty="0"/>
+            <a:endParaRPr lang="en-US"/>
           </a:p>
         </p:txBody>
       </p:sp>
@@ -4914,54 +2240,48 @@
         </p:nvSpPr>
         <p:spPr>
           <a:xfrm>
-            <a:off x="3651764" y="2911736"/>
-            <a:ext cx="2760466" cy="1098549"/>
-          </a:xfrm>
-        </p:spPr>
-        <p:txBody>
-          <a:bodyPr anchor="b">
-            <a:normAutofit/>
-          </a:bodyPr>
+            <a:off x="3481686" y="2046817"/>
+            <a:ext cx="2901255" cy="853016"/>
+          </a:xfrm>
+        </p:spPr>
+        <p:txBody>
+          <a:bodyPr anchor="b"/>
           <a:lstStyle>
             <a:lvl1pPr marL="0" indent="0">
               <a:buNone/>
-              <a:defRPr sz="2100" b="0">
-                <a:solidFill>
-                  <a:schemeClr val="tx1"/>
-                </a:solidFill>
-              </a:defRPr>
+              <a:defRPr sz="1350" b="1"/>
             </a:lvl1pPr>
-            <a:lvl2pPr marL="342900" indent="0">
-              <a:buNone/>
-              <a:defRPr sz="1500" b="1"/>
+            <a:lvl2pPr marL="257175" indent="0">
+              <a:buNone/>
+              <a:defRPr sz="1125" b="1"/>
             </a:lvl2pPr>
-            <a:lvl3pPr marL="685800" indent="0">
-              <a:buNone/>
-              <a:defRPr sz="1350" b="1"/>
+            <a:lvl3pPr marL="514350" indent="0">
+              <a:buNone/>
+              <a:defRPr sz="1013" b="1"/>
             </a:lvl3pPr>
-            <a:lvl4pPr marL="1028700" indent="0">
-              <a:buNone/>
-              <a:defRPr sz="1200" b="1"/>
+            <a:lvl4pPr marL="771525" indent="0">
+              <a:buNone/>
+              <a:defRPr sz="900" b="1"/>
             </a:lvl4pPr>
-            <a:lvl5pPr marL="1371600" indent="0">
-              <a:buNone/>
-              <a:defRPr sz="1200" b="1"/>
+            <a:lvl5pPr marL="1028700" indent="0">
+              <a:buNone/>
+              <a:defRPr sz="900" b="1"/>
             </a:lvl5pPr>
-            <a:lvl6pPr marL="1714500" indent="0">
-              <a:buNone/>
-              <a:defRPr sz="1200" b="1"/>
+            <a:lvl6pPr marL="1285875" indent="0">
+              <a:buNone/>
+              <a:defRPr sz="900" b="1"/>
             </a:lvl6pPr>
-            <a:lvl7pPr marL="2057400" indent="0">
-              <a:buNone/>
-              <a:defRPr sz="1200" b="1"/>
+            <a:lvl7pPr marL="1543050" indent="0">
+              <a:buNone/>
+              <a:defRPr sz="900" b="1"/>
             </a:lvl7pPr>
-            <a:lvl8pPr marL="2400300" indent="0">
-              <a:buNone/>
-              <a:defRPr sz="1200" b="1"/>
+            <a:lvl8pPr marL="1800225" indent="0">
+              <a:buNone/>
+              <a:defRPr sz="900" b="1"/>
             </a:lvl8pPr>
-            <a:lvl9pPr marL="2743200" indent="0">
-              <a:buNone/>
-              <a:defRPr sz="1200" b="1"/>
+            <a:lvl9pPr marL="2057400" indent="0">
+              <a:buNone/>
+              <a:defRPr sz="900" b="1"/>
             </a:lvl9pPr>
           </a:lstStyle>
           <a:p>
@@ -4985,13 +2305,41 @@
         </p:nvSpPr>
         <p:spPr>
           <a:xfrm>
-            <a:off x="3481574" y="4176890"/>
-            <a:ext cx="2930656" cy="4174631"/>
+            <a:off x="3481686" y="2899834"/>
+            <a:ext cx="2901255" cy="5329767"/>
           </a:xfrm>
         </p:spPr>
         <p:txBody>
           <a:bodyPr/>
-          <a:lstStyle/>
+          <a:lstStyle>
+            <a:lvl1pPr>
+              <a:defRPr sz="1350"/>
+            </a:lvl1pPr>
+            <a:lvl2pPr>
+              <a:defRPr sz="1125"/>
+            </a:lvl2pPr>
+            <a:lvl3pPr>
+              <a:defRPr sz="1013"/>
+            </a:lvl3pPr>
+            <a:lvl4pPr>
+              <a:defRPr sz="900"/>
+            </a:lvl4pPr>
+            <a:lvl5pPr>
+              <a:defRPr sz="900"/>
+            </a:lvl5pPr>
+            <a:lvl6pPr>
+              <a:defRPr sz="900"/>
+            </a:lvl6pPr>
+            <a:lvl7pPr>
+              <a:defRPr sz="900"/>
+            </a:lvl7pPr>
+            <a:lvl8pPr>
+              <a:defRPr sz="900"/>
+            </a:lvl8pPr>
+            <a:lvl9pPr>
+              <a:defRPr sz="900"/>
+            </a:lvl9pPr>
+          </a:lstStyle>
           <a:p>
             <a:pPr lvl="0"/>
             <a:r>
@@ -5058,7 +2406,7 @@
               <a:rPr lang="ja-JP" altLang="en-US" smtClean="0"/>
               <a:t>レベル</a:t>
             </a:r>
-            <a:endParaRPr lang="en-US" dirty="0"/>
+            <a:endParaRPr lang="en-US"/>
           </a:p>
         </p:txBody>
       </p:sp>
@@ -5130,7 +2478,7 @@
     </p:spTree>
     <p:extLst>
       <p:ext uri="{BB962C8B-B14F-4D97-AF65-F5344CB8AC3E}">
-        <p14:creationId xmlns:p14="http://schemas.microsoft.com/office/powerpoint/2010/main" val="4239140857"/>
+        <p14:creationId xmlns:p14="http://schemas.microsoft.com/office/powerpoint/2010/main" val="1386859272"/>
       </p:ext>
     </p:extLst>
   </p:cSld>
@@ -5176,7 +2524,7 @@
               <a:rPr lang="ja-JP" altLang="en-US" smtClean="0"/>
               <a:t>マスター タイトルの書式設定</a:t>
             </a:r>
-            <a:endParaRPr lang="en-US" dirty="0"/>
+            <a:endParaRPr lang="en-US"/>
           </a:p>
         </p:txBody>
       </p:sp>
@@ -5248,7 +2596,7 @@
     </p:spTree>
     <p:extLst>
       <p:ext uri="{BB962C8B-B14F-4D97-AF65-F5344CB8AC3E}">
-        <p14:creationId xmlns:p14="http://schemas.microsoft.com/office/powerpoint/2010/main" val="2132722254"/>
+        <p14:creationId xmlns:p14="http://schemas.microsoft.com/office/powerpoint/2010/main" val="2010205435"/>
       </p:ext>
     </p:extLst>
   </p:cSld>
@@ -5343,7 +2691,7 @@
     </p:spTree>
     <p:extLst>
       <p:ext uri="{BB962C8B-B14F-4D97-AF65-F5344CB8AC3E}">
-        <p14:creationId xmlns:p14="http://schemas.microsoft.com/office/powerpoint/2010/main" val="3284474785"/>
+        <p14:creationId xmlns:p14="http://schemas.microsoft.com/office/powerpoint/2010/main" val="2559776690"/>
       </p:ext>
     </p:extLst>
   </p:cSld>
@@ -5382,15 +2730,15 @@
         </p:nvSpPr>
         <p:spPr>
           <a:xfrm>
-            <a:off x="445770" y="2032000"/>
-            <a:ext cx="2314575" cy="2133600"/>
+            <a:off x="467916" y="914401"/>
+            <a:ext cx="2257425" cy="1547284"/>
           </a:xfrm>
         </p:spPr>
         <p:txBody>
           <a:bodyPr anchor="b"/>
           <a:lstStyle>
-            <a:lvl1pPr algn="l">
-              <a:defRPr sz="2400"/>
+            <a:lvl1pPr>
+              <a:defRPr sz="1125" b="1"/>
             </a:lvl1pPr>
           </a:lstStyle>
           <a:p>
@@ -5398,7 +2746,7 @@
               <a:rPr lang="ja-JP" altLang="en-US" smtClean="0"/>
               <a:t>マスター タイトルの書式設定</a:t>
             </a:r>
-            <a:endParaRPr lang="en-US" dirty="0"/>
+            <a:endParaRPr lang="en-US"/>
           </a:p>
         </p:txBody>
       </p:sp>
@@ -5414,13 +2762,41 @@
         </p:nvSpPr>
         <p:spPr>
           <a:xfrm>
-            <a:off x="2914650" y="995680"/>
-            <a:ext cx="3497580" cy="7355840"/>
-          </a:xfrm>
-        </p:spPr>
-        <p:txBody>
-          <a:bodyPr anchor="ctr"/>
-          <a:lstStyle/>
+            <a:off x="2838748" y="914400"/>
+            <a:ext cx="3544193" cy="7315200"/>
+          </a:xfrm>
+        </p:spPr>
+        <p:txBody>
+          <a:bodyPr/>
+          <a:lstStyle>
+            <a:lvl1pPr>
+              <a:defRPr sz="1800"/>
+            </a:lvl1pPr>
+            <a:lvl2pPr>
+              <a:defRPr sz="1575"/>
+            </a:lvl2pPr>
+            <a:lvl3pPr>
+              <a:defRPr sz="1350"/>
+            </a:lvl3pPr>
+            <a:lvl4pPr>
+              <a:defRPr sz="1125"/>
+            </a:lvl4pPr>
+            <a:lvl5pPr>
+              <a:defRPr sz="1125"/>
+            </a:lvl5pPr>
+            <a:lvl6pPr>
+              <a:defRPr sz="1125"/>
+            </a:lvl6pPr>
+            <a:lvl7pPr>
+              <a:defRPr sz="1125"/>
+            </a:lvl7pPr>
+            <a:lvl8pPr>
+              <a:defRPr sz="1125"/>
+            </a:lvl8pPr>
+            <a:lvl9pPr>
+              <a:defRPr sz="1125"/>
+            </a:lvl9pPr>
+          </a:lstStyle>
           <a:p>
             <a:pPr lvl="0"/>
             <a:r>
@@ -5487,7 +2863,7 @@
               <a:rPr lang="ja-JP" altLang="en-US" smtClean="0"/>
               <a:t>レベル</a:t>
             </a:r>
-            <a:endParaRPr lang="en-US" dirty="0"/>
+            <a:endParaRPr lang="en-US"/>
           </a:p>
         </p:txBody>
       </p:sp>
@@ -5503,8 +2879,8 @@
         </p:nvSpPr>
         <p:spPr>
           <a:xfrm>
-            <a:off x="445770" y="4165600"/>
-            <a:ext cx="2314575" cy="4185920"/>
+            <a:off x="467916" y="2461685"/>
+            <a:ext cx="2257425" cy="5767916"/>
           </a:xfrm>
         </p:spPr>
         <p:txBody>
@@ -5512,39 +2888,39 @@
           <a:lstStyle>
             <a:lvl1pPr marL="0" indent="0">
               <a:buNone/>
-              <a:defRPr sz="1200"/>
+              <a:defRPr sz="788"/>
             </a:lvl1pPr>
-            <a:lvl2pPr marL="342900" indent="0">
-              <a:buNone/>
-              <a:defRPr sz="1050"/>
+            <a:lvl2pPr marL="257175" indent="0">
+              <a:buNone/>
+              <a:defRPr sz="675"/>
             </a:lvl2pPr>
-            <a:lvl3pPr marL="685800" indent="0">
-              <a:buNone/>
-              <a:defRPr sz="900"/>
+            <a:lvl3pPr marL="514350" indent="0">
+              <a:buNone/>
+              <a:defRPr sz="563"/>
             </a:lvl3pPr>
-            <a:lvl4pPr marL="1028700" indent="0">
-              <a:buNone/>
-              <a:defRPr sz="750"/>
+            <a:lvl4pPr marL="771525" indent="0">
+              <a:buNone/>
+              <a:defRPr sz="506"/>
             </a:lvl4pPr>
-            <a:lvl5pPr marL="1371600" indent="0">
-              <a:buNone/>
-              <a:defRPr sz="750"/>
+            <a:lvl5pPr marL="1028700" indent="0">
+              <a:buNone/>
+              <a:defRPr sz="506"/>
             </a:lvl5pPr>
-            <a:lvl6pPr marL="1714500" indent="0">
-              <a:buNone/>
-              <a:defRPr sz="750"/>
+            <a:lvl6pPr marL="1285875" indent="0">
+              <a:buNone/>
+              <a:defRPr sz="506"/>
             </a:lvl6pPr>
-            <a:lvl7pPr marL="2057400" indent="0">
-              <a:buNone/>
-              <a:defRPr sz="750"/>
+            <a:lvl7pPr marL="1543050" indent="0">
+              <a:buNone/>
+              <a:defRPr sz="506"/>
             </a:lvl7pPr>
-            <a:lvl8pPr marL="2400300" indent="0">
-              <a:buNone/>
-              <a:defRPr sz="750"/>
+            <a:lvl8pPr marL="1800225" indent="0">
+              <a:buNone/>
+              <a:defRPr sz="506"/>
             </a:lvl8pPr>
-            <a:lvl9pPr marL="2743200" indent="0">
-              <a:buNone/>
-              <a:defRPr sz="750"/>
+            <a:lvl9pPr marL="2057400" indent="0">
+              <a:buNone/>
+              <a:defRPr sz="506"/>
             </a:lvl9pPr>
           </a:lstStyle>
           <a:p>
@@ -5624,7 +3000,7 @@
     </p:spTree>
     <p:extLst>
       <p:ext uri="{BB962C8B-B14F-4D97-AF65-F5344CB8AC3E}">
-        <p14:creationId xmlns:p14="http://schemas.microsoft.com/office/powerpoint/2010/main" val="282626812"/>
+        <p14:creationId xmlns:p14="http://schemas.microsoft.com/office/powerpoint/2010/main" val="2580805576"/>
       </p:ext>
     </p:extLst>
   </p:cSld>
@@ -5663,15 +3039,15 @@
         </p:nvSpPr>
         <p:spPr>
           <a:xfrm>
-            <a:off x="445770" y="2032000"/>
-            <a:ext cx="3056798" cy="2133600"/>
+            <a:off x="1409105" y="6400800"/>
+            <a:ext cx="4037112" cy="755651"/>
           </a:xfrm>
         </p:spPr>
         <p:txBody>
           <a:bodyPr anchor="b"/>
           <a:lstStyle>
-            <a:lvl1pPr algn="l">
-              <a:defRPr sz="2400"/>
+            <a:lvl1pPr>
+              <a:defRPr sz="1125" b="1"/>
             </a:lvl1pPr>
           </a:lstStyle>
           <a:p>
@@ -5679,7 +3055,7 @@
               <a:rPr lang="ja-JP" altLang="en-US" smtClean="0"/>
               <a:t>マスター タイトルの書式設定</a:t>
             </a:r>
-            <a:endParaRPr lang="en-US" dirty="0"/>
+            <a:endParaRPr lang="en-US"/>
           </a:p>
         </p:txBody>
       </p:sp>
@@ -5687,7 +3063,7 @@
         <p:nvSpPr>
           <p:cNvPr id="3" name="Picture Placeholder 2"/>
           <p:cNvSpPr>
-            <a:spLocks noGrp="1" noChangeAspect="1"/>
+            <a:spLocks noGrp="1"/>
           </p:cNvSpPr>
           <p:nvPr>
             <p:ph type="pic" idx="1"/>
@@ -5695,73 +3071,8 @@
         </p:nvSpPr>
         <p:spPr>
           <a:xfrm>
-            <a:off x="3658143" y="1001656"/>
-            <a:ext cx="2755676" cy="7349864"/>
-          </a:xfrm>
-        </p:spPr>
-        <p:txBody>
-          <a:bodyPr anchor="t"/>
-          <a:lstStyle>
-            <a:lvl1pPr marL="0" indent="0">
-              <a:buNone/>
-              <a:defRPr sz="2400"/>
-            </a:lvl1pPr>
-            <a:lvl2pPr marL="342900" indent="0">
-              <a:buNone/>
-              <a:defRPr sz="2100"/>
-            </a:lvl2pPr>
-            <a:lvl3pPr marL="685800" indent="0">
-              <a:buNone/>
-              <a:defRPr sz="1800"/>
-            </a:lvl3pPr>
-            <a:lvl4pPr marL="1028700" indent="0">
-              <a:buNone/>
-              <a:defRPr sz="1500"/>
-            </a:lvl4pPr>
-            <a:lvl5pPr marL="1371600" indent="0">
-              <a:buNone/>
-              <a:defRPr sz="1500"/>
-            </a:lvl5pPr>
-            <a:lvl6pPr marL="1714500" indent="0">
-              <a:buNone/>
-              <a:defRPr sz="1500"/>
-            </a:lvl6pPr>
-            <a:lvl7pPr marL="2057400" indent="0">
-              <a:buNone/>
-              <a:defRPr sz="1500"/>
-            </a:lvl7pPr>
-            <a:lvl8pPr marL="2400300" indent="0">
-              <a:buNone/>
-              <a:defRPr sz="1500"/>
-            </a:lvl8pPr>
-            <a:lvl9pPr marL="2743200" indent="0">
-              <a:buNone/>
-              <a:defRPr sz="1500"/>
-            </a:lvl9pPr>
-          </a:lstStyle>
-          <a:p>
-            <a:r>
-              <a:rPr lang="ja-JP" altLang="en-US" smtClean="0"/>
-              <a:t>図を追加</a:t>
-            </a:r>
-            <a:endParaRPr lang="en-US" dirty="0"/>
-          </a:p>
-        </p:txBody>
-      </p:sp>
-      <p:sp>
-        <p:nvSpPr>
-          <p:cNvPr id="4" name="Text Placeholder 3"/>
-          <p:cNvSpPr>
-            <a:spLocks noGrp="1"/>
-          </p:cNvSpPr>
-          <p:nvPr>
-            <p:ph type="body" sz="half" idx="2"/>
-          </p:nvPr>
-        </p:nvSpPr>
-        <p:spPr>
-          <a:xfrm>
-            <a:off x="445770" y="4165600"/>
-            <a:ext cx="3056798" cy="4185920"/>
+            <a:off x="1409105" y="914401"/>
+            <a:ext cx="4037112" cy="5389033"/>
           </a:xfrm>
         </p:spPr>
         <p:txBody>
@@ -5769,39 +3080,104 @@
           <a:lstStyle>
             <a:lvl1pPr marL="0" indent="0">
               <a:buNone/>
-              <a:defRPr sz="1200"/>
+              <a:defRPr sz="1800"/>
             </a:lvl1pPr>
-            <a:lvl2pPr marL="342900" indent="0">
-              <a:buNone/>
-              <a:defRPr sz="1050"/>
+            <a:lvl2pPr marL="257175" indent="0">
+              <a:buNone/>
+              <a:defRPr sz="1575"/>
             </a:lvl2pPr>
-            <a:lvl3pPr marL="685800" indent="0">
-              <a:buNone/>
-              <a:defRPr sz="900"/>
+            <a:lvl3pPr marL="514350" indent="0">
+              <a:buNone/>
+              <a:defRPr sz="1350"/>
             </a:lvl3pPr>
-            <a:lvl4pPr marL="1028700" indent="0">
-              <a:buNone/>
-              <a:defRPr sz="750"/>
+            <a:lvl4pPr marL="771525" indent="0">
+              <a:buNone/>
+              <a:defRPr sz="1125"/>
             </a:lvl4pPr>
-            <a:lvl5pPr marL="1371600" indent="0">
-              <a:buNone/>
-              <a:defRPr sz="750"/>
+            <a:lvl5pPr marL="1028700" indent="0">
+              <a:buNone/>
+              <a:defRPr sz="1125"/>
             </a:lvl5pPr>
-            <a:lvl6pPr marL="1714500" indent="0">
-              <a:buNone/>
-              <a:defRPr sz="750"/>
+            <a:lvl6pPr marL="1285875" indent="0">
+              <a:buNone/>
+              <a:defRPr sz="1125"/>
             </a:lvl6pPr>
-            <a:lvl7pPr marL="2057400" indent="0">
-              <a:buNone/>
-              <a:defRPr sz="750"/>
+            <a:lvl7pPr marL="1543050" indent="0">
+              <a:buNone/>
+              <a:defRPr sz="1125"/>
             </a:lvl7pPr>
-            <a:lvl8pPr marL="2400300" indent="0">
-              <a:buNone/>
-              <a:defRPr sz="750"/>
+            <a:lvl8pPr marL="1800225" indent="0">
+              <a:buNone/>
+              <a:defRPr sz="1125"/>
             </a:lvl8pPr>
-            <a:lvl9pPr marL="2743200" indent="0">
-              <a:buNone/>
-              <a:defRPr sz="750"/>
+            <a:lvl9pPr marL="2057400" indent="0">
+              <a:buNone/>
+              <a:defRPr sz="1125"/>
+            </a:lvl9pPr>
+          </a:lstStyle>
+          <a:p>
+            <a:r>
+              <a:rPr lang="ja-JP" altLang="en-US" smtClean="0"/>
+              <a:t>図を追加</a:t>
+            </a:r>
+            <a:endParaRPr lang="en-US"/>
+          </a:p>
+        </p:txBody>
+      </p:sp>
+      <p:sp>
+        <p:nvSpPr>
+          <p:cNvPr id="4" name="Text Placeholder 3"/>
+          <p:cNvSpPr>
+            <a:spLocks noGrp="1"/>
+          </p:cNvSpPr>
+          <p:nvPr>
+            <p:ph type="body" sz="half" idx="2"/>
+          </p:nvPr>
+        </p:nvSpPr>
+        <p:spPr>
+          <a:xfrm>
+            <a:off x="1409105" y="7156451"/>
+            <a:ext cx="4037112" cy="1073149"/>
+          </a:xfrm>
+        </p:spPr>
+        <p:txBody>
+          <a:bodyPr/>
+          <a:lstStyle>
+            <a:lvl1pPr marL="0" indent="0">
+              <a:buNone/>
+              <a:defRPr sz="788"/>
+            </a:lvl1pPr>
+            <a:lvl2pPr marL="257175" indent="0">
+              <a:buNone/>
+              <a:defRPr sz="675"/>
+            </a:lvl2pPr>
+            <a:lvl3pPr marL="514350" indent="0">
+              <a:buNone/>
+              <a:defRPr sz="563"/>
+            </a:lvl3pPr>
+            <a:lvl4pPr marL="771525" indent="0">
+              <a:buNone/>
+              <a:defRPr sz="506"/>
+            </a:lvl4pPr>
+            <a:lvl5pPr marL="1028700" indent="0">
+              <a:buNone/>
+              <a:defRPr sz="506"/>
+            </a:lvl5pPr>
+            <a:lvl6pPr marL="1285875" indent="0">
+              <a:buNone/>
+              <a:defRPr sz="506"/>
+            </a:lvl6pPr>
+            <a:lvl7pPr marL="1543050" indent="0">
+              <a:buNone/>
+              <a:defRPr sz="506"/>
+            </a:lvl7pPr>
+            <a:lvl8pPr marL="1800225" indent="0">
+              <a:buNone/>
+              <a:defRPr sz="506"/>
+            </a:lvl8pPr>
+            <a:lvl9pPr marL="2057400" indent="0">
+              <a:buNone/>
+              <a:defRPr sz="506"/>
             </a:lvl9pPr>
           </a:lstStyle>
           <a:p>
@@ -5881,7 +3257,7 @@
     </p:spTree>
     <p:extLst>
       <p:ext uri="{BB962C8B-B14F-4D97-AF65-F5344CB8AC3E}">
-        <p14:creationId xmlns:p14="http://schemas.microsoft.com/office/powerpoint/2010/main" val="3551138397"/>
+        <p14:creationId xmlns:p14="http://schemas.microsoft.com/office/powerpoint/2010/main" val="1983447451"/>
       </p:ext>
     </p:extLst>
   </p:cSld>
@@ -5895,7 +3271,7 @@
 <p:sldMaster xmlns:a="http://schemas.openxmlformats.org/drawingml/2006/main" xmlns:r="http://schemas.openxmlformats.org/officeDocument/2006/relationships" xmlns:p="http://schemas.openxmlformats.org/presentationml/2006/main">
   <p:cSld>
     <p:bg>
-      <p:bgRef idx="1003">
+      <p:bgRef idx="1001">
         <a:schemeClr val="bg1"/>
       </p:bgRef>
     </p:bg>
@@ -5913,187 +3289,157 @@
           <a:chExt cx="0" cy="0"/>
         </a:xfrm>
       </p:grpSpPr>
-      <p:pic>
-        <p:nvPicPr>
-          <p:cNvPr id="8" name="Picture 7" descr="C2-HD-TOP.png"/>
-          <p:cNvPicPr>
-            <a:picLocks noChangeAspect="1"/>
-          </p:cNvPicPr>
-          <p:nvPr/>
-        </p:nvPicPr>
-        <p:blipFill>
-          <a:blip r:embed="rId19">
-            <a:extLst>
-              <a:ext uri="{28A0092B-C50C-407E-A947-70E740481C1C}">
-                <a14:useLocalDpi xmlns:a14="http://schemas.microsoft.com/office/drawing/2010/main" val="0"/>
-              </a:ext>
-            </a:extLst>
-          </a:blip>
-          <a:stretch>
-            <a:fillRect/>
-          </a:stretch>
-        </p:blipFill>
-        <p:spPr>
-          <a:xfrm>
-            <a:off x="0" y="0"/>
-            <a:ext cx="6858000" cy="1441451"/>
+      <p:sp>
+        <p:nvSpPr>
+          <p:cNvPr id="2" name="Title Placeholder 1"/>
+          <p:cNvSpPr>
+            <a:spLocks noGrp="1"/>
+          </p:cNvSpPr>
+          <p:nvPr>
+            <p:ph type="title"/>
+          </p:nvPr>
+        </p:nvSpPr>
+        <p:spPr>
+          <a:xfrm>
+            <a:off x="471488" y="366184"/>
+            <a:ext cx="5915025" cy="1767416"/>
           </a:xfrm>
           <a:prstGeom prst="rect">
             <a:avLst/>
           </a:prstGeom>
         </p:spPr>
-      </p:pic>
-      <p:sp>
-        <p:nvSpPr>
-          <p:cNvPr id="2" name="Title Placeholder 1"/>
-          <p:cNvSpPr>
-            <a:spLocks noGrp="1"/>
-          </p:cNvSpPr>
-          <p:nvPr>
-            <p:ph type="title"/>
-          </p:nvPr>
-        </p:nvSpPr>
-        <p:spPr>
-          <a:xfrm>
-            <a:off x="1628775" y="1019164"/>
-            <a:ext cx="4783455" cy="1724037"/>
+        <p:txBody>
+          <a:bodyPr vert="horz" lIns="91440" tIns="45720" rIns="91440" bIns="45720" rtlCol="0" anchor="ctr">
+            <a:normAutofit/>
+          </a:bodyPr>
+          <a:lstStyle/>
+          <a:p>
+            <a:r>
+              <a:rPr lang="ja-JP" altLang="en-US" smtClean="0"/>
+              <a:t>マスター タイトルの書式設定</a:t>
+            </a:r>
+            <a:endParaRPr lang="en-US"/>
+          </a:p>
+        </p:txBody>
+      </p:sp>
+      <p:sp>
+        <p:nvSpPr>
+          <p:cNvPr id="3" name="Text Placeholder 2"/>
+          <p:cNvSpPr>
+            <a:spLocks noGrp="1"/>
+          </p:cNvSpPr>
+          <p:nvPr>
+            <p:ph type="body" idx="1"/>
+          </p:nvPr>
+        </p:nvSpPr>
+        <p:spPr>
+          <a:xfrm>
+            <a:off x="471488" y="2427818"/>
+            <a:ext cx="5915025" cy="5801783"/>
           </a:xfrm>
           <a:prstGeom prst="rect">
             <a:avLst/>
           </a:prstGeom>
         </p:spPr>
         <p:txBody>
-          <a:bodyPr vert="horz" lIns="91440" tIns="45720" rIns="91440" bIns="45720" rtlCol="0" anchor="ctr">
+          <a:bodyPr vert="horz" lIns="91440" tIns="45720" rIns="91440" bIns="45720" rtlCol="0">
             <a:normAutofit/>
           </a:bodyPr>
           <a:lstStyle/>
           <a:p>
-            <a:r>
-              <a:rPr lang="ja-JP" altLang="en-US" smtClean="0"/>
-              <a:t>マスター タイトルの書式設定</a:t>
-            </a:r>
-            <a:endParaRPr lang="en-US" dirty="0"/>
-          </a:p>
-        </p:txBody>
-      </p:sp>
-      <p:sp>
-        <p:nvSpPr>
-          <p:cNvPr id="3" name="Text Placeholder 2"/>
-          <p:cNvSpPr>
-            <a:spLocks noGrp="1"/>
-          </p:cNvSpPr>
-          <p:nvPr>
-            <p:ph type="body" idx="1"/>
-          </p:nvPr>
-        </p:nvSpPr>
-        <p:spPr>
-          <a:xfrm>
-            <a:off x="445770" y="2926080"/>
-            <a:ext cx="5966460" cy="5425440"/>
+            <a:pPr lvl="0"/>
+            <a:r>
+              <a:rPr lang="ja-JP" altLang="en-US" smtClean="0"/>
+              <a:t>マスター テキストの書式設定</a:t>
+            </a:r>
+          </a:p>
+          <a:p>
+            <a:pPr lvl="1"/>
+            <a:r>
+              <a:rPr lang="ja-JP" altLang="en-US" smtClean="0"/>
+              <a:t>第 </a:t>
+            </a:r>
+            <a:r>
+              <a:rPr lang="en-US" altLang="ja-JP" smtClean="0"/>
+              <a:t>2 </a:t>
+            </a:r>
+            <a:r>
+              <a:rPr lang="ja-JP" altLang="en-US" smtClean="0"/>
+              <a:t>レベル</a:t>
+            </a:r>
+          </a:p>
+          <a:p>
+            <a:pPr lvl="2"/>
+            <a:r>
+              <a:rPr lang="ja-JP" altLang="en-US" smtClean="0"/>
+              <a:t>第 </a:t>
+            </a:r>
+            <a:r>
+              <a:rPr lang="en-US" altLang="ja-JP" smtClean="0"/>
+              <a:t>3 </a:t>
+            </a:r>
+            <a:r>
+              <a:rPr lang="ja-JP" altLang="en-US" smtClean="0"/>
+              <a:t>レベル</a:t>
+            </a:r>
+          </a:p>
+          <a:p>
+            <a:pPr lvl="3"/>
+            <a:r>
+              <a:rPr lang="ja-JP" altLang="en-US" smtClean="0"/>
+              <a:t>第 </a:t>
+            </a:r>
+            <a:r>
+              <a:rPr lang="en-US" altLang="ja-JP" smtClean="0"/>
+              <a:t>4 </a:t>
+            </a:r>
+            <a:r>
+              <a:rPr lang="ja-JP" altLang="en-US" smtClean="0"/>
+              <a:t>レベル</a:t>
+            </a:r>
+          </a:p>
+          <a:p>
+            <a:pPr lvl="4"/>
+            <a:r>
+              <a:rPr lang="ja-JP" altLang="en-US" smtClean="0"/>
+              <a:t>第 </a:t>
+            </a:r>
+            <a:r>
+              <a:rPr lang="en-US" altLang="ja-JP" smtClean="0"/>
+              <a:t>5 </a:t>
+            </a:r>
+            <a:r>
+              <a:rPr lang="ja-JP" altLang="en-US" smtClean="0"/>
+              <a:t>レベル</a:t>
+            </a:r>
+            <a:endParaRPr lang="en-US"/>
+          </a:p>
+        </p:txBody>
+      </p:sp>
+      <p:sp>
+        <p:nvSpPr>
+          <p:cNvPr id="4" name="Date Placeholder 3"/>
+          <p:cNvSpPr>
+            <a:spLocks noGrp="1"/>
+          </p:cNvSpPr>
+          <p:nvPr>
+            <p:ph type="dt" sz="half" idx="2"/>
+          </p:nvPr>
+        </p:nvSpPr>
+        <p:spPr>
+          <a:xfrm>
+            <a:off x="471487" y="8475134"/>
+            <a:ext cx="1843088" cy="486833"/>
           </a:xfrm>
           <a:prstGeom prst="rect">
             <a:avLst/>
           </a:prstGeom>
         </p:spPr>
         <p:txBody>
-          <a:bodyPr vert="horz" lIns="91440" tIns="45720" rIns="91440" bIns="45720" rtlCol="0">
-            <a:normAutofit/>
-          </a:bodyPr>
-          <a:lstStyle/>
-          <a:p>
-            <a:pPr lvl="0"/>
-            <a:r>
-              <a:rPr lang="ja-JP" altLang="en-US" smtClean="0"/>
-              <a:t>マスター テキストの書式設定</a:t>
-            </a:r>
-          </a:p>
-          <a:p>
-            <a:pPr lvl="1"/>
-            <a:r>
-              <a:rPr lang="ja-JP" altLang="en-US" smtClean="0"/>
-              <a:t>第 </a:t>
-            </a:r>
-            <a:r>
-              <a:rPr lang="en-US" altLang="ja-JP" smtClean="0"/>
-              <a:t>2 </a:t>
-            </a:r>
-            <a:r>
-              <a:rPr lang="ja-JP" altLang="en-US" smtClean="0"/>
-              <a:t>レベル</a:t>
-            </a:r>
-          </a:p>
-          <a:p>
-            <a:pPr lvl="2"/>
-            <a:r>
-              <a:rPr lang="ja-JP" altLang="en-US" smtClean="0"/>
-              <a:t>第 </a:t>
-            </a:r>
-            <a:r>
-              <a:rPr lang="en-US" altLang="ja-JP" smtClean="0"/>
-              <a:t>3 </a:t>
-            </a:r>
-            <a:r>
-              <a:rPr lang="ja-JP" altLang="en-US" smtClean="0"/>
-              <a:t>レベル</a:t>
-            </a:r>
-          </a:p>
-          <a:p>
-            <a:pPr lvl="3"/>
-            <a:r>
-              <a:rPr lang="ja-JP" altLang="en-US" smtClean="0"/>
-              <a:t>第 </a:t>
-            </a:r>
-            <a:r>
-              <a:rPr lang="en-US" altLang="ja-JP" smtClean="0"/>
-              <a:t>4 </a:t>
-            </a:r>
-            <a:r>
-              <a:rPr lang="ja-JP" altLang="en-US" smtClean="0"/>
-              <a:t>レベル</a:t>
-            </a:r>
-          </a:p>
-          <a:p>
-            <a:pPr lvl="4"/>
-            <a:r>
-              <a:rPr lang="ja-JP" altLang="en-US" smtClean="0"/>
-              <a:t>第 </a:t>
-            </a:r>
-            <a:r>
-              <a:rPr lang="en-US" altLang="ja-JP" smtClean="0"/>
-              <a:t>5 </a:t>
-            </a:r>
-            <a:r>
-              <a:rPr lang="ja-JP" altLang="en-US" smtClean="0"/>
-              <a:t>レベル</a:t>
-            </a:r>
-            <a:endParaRPr lang="en-US" dirty="0"/>
-          </a:p>
-        </p:txBody>
-      </p:sp>
-      <p:sp>
-        <p:nvSpPr>
-          <p:cNvPr id="4" name="Date Placeholder 3"/>
-          <p:cNvSpPr>
-            <a:spLocks noGrp="1"/>
-          </p:cNvSpPr>
-          <p:nvPr>
-            <p:ph type="dt" sz="half" idx="2"/>
-          </p:nvPr>
-        </p:nvSpPr>
-        <p:spPr>
-          <a:xfrm>
-            <a:off x="4809172" y="8475136"/>
-            <a:ext cx="1603058" cy="486833"/>
-          </a:xfrm>
-          <a:prstGeom prst="rect">
-            <a:avLst/>
-          </a:prstGeom>
-        </p:spPr>
-        <p:txBody>
           <a:bodyPr vert="horz" lIns="91440" tIns="45720" rIns="91440" bIns="45720" rtlCol="0" anchor="ctr"/>
           <a:lstStyle>
-            <a:lvl1pPr algn="r">
-              <a:defRPr sz="788">
+            <a:lvl1pPr algn="l">
+              <a:defRPr sz="675">
                 <a:solidFill>
                   <a:schemeClr val="tx1">
                     <a:tint val="75000"/>
@@ -6123,8 +3469,8 @@
         </p:nvSpPr>
         <p:spPr>
           <a:xfrm>
-            <a:off x="445770" y="8474462"/>
-            <a:ext cx="4260533" cy="486833"/>
+            <a:off x="2614613" y="8475134"/>
+            <a:ext cx="1628775" cy="486833"/>
           </a:xfrm>
           <a:prstGeom prst="rect">
             <a:avLst/>
@@ -6133,8 +3479,8 @@
         <p:txBody>
           <a:bodyPr vert="horz" lIns="91440" tIns="45720" rIns="91440" bIns="45720" rtlCol="0" anchor="ctr"/>
           <a:lstStyle>
-            <a:lvl1pPr algn="l">
-              <a:defRPr sz="788">
+            <a:lvl1pPr algn="ctr">
+              <a:defRPr sz="675">
                 <a:solidFill>
                   <a:schemeClr val="tx1">
                     <a:tint val="75000"/>
@@ -6160,8 +3506,8 @@
         </p:nvSpPr>
         <p:spPr>
           <a:xfrm>
-            <a:off x="4929187" y="508002"/>
-            <a:ext cx="1483043" cy="486833"/>
+            <a:off x="4543425" y="8475134"/>
+            <a:ext cx="1843088" cy="486833"/>
           </a:xfrm>
           <a:prstGeom prst="rect">
             <a:avLst/>
@@ -6171,7 +3517,7 @@
           <a:bodyPr vert="horz" lIns="91440" tIns="45720" rIns="91440" bIns="45720" rtlCol="0" anchor="ctr"/>
           <a:lstStyle>
             <a:lvl1pPr algn="r">
-              <a:defRPr sz="788">
+              <a:defRPr sz="675">
                 <a:solidFill>
                   <a:schemeClr val="tx1">
                     <a:tint val="75000"/>
@@ -6192,41 +3538,32 @@
     </p:spTree>
     <p:extLst>
       <p:ext uri="{BB962C8B-B14F-4D97-AF65-F5344CB8AC3E}">
-        <p14:creationId xmlns:p14="http://schemas.microsoft.com/office/powerpoint/2010/main" val="794775793"/>
+        <p14:creationId xmlns:p14="http://schemas.microsoft.com/office/powerpoint/2010/main" val="3088753778"/>
       </p:ext>
     </p:extLst>
   </p:cSld>
   <p:clrMap bg1="lt1" tx1="dk1" bg2="lt2" tx2="dk2" accent1="accent1" accent2="accent2" accent3="accent3" accent4="accent4" accent5="accent5" accent6="accent6" hlink="hlink" folHlink="folHlink"/>
   <p:sldLayoutIdLst>
-    <p:sldLayoutId id="2147483987" r:id="rId1"/>
-    <p:sldLayoutId id="2147483988" r:id="rId2"/>
-    <p:sldLayoutId id="2147483989" r:id="rId3"/>
-    <p:sldLayoutId id="2147483990" r:id="rId4"/>
-    <p:sldLayoutId id="2147483991" r:id="rId5"/>
-    <p:sldLayoutId id="2147483992" r:id="rId6"/>
-    <p:sldLayoutId id="2147483993" r:id="rId7"/>
-    <p:sldLayoutId id="2147483994" r:id="rId8"/>
-    <p:sldLayoutId id="2147483995" r:id="rId9"/>
-    <p:sldLayoutId id="2147483996" r:id="rId10"/>
-    <p:sldLayoutId id="2147483997" r:id="rId11"/>
-    <p:sldLayoutId id="2147483998" r:id="rId12"/>
-    <p:sldLayoutId id="2147483999" r:id="rId13"/>
-    <p:sldLayoutId id="2147484000" r:id="rId14"/>
-    <p:sldLayoutId id="2147484001" r:id="rId15"/>
-    <p:sldLayoutId id="2147484002" r:id="rId16"/>
-    <p:sldLayoutId id="2147484003" r:id="rId17"/>
+    <p:sldLayoutId id="2147484005" r:id="rId1"/>
+    <p:sldLayoutId id="2147484006" r:id="rId2"/>
+    <p:sldLayoutId id="2147484007" r:id="rId3"/>
+    <p:sldLayoutId id="2147484008" r:id="rId4"/>
+    <p:sldLayoutId id="2147484009" r:id="rId5"/>
+    <p:sldLayoutId id="2147484010" r:id="rId6"/>
+    <p:sldLayoutId id="2147484011" r:id="rId7"/>
+    <p:sldLayoutId id="2147484012" r:id="rId8"/>
+    <p:sldLayoutId id="2147484013" r:id="rId9"/>
+    <p:sldLayoutId id="2147484014" r:id="rId10"/>
+    <p:sldLayoutId id="2147484015" r:id="rId11"/>
   </p:sldLayoutIdLst>
   <p:txStyles>
     <p:titleStyle>
-      <a:lvl1pPr algn="r" defTabSz="685800" rtl="0" eaLnBrk="1" latinLnBrk="0" hangingPunct="1">
-        <a:lnSpc>
-          <a:spcPct val="90000"/>
-        </a:lnSpc>
+      <a:lvl1pPr algn="l" defTabSz="514350" rtl="0" eaLnBrk="1" latinLnBrk="0" hangingPunct="1">
         <a:spcBef>
           <a:spcPct val="0"/>
         </a:spcBef>
         <a:buNone/>
-        <a:defRPr kumimoji="1" sz="3000" kern="1200" cap="all" baseline="0">
+        <a:defRPr kumimoji="1" sz="2475" kern="1200">
           <a:solidFill>
             <a:schemeClr val="tx1"/>
           </a:solidFill>
@@ -6237,16 +3574,13 @@
       </a:lvl1pPr>
     </p:titleStyle>
     <p:bodyStyle>
-      <a:lvl1pPr marL="171450" indent="-171450" algn="l" defTabSz="685800" rtl="0" eaLnBrk="1" latinLnBrk="0" hangingPunct="1">
-        <a:lnSpc>
-          <a:spcPct val="90000"/>
-        </a:lnSpc>
+      <a:lvl1pPr marL="192881" indent="-192881" algn="l" defTabSz="514350" rtl="0" eaLnBrk="1" latinLnBrk="0" hangingPunct="1">
         <a:spcBef>
-          <a:spcPts val="750"/>
+          <a:spcPct val="20000"/>
         </a:spcBef>
-        <a:buFont typeface="Arial" panose="020B0604020202020204" pitchFamily="34" charset="0"/>
+        <a:buFont typeface="Arial" pitchFamily="34" charset="0"/>
         <a:buChar char="•"/>
-        <a:defRPr kumimoji="1" sz="1650" kern="1200">
+        <a:defRPr kumimoji="1" sz="1800" kern="1200">
           <a:solidFill>
             <a:schemeClr val="tx1"/>
           </a:solidFill>
@@ -6255,16 +3589,13 @@
           <a:cs typeface="+mn-cs"/>
         </a:defRPr>
       </a:lvl1pPr>
-      <a:lvl2pPr marL="514350" indent="-171450" algn="l" defTabSz="685800" rtl="0" eaLnBrk="1" latinLnBrk="0" hangingPunct="1">
-        <a:lnSpc>
-          <a:spcPct val="90000"/>
-        </a:lnSpc>
+      <a:lvl2pPr marL="417909" indent="-160734" algn="l" defTabSz="514350" rtl="0" eaLnBrk="1" latinLnBrk="0" hangingPunct="1">
         <a:spcBef>
-          <a:spcPts val="375"/>
+          <a:spcPct val="20000"/>
         </a:spcBef>
-        <a:buFont typeface="Arial" panose="020B0604020202020204" pitchFamily="34" charset="0"/>
-        <a:buChar char="•"/>
-        <a:defRPr kumimoji="1" sz="1500" kern="1200">
+        <a:buFont typeface="Arial" pitchFamily="34" charset="0"/>
+        <a:buChar char="–"/>
+        <a:defRPr kumimoji="1" sz="1575" kern="1200">
           <a:solidFill>
             <a:schemeClr val="tx1"/>
           </a:solidFill>
@@ -6273,14 +3604,11 @@
           <a:cs typeface="+mn-cs"/>
         </a:defRPr>
       </a:lvl2pPr>
-      <a:lvl3pPr marL="857250" indent="-171450" algn="l" defTabSz="685800" rtl="0" eaLnBrk="1" latinLnBrk="0" hangingPunct="1">
-        <a:lnSpc>
-          <a:spcPct val="90000"/>
-        </a:lnSpc>
+      <a:lvl3pPr marL="642938" indent="-128588" algn="l" defTabSz="514350" rtl="0" eaLnBrk="1" latinLnBrk="0" hangingPunct="1">
         <a:spcBef>
-          <a:spcPts val="375"/>
+          <a:spcPct val="20000"/>
         </a:spcBef>
-        <a:buFont typeface="Arial" panose="020B0604020202020204" pitchFamily="34" charset="0"/>
+        <a:buFont typeface="Arial" pitchFamily="34" charset="0"/>
         <a:buChar char="•"/>
         <a:defRPr kumimoji="1" sz="1350" kern="1200">
           <a:solidFill>
@@ -6291,16 +3619,13 @@
           <a:cs typeface="+mn-cs"/>
         </a:defRPr>
       </a:lvl3pPr>
-      <a:lvl4pPr marL="1200150" indent="-171450" algn="l" defTabSz="685800" rtl="0" eaLnBrk="1" latinLnBrk="0" hangingPunct="1">
-        <a:lnSpc>
-          <a:spcPct val="90000"/>
-        </a:lnSpc>
+      <a:lvl4pPr marL="900113" indent="-128588" algn="l" defTabSz="514350" rtl="0" eaLnBrk="1" latinLnBrk="0" hangingPunct="1">
         <a:spcBef>
-          <a:spcPts val="375"/>
+          <a:spcPct val="20000"/>
         </a:spcBef>
-        <a:buFont typeface="Arial" panose="020B0604020202020204" pitchFamily="34" charset="0"/>
-        <a:buChar char="•"/>
-        <a:defRPr kumimoji="1" sz="1200" kern="1200">
+        <a:buFont typeface="Arial" pitchFamily="34" charset="0"/>
+        <a:buChar char="–"/>
+        <a:defRPr kumimoji="1" sz="1125" kern="1200">
           <a:solidFill>
             <a:schemeClr val="tx1"/>
           </a:solidFill>
@@ -6309,16 +3634,13 @@
           <a:cs typeface="+mn-cs"/>
         </a:defRPr>
       </a:lvl4pPr>
-      <a:lvl5pPr marL="1543050" indent="-171450" algn="l" defTabSz="685800" rtl="0" eaLnBrk="1" latinLnBrk="0" hangingPunct="1">
-        <a:lnSpc>
-          <a:spcPct val="90000"/>
-        </a:lnSpc>
+      <a:lvl5pPr marL="1157288" indent="-128588" algn="l" defTabSz="514350" rtl="0" eaLnBrk="1" latinLnBrk="0" hangingPunct="1">
         <a:spcBef>
-          <a:spcPts val="375"/>
+          <a:spcPct val="20000"/>
         </a:spcBef>
-        <a:buFont typeface="Arial" panose="020B0604020202020204" pitchFamily="34" charset="0"/>
-        <a:buChar char="•"/>
-        <a:defRPr kumimoji="1" sz="1200" kern="1200">
+        <a:buFont typeface="Arial" pitchFamily="34" charset="0"/>
+        <a:buChar char="»"/>
+        <a:defRPr kumimoji="1" sz="1125" kern="1200">
           <a:solidFill>
             <a:schemeClr val="tx1"/>
           </a:solidFill>
@@ -6327,16 +3649,13 @@
           <a:cs typeface="+mn-cs"/>
         </a:defRPr>
       </a:lvl5pPr>
-      <a:lvl6pPr marL="1885950" indent="-171450" algn="l" defTabSz="685800" rtl="0" eaLnBrk="1" latinLnBrk="0" hangingPunct="1">
-        <a:lnSpc>
-          <a:spcPct val="90000"/>
-        </a:lnSpc>
+      <a:lvl6pPr marL="1414463" indent="-128588" algn="l" defTabSz="514350" rtl="0" eaLnBrk="1" latinLnBrk="0" hangingPunct="1">
         <a:spcBef>
-          <a:spcPts val="375"/>
+          <a:spcPct val="20000"/>
         </a:spcBef>
-        <a:buFont typeface="Arial" panose="020B0604020202020204" pitchFamily="34" charset="0"/>
+        <a:buFont typeface="Arial" pitchFamily="34" charset="0"/>
         <a:buChar char="•"/>
-        <a:defRPr kumimoji="1" sz="1200" kern="1200">
+        <a:defRPr kumimoji="1" sz="1125" kern="1200">
           <a:solidFill>
             <a:schemeClr val="tx1"/>
           </a:solidFill>
@@ -6345,16 +3664,13 @@
           <a:cs typeface="+mn-cs"/>
         </a:defRPr>
       </a:lvl6pPr>
-      <a:lvl7pPr marL="2228850" indent="-171450" algn="l" defTabSz="685800" rtl="0" eaLnBrk="1" latinLnBrk="0" hangingPunct="1">
-        <a:lnSpc>
-          <a:spcPct val="90000"/>
-        </a:lnSpc>
+      <a:lvl7pPr marL="1671638" indent="-128588" algn="l" defTabSz="514350" rtl="0" eaLnBrk="1" latinLnBrk="0" hangingPunct="1">
         <a:spcBef>
-          <a:spcPts val="375"/>
+          <a:spcPct val="20000"/>
         </a:spcBef>
-        <a:buFont typeface="Arial" panose="020B0604020202020204" pitchFamily="34" charset="0"/>
+        <a:buFont typeface="Arial" pitchFamily="34" charset="0"/>
         <a:buChar char="•"/>
-        <a:defRPr kumimoji="1" sz="1200" kern="1200">
+        <a:defRPr kumimoji="1" sz="1125" kern="1200">
           <a:solidFill>
             <a:schemeClr val="tx1"/>
           </a:solidFill>
@@ -6363,16 +3679,13 @@
           <a:cs typeface="+mn-cs"/>
         </a:defRPr>
       </a:lvl7pPr>
-      <a:lvl8pPr marL="2571750" indent="-171450" algn="l" defTabSz="685800" rtl="0" eaLnBrk="1" latinLnBrk="0" hangingPunct="1">
-        <a:lnSpc>
-          <a:spcPct val="90000"/>
-        </a:lnSpc>
+      <a:lvl8pPr marL="1928813" indent="-128588" algn="l" defTabSz="514350" rtl="0" eaLnBrk="1" latinLnBrk="0" hangingPunct="1">
         <a:spcBef>
-          <a:spcPts val="375"/>
+          <a:spcPct val="20000"/>
         </a:spcBef>
-        <a:buFont typeface="Arial" panose="020B0604020202020204" pitchFamily="34" charset="0"/>
+        <a:buFont typeface="Arial" pitchFamily="34" charset="0"/>
         <a:buChar char="•"/>
-        <a:defRPr kumimoji="1" sz="1200" kern="1200">
+        <a:defRPr kumimoji="1" sz="1125" kern="1200">
           <a:solidFill>
             <a:schemeClr val="tx1"/>
           </a:solidFill>
@@ -6381,16 +3694,13 @@
           <a:cs typeface="+mn-cs"/>
         </a:defRPr>
       </a:lvl8pPr>
-      <a:lvl9pPr marL="2914650" indent="-171450" algn="l" defTabSz="685800" rtl="0" eaLnBrk="1" latinLnBrk="0" hangingPunct="1">
-        <a:lnSpc>
-          <a:spcPct val="90000"/>
-        </a:lnSpc>
+      <a:lvl9pPr marL="2185988" indent="-128588" algn="l" defTabSz="514350" rtl="0" eaLnBrk="1" latinLnBrk="0" hangingPunct="1">
         <a:spcBef>
-          <a:spcPts val="375"/>
+          <a:spcPct val="20000"/>
         </a:spcBef>
-        <a:buFont typeface="Arial" panose="020B0604020202020204" pitchFamily="34" charset="0"/>
+        <a:buFont typeface="Arial" pitchFamily="34" charset="0"/>
         <a:buChar char="•"/>
-        <a:defRPr kumimoji="1" sz="1200" kern="1200">
+        <a:defRPr kumimoji="1" sz="1125" kern="1200">
           <a:solidFill>
             <a:schemeClr val="tx1"/>
           </a:solidFill>
@@ -6404,8 +3714,8 @@
       <a:defPPr>
         <a:defRPr lang="en-US"/>
       </a:defPPr>
-      <a:lvl1pPr marL="0" algn="l" defTabSz="685800" rtl="0" eaLnBrk="1" latinLnBrk="0" hangingPunct="1">
-        <a:defRPr kumimoji="1" sz="1350" kern="1200">
+      <a:lvl1pPr marL="0" algn="l" defTabSz="514350" rtl="0" eaLnBrk="1" latinLnBrk="0" hangingPunct="1">
+        <a:defRPr kumimoji="1" sz="1013" kern="1200">
           <a:solidFill>
             <a:schemeClr val="tx1"/>
           </a:solidFill>
@@ -6414,8 +3724,8 @@
           <a:cs typeface="+mn-cs"/>
         </a:defRPr>
       </a:lvl1pPr>
-      <a:lvl2pPr marL="342900" algn="l" defTabSz="685800" rtl="0" eaLnBrk="1" latinLnBrk="0" hangingPunct="1">
-        <a:defRPr kumimoji="1" sz="1350" kern="1200">
+      <a:lvl2pPr marL="257175" algn="l" defTabSz="514350" rtl="0" eaLnBrk="1" latinLnBrk="0" hangingPunct="1">
+        <a:defRPr kumimoji="1" sz="1013" kern="1200">
           <a:solidFill>
             <a:schemeClr val="tx1"/>
           </a:solidFill>
@@ -6424,8 +3734,8 @@
           <a:cs typeface="+mn-cs"/>
         </a:defRPr>
       </a:lvl2pPr>
-      <a:lvl3pPr marL="685800" algn="l" defTabSz="685800" rtl="0" eaLnBrk="1" latinLnBrk="0" hangingPunct="1">
-        <a:defRPr kumimoji="1" sz="1350" kern="1200">
+      <a:lvl3pPr marL="514350" algn="l" defTabSz="514350" rtl="0" eaLnBrk="1" latinLnBrk="0" hangingPunct="1">
+        <a:defRPr kumimoji="1" sz="1013" kern="1200">
           <a:solidFill>
             <a:schemeClr val="tx1"/>
           </a:solidFill>
@@ -6434,8 +3744,8 @@
           <a:cs typeface="+mn-cs"/>
         </a:defRPr>
       </a:lvl3pPr>
-      <a:lvl4pPr marL="1028700" algn="l" defTabSz="685800" rtl="0" eaLnBrk="1" latinLnBrk="0" hangingPunct="1">
-        <a:defRPr kumimoji="1" sz="1350" kern="1200">
+      <a:lvl4pPr marL="771525" algn="l" defTabSz="514350" rtl="0" eaLnBrk="1" latinLnBrk="0" hangingPunct="1">
+        <a:defRPr kumimoji="1" sz="1013" kern="1200">
           <a:solidFill>
             <a:schemeClr val="tx1"/>
           </a:solidFill>
@@ -6444,8 +3754,8 @@
           <a:cs typeface="+mn-cs"/>
         </a:defRPr>
       </a:lvl4pPr>
-      <a:lvl5pPr marL="1371600" algn="l" defTabSz="685800" rtl="0" eaLnBrk="1" latinLnBrk="0" hangingPunct="1">
-        <a:defRPr kumimoji="1" sz="1350" kern="1200">
+      <a:lvl5pPr marL="1028700" algn="l" defTabSz="514350" rtl="0" eaLnBrk="1" latinLnBrk="0" hangingPunct="1">
+        <a:defRPr kumimoji="1" sz="1013" kern="1200">
           <a:solidFill>
             <a:schemeClr val="tx1"/>
           </a:solidFill>
@@ -6454,8 +3764,8 @@
           <a:cs typeface="+mn-cs"/>
         </a:defRPr>
       </a:lvl5pPr>
-      <a:lvl6pPr marL="1714500" algn="l" defTabSz="685800" rtl="0" eaLnBrk="1" latinLnBrk="0" hangingPunct="1">
-        <a:defRPr kumimoji="1" sz="1350" kern="1200">
+      <a:lvl6pPr marL="1285875" algn="l" defTabSz="514350" rtl="0" eaLnBrk="1" latinLnBrk="0" hangingPunct="1">
+        <a:defRPr kumimoji="1" sz="1013" kern="1200">
           <a:solidFill>
             <a:schemeClr val="tx1"/>
           </a:solidFill>
@@ -6464,8 +3774,8 @@
           <a:cs typeface="+mn-cs"/>
         </a:defRPr>
       </a:lvl6pPr>
-      <a:lvl7pPr marL="2057400" algn="l" defTabSz="685800" rtl="0" eaLnBrk="1" latinLnBrk="0" hangingPunct="1">
-        <a:defRPr kumimoji="1" sz="1350" kern="1200">
+      <a:lvl7pPr marL="1543050" algn="l" defTabSz="514350" rtl="0" eaLnBrk="1" latinLnBrk="0" hangingPunct="1">
+        <a:defRPr kumimoji="1" sz="1013" kern="1200">
           <a:solidFill>
             <a:schemeClr val="tx1"/>
           </a:solidFill>
@@ -6474,8 +3784,8 @@
           <a:cs typeface="+mn-cs"/>
         </a:defRPr>
       </a:lvl7pPr>
-      <a:lvl8pPr marL="2400300" algn="l" defTabSz="685800" rtl="0" eaLnBrk="1" latinLnBrk="0" hangingPunct="1">
-        <a:defRPr kumimoji="1" sz="1350" kern="1200">
+      <a:lvl8pPr marL="1800225" algn="l" defTabSz="514350" rtl="0" eaLnBrk="1" latinLnBrk="0" hangingPunct="1">
+        <a:defRPr kumimoji="1" sz="1013" kern="1200">
           <a:solidFill>
             <a:schemeClr val="tx1"/>
           </a:solidFill>
@@ -6484,8 +3794,8 @@
           <a:cs typeface="+mn-cs"/>
         </a:defRPr>
       </a:lvl8pPr>
-      <a:lvl9pPr marL="2743200" algn="l" defTabSz="685800" rtl="0" eaLnBrk="1" latinLnBrk="0" hangingPunct="1">
-        <a:defRPr kumimoji="1" sz="1350" kern="1200">
+      <a:lvl9pPr marL="2057400" algn="l" defTabSz="514350" rtl="0" eaLnBrk="1" latinLnBrk="0" hangingPunct="1">
+        <a:defRPr kumimoji="1" sz="1013" kern="1200">
           <a:solidFill>
             <a:schemeClr val="tx1"/>
           </a:solidFill>
@@ -6516,59 +3826,6 @@
           <a:chExt cx="0" cy="0"/>
         </a:xfrm>
       </p:grpSpPr>
-      <p:pic>
-        <p:nvPicPr>
-          <p:cNvPr id="31" name="図 30"/>
-          <p:cNvPicPr>
-            <a:picLocks noChangeAspect="1"/>
-          </p:cNvPicPr>
-          <p:nvPr/>
-        </p:nvPicPr>
-        <p:blipFill rotWithShape="1">
-          <a:blip r:embed="rId3">
-            <a:duotone>
-              <a:prstClr val="black"/>
-              <a:schemeClr val="tx2">
-                <a:tint val="45000"/>
-                <a:satMod val="400000"/>
-              </a:schemeClr>
-            </a:duotone>
-            <a:extLst>
-              <a:ext uri="{28A0092B-C50C-407E-A947-70E740481C1C}">
-                <a14:useLocalDpi xmlns:a14="http://schemas.microsoft.com/office/drawing/2010/main" val="0"/>
-              </a:ext>
-            </a:extLst>
-          </a:blip>
-          <a:srcRect t="12200" r="776" b="10101"/>
-          <a:stretch/>
-        </p:blipFill>
-        <p:spPr>
-          <a:xfrm>
-            <a:off x="0" y="1987112"/>
-            <a:ext cx="5393668" cy="3167710"/>
-          </a:xfrm>
-          <a:prstGeom prst="rect">
-            <a:avLst/>
-          </a:prstGeom>
-          <a:ln>
-            <a:noFill/>
-          </a:ln>
-          <a:effectLst>
-            <a:reflection blurRad="12700" stA="30000" endPos="30000" dist="5000" dir="5400000" sy="-100000" algn="bl" rotWithShape="0"/>
-          </a:effectLst>
-          <a:scene3d>
-            <a:camera prst="perspectiveContrastingLeftFacing">
-              <a:rot lat="300000" lon="19800000" rev="0"/>
-            </a:camera>
-            <a:lightRig rig="threePt" dir="t">
-              <a:rot lat="0" lon="0" rev="2700000"/>
-            </a:lightRig>
-          </a:scene3d>
-          <a:sp3d>
-            <a:bevelT w="63500" h="50800"/>
-          </a:sp3d>
-        </p:spPr>
-      </p:pic>
       <p:sp>
         <p:nvSpPr>
           <p:cNvPr id="2" name="タイトル 1"/>
@@ -6593,7 +3850,7 @@
           <a:p>
             <a:r>
               <a:rPr kumimoji="1" lang="ja-JP" altLang="en-US" sz="2800" dirty="0" smtClean="0"/>
-              <a:t>経常利益の予測と実数値</a:t>
+              <a:t>予測できる株価</a:t>
             </a:r>
             <a:endParaRPr kumimoji="1" lang="ja-JP" altLang="en-US" sz="2800" dirty="0"/>
           </a:p>
@@ -7370,7 +4627,31 @@
           <a:p>
             <a:r>
               <a:rPr lang="ja-JP" altLang="en-US" sz="1200" dirty="0" smtClean="0"/>
-              <a:t>株価は企業全体の利益を意味している経常利益に大きく影響している。四季報に載っている経常利益の予測</a:t>
+              <a:t>株価は企業全体</a:t>
+            </a:r>
+            <a:r>
+              <a:rPr lang="ja-JP" altLang="en-US" sz="1200" smtClean="0"/>
+              <a:t>の</a:t>
+            </a:r>
+            <a:r>
+              <a:rPr lang="ja-JP" altLang="en-US" sz="1200" smtClean="0"/>
+              <a:t>利益</a:t>
+            </a:r>
+            <a:r>
+              <a:rPr lang="ja-JP" altLang="en-US" sz="1200" smtClean="0"/>
+              <a:t>であ</a:t>
+            </a:r>
+            <a:r>
+              <a:rPr lang="ja-JP" altLang="en-US" sz="1200"/>
+              <a:t>る</a:t>
+            </a:r>
+            <a:r>
+              <a:rPr lang="ja-JP" altLang="en-US" sz="1200" smtClean="0"/>
+              <a:t>経常</a:t>
+            </a:r>
+            <a:r>
+              <a:rPr lang="ja-JP" altLang="en-US" sz="1200" dirty="0" smtClean="0"/>
+              <a:t>利益に大きく影響している。四季報に載っている経常利益の予測</a:t>
             </a:r>
             <a:r>
               <a:rPr lang="ja-JP" altLang="en-US" sz="1200" dirty="0"/>
@@ -7393,32 +4674,28 @@
               <a:t>な予測ができているという可能性が</a:t>
             </a:r>
             <a:r>
-              <a:rPr lang="ja-JP" altLang="en-US" sz="1200" dirty="0" smtClean="0"/>
-              <a:t>高い。四季報</a:t>
-            </a:r>
-            <a:r>
-              <a:rPr lang="ja-JP" altLang="en-US" sz="1200" dirty="0"/>
-              <a:t>に載っている経常</a:t>
-            </a:r>
-            <a:r>
-              <a:rPr lang="ja-JP" altLang="en-US" sz="1200" dirty="0" smtClean="0"/>
-              <a:t>利益予測から</a:t>
-            </a:r>
-            <a:r>
-              <a:rPr lang="ja-JP" altLang="en-US" sz="1200" dirty="0"/>
-              <a:t>、</a:t>
+              <a:rPr lang="ja-JP" altLang="en-US" sz="1200" smtClean="0"/>
+              <a:t>高い</a:t>
+            </a:r>
+            <a:r>
+              <a:rPr lang="ja-JP" altLang="en-US" sz="1200" smtClean="0"/>
+              <a:t>。経常利益を予測することで、</a:t>
             </a:r>
             <a:r>
               <a:rPr lang="ja-JP" altLang="en-US" sz="1200" dirty="0" smtClean="0"/>
               <a:t>企業</a:t>
             </a:r>
             <a:r>
-              <a:rPr lang="ja-JP" altLang="en-US" sz="1200" dirty="0"/>
-              <a:t>の株価が</a:t>
+              <a:rPr lang="ja-JP" altLang="en-US" sz="1200"/>
+              <a:t>の</a:t>
+            </a:r>
+            <a:r>
+              <a:rPr lang="ja-JP" altLang="en-US" sz="1200" smtClean="0"/>
+              <a:t>株価も予測</a:t>
             </a:r>
             <a:r>
               <a:rPr lang="ja-JP" altLang="en-US" sz="1200" dirty="0" smtClean="0"/>
-              <a:t>予測できるのではないかと考えた。</a:t>
+              <a:t>できるのではないかと考えた。</a:t>
             </a:r>
             <a:endParaRPr lang="ja-JP" altLang="en-US" sz="1200" dirty="0"/>
           </a:p>
@@ -7486,7 +4763,7 @@
         </p:nvSpPr>
         <p:spPr>
           <a:xfrm>
-            <a:off x="133787" y="8002024"/>
+            <a:off x="142985" y="7939965"/>
             <a:ext cx="1344772" cy="390779"/>
           </a:xfrm>
           <a:prstGeom prst="ellipse">
@@ -7529,6 +4806,36 @@
       <p:pic>
         <p:nvPicPr>
           <p:cNvPr id="57" name="図 56"/>
+          <p:cNvPicPr>
+            <a:picLocks noChangeAspect="1"/>
+          </p:cNvPicPr>
+          <p:nvPr/>
+        </p:nvPicPr>
+        <p:blipFill>
+          <a:blip r:embed="rId3" cstate="print">
+            <a:extLst>
+              <a:ext uri="{28A0092B-C50C-407E-A947-70E740481C1C}">
+                <a14:useLocalDpi xmlns:a14="http://schemas.microsoft.com/office/drawing/2010/main" val="0"/>
+              </a:ext>
+            </a:extLst>
+          </a:blip>
+          <a:stretch>
+            <a:fillRect/>
+          </a:stretch>
+        </p:blipFill>
+        <p:spPr>
+          <a:xfrm>
+            <a:off x="5210402" y="5921175"/>
+            <a:ext cx="1602974" cy="1052488"/>
+          </a:xfrm>
+          <a:prstGeom prst="rect">
+            <a:avLst/>
+          </a:prstGeom>
+        </p:spPr>
+      </p:pic>
+      <p:pic>
+        <p:nvPicPr>
+          <p:cNvPr id="59" name="図 58"/>
           <p:cNvPicPr>
             <a:picLocks noChangeAspect="1"/>
           </p:cNvPicPr>
@@ -7548,8 +4855,8 @@
         </p:blipFill>
         <p:spPr>
           <a:xfrm>
-            <a:off x="5210402" y="5921175"/>
-            <a:ext cx="1602974" cy="1052488"/>
+            <a:off x="3710024" y="5921175"/>
+            <a:ext cx="1479441" cy="1052488"/>
           </a:xfrm>
           <a:prstGeom prst="rect">
             <a:avLst/>
@@ -7558,7 +4865,7 @@
       </p:pic>
       <p:pic>
         <p:nvPicPr>
-          <p:cNvPr id="59" name="図 58"/>
+          <p:cNvPr id="60" name="図 59"/>
           <p:cNvPicPr>
             <a:picLocks noChangeAspect="1"/>
           </p:cNvPicPr>
@@ -7578,8 +4885,8 @@
         </p:blipFill>
         <p:spPr>
           <a:xfrm>
-            <a:off x="3710024" y="5921175"/>
-            <a:ext cx="1479441" cy="1052488"/>
+            <a:off x="3710024" y="7204637"/>
+            <a:ext cx="1479442" cy="1019285"/>
           </a:xfrm>
           <a:prstGeom prst="rect">
             <a:avLst/>
@@ -7588,7 +4895,7 @@
       </p:pic>
       <p:pic>
         <p:nvPicPr>
-          <p:cNvPr id="60" name="図 59"/>
+          <p:cNvPr id="61" name="図 60"/>
           <p:cNvPicPr>
             <a:picLocks noChangeAspect="1"/>
           </p:cNvPicPr>
@@ -7608,37 +4915,7 @@
         </p:blipFill>
         <p:spPr>
           <a:xfrm>
-            <a:off x="3710635" y="6982739"/>
-            <a:ext cx="1479442" cy="1019285"/>
-          </a:xfrm>
-          <a:prstGeom prst="rect">
-            <a:avLst/>
-          </a:prstGeom>
-        </p:spPr>
-      </p:pic>
-      <p:pic>
-        <p:nvPicPr>
-          <p:cNvPr id="61" name="図 60"/>
-          <p:cNvPicPr>
-            <a:picLocks noChangeAspect="1"/>
-          </p:cNvPicPr>
-          <p:nvPr/>
-        </p:nvPicPr>
-        <p:blipFill>
-          <a:blip r:embed="rId7" cstate="print">
-            <a:extLst>
-              <a:ext uri="{28A0092B-C50C-407E-A947-70E740481C1C}">
-                <a14:useLocalDpi xmlns:a14="http://schemas.microsoft.com/office/drawing/2010/main" val="0"/>
-              </a:ext>
-            </a:extLst>
-          </a:blip>
-          <a:stretch>
-            <a:fillRect/>
-          </a:stretch>
-        </p:blipFill>
-        <p:spPr>
-          <a:xfrm>
-            <a:off x="5210400" y="6974952"/>
+            <a:off x="5210401" y="7210743"/>
             <a:ext cx="1602975" cy="1027072"/>
           </a:xfrm>
           <a:prstGeom prst="rect">
@@ -7772,72 +5049,6 @@
           <a:bodyPr rtlCol="0" anchor="ctr"/>
           <a:lstStyle/>
           <a:p>
-            <a:r>
-              <a:rPr lang="ja-JP" altLang="en-US" sz="1200" dirty="0"/>
-              <a:t>・東証一部に上場している企業約</a:t>
-            </a:r>
-            <a:r>
-              <a:rPr lang="en-US" altLang="ja-JP" sz="1400" b="1" u="sng" dirty="0"/>
-              <a:t>2000</a:t>
-            </a:r>
-            <a:r>
-              <a:rPr lang="ja-JP" altLang="en-US" sz="1200" dirty="0"/>
-              <a:t>の中から</a:t>
-            </a:r>
-            <a:r>
-              <a:rPr lang="en-US" altLang="ja-JP" sz="1400" b="1" u="sng" dirty="0"/>
-              <a:t>500</a:t>
-            </a:r>
-            <a:r>
-              <a:rPr lang="ja-JP" altLang="en-US" sz="1200" dirty="0"/>
-              <a:t>社を選択する</a:t>
-            </a:r>
-            <a:endParaRPr lang="en-US" altLang="ja-JP" sz="1200" dirty="0"/>
-          </a:p>
-          <a:p>
-            <a:r>
-              <a:rPr lang="ja-JP" altLang="en-US" sz="1200" dirty="0"/>
-              <a:t>・選んだ企業の</a:t>
-            </a:r>
-            <a:r>
-              <a:rPr lang="en-US" altLang="ja-JP" sz="1400" b="1" u="sng" dirty="0"/>
-              <a:t>26</a:t>
-            </a:r>
-            <a:r>
-              <a:rPr lang="ja-JP" altLang="en-US" sz="1200" dirty="0"/>
-              <a:t>年間の経常利益と、予測データを取得する。</a:t>
-            </a:r>
-            <a:endParaRPr lang="en-US" altLang="ja-JP" sz="1200" dirty="0"/>
-          </a:p>
-          <a:p>
-            <a:r>
-              <a:rPr lang="ja-JP" altLang="en-US" sz="1200" dirty="0"/>
-              <a:t>・予測データ</a:t>
-            </a:r>
-            <a:r>
-              <a:rPr lang="ja-JP" altLang="en-US" sz="1200" dirty="0" smtClean="0"/>
-              <a:t>から経常</a:t>
-            </a:r>
-            <a:r>
-              <a:rPr lang="ja-JP" altLang="en-US" sz="1200" dirty="0"/>
-              <a:t>利益を割り、その</a:t>
-            </a:r>
-            <a:r>
-              <a:rPr lang="ja-JP" altLang="en-US" sz="1200" dirty="0" smtClean="0"/>
-              <a:t>値の平均が</a:t>
-            </a:r>
-            <a:r>
-              <a:rPr lang="en-US" altLang="ja-JP" sz="1400" b="1" u="sng" dirty="0"/>
-              <a:t>1</a:t>
-            </a:r>
-            <a:r>
-              <a:rPr lang="ja-JP" altLang="en-US" sz="1200" dirty="0"/>
-              <a:t>に近かった企業を集計する</a:t>
-            </a:r>
-            <a:r>
-              <a:rPr lang="ja-JP" altLang="en-US" sz="1200" dirty="0" smtClean="0"/>
-              <a:t>。</a:t>
-            </a:r>
             <a:endParaRPr lang="en-US" altLang="ja-JP" sz="1200" dirty="0"/>
           </a:p>
         </p:txBody>
@@ -7850,8 +5061,8 @@
         </p:nvSpPr>
         <p:spPr>
           <a:xfrm>
-            <a:off x="27082" y="5578187"/>
-            <a:ext cx="3613464" cy="2487985"/>
+            <a:off x="47597" y="5711779"/>
+            <a:ext cx="3613464" cy="2278006"/>
           </a:xfrm>
           <a:prstGeom prst="horizontalScroll">
             <a:avLst/>
@@ -7899,9 +5110,6 @@
             <a:endParaRPr lang="en-US" altLang="ja-JP" sz="1200" dirty="0" smtClean="0"/>
           </a:p>
           <a:p>
-            <a:endParaRPr lang="en-US" altLang="ja-JP" sz="1200" dirty="0" smtClean="0"/>
-          </a:p>
-          <a:p>
             <a:r>
               <a:rPr lang="ja-JP" altLang="en-US" sz="1200" dirty="0" smtClean="0"/>
               <a:t>誤差平均が</a:t>
@@ -7911,12 +5119,16 @@
               <a:t>0.0001~0.00099</a:t>
             </a:r>
             <a:r>
+              <a:rPr lang="ja-JP" altLang="en-US" sz="1200" dirty="0"/>
+              <a:t>間の</a:t>
+            </a:r>
+            <a:r>
               <a:rPr lang="ja-JP" altLang="en-US" sz="1200" dirty="0" smtClean="0"/>
-              <a:t>間の</a:t>
+              <a:t>企業</a:t>
             </a:r>
             <a:r>
               <a:rPr lang="ja-JP" altLang="en-US" sz="1200" dirty="0" smtClean="0"/>
-              <a:t>企業・・</a:t>
+              <a:t>・・・</a:t>
             </a:r>
             <a:r>
               <a:rPr lang="en-US" altLang="ja-JP" sz="1200" b="1" u="sng" dirty="0" smtClean="0"/>
@@ -7924,7 +5136,34 @@
             </a:r>
             <a:r>
               <a:rPr lang="ja-JP" altLang="en-US" sz="1200" dirty="0" smtClean="0"/>
-              <a:t>社</a:t>
+              <a:t>社。</a:t>
+            </a:r>
+            <a:endParaRPr lang="en-US" altLang="ja-JP" sz="1200" dirty="0" smtClean="0"/>
+          </a:p>
+          <a:p>
+            <a:r>
+              <a:rPr lang="ja-JP" altLang="en-US" sz="1200" dirty="0" smtClean="0"/>
+              <a:t>誤差平均が</a:t>
+            </a:r>
+            <a:r>
+              <a:rPr lang="en-US" altLang="ja-JP" sz="1200" dirty="0" smtClean="0"/>
+              <a:t>0.001~0.0099</a:t>
+            </a:r>
+            <a:r>
+              <a:rPr lang="ja-JP" altLang="en-US" sz="1200" dirty="0" smtClean="0"/>
+              <a:t>間の企業・・</a:t>
+            </a:r>
+            <a:r>
+              <a:rPr lang="ja-JP" altLang="en-US" sz="1200" dirty="0" smtClean="0"/>
+              <a:t>・・・</a:t>
+            </a:r>
+            <a:r>
+              <a:rPr lang="en-US" altLang="ja-JP" sz="1200" b="1" u="sng" dirty="0" smtClean="0"/>
+              <a:t>9</a:t>
+            </a:r>
+            <a:r>
+              <a:rPr lang="ja-JP" altLang="en-US" sz="1200" dirty="0" smtClean="0"/>
+              <a:t>社。</a:t>
             </a:r>
             <a:endParaRPr lang="en-US" altLang="ja-JP" sz="1200" dirty="0" smtClean="0"/>
           </a:p>
@@ -7943,31 +5182,19 @@
             </a:r>
             <a:r>
               <a:rPr lang="en-US" altLang="ja-JP" sz="1200" dirty="0" smtClean="0"/>
-              <a:t>0.001</a:t>
+              <a:t>0.01~0.099</a:t>
             </a:r>
             <a:r>
               <a:rPr lang="ja-JP" altLang="en-US" sz="1200" dirty="0" smtClean="0"/>
-              <a:t>～</a:t>
-            </a:r>
-            <a:r>
-              <a:rPr lang="en-US" altLang="ja-JP" sz="1200" dirty="0" smtClean="0"/>
-              <a:t>0.0099</a:t>
+              <a:t>間の企業・・・・・・</a:t>
+            </a:r>
+            <a:r>
+              <a:rPr lang="en-US" altLang="ja-JP" sz="1200" b="1" u="sng" dirty="0" smtClean="0"/>
+              <a:t>27</a:t>
             </a:r>
             <a:r>
               <a:rPr lang="ja-JP" altLang="en-US" sz="1200" dirty="0" smtClean="0"/>
-              <a:t>間の企業</a:t>
-            </a:r>
-            <a:r>
-              <a:rPr lang="ja-JP" altLang="en-US" sz="1200" dirty="0" smtClean="0"/>
-              <a:t>・・・</a:t>
-            </a:r>
-            <a:r>
-              <a:rPr lang="ja-JP" altLang="en-US" sz="1200" b="1" u="sng" dirty="0" smtClean="0"/>
-              <a:t>７</a:t>
-            </a:r>
-            <a:r>
-              <a:rPr lang="ja-JP" altLang="en-US" sz="1200" dirty="0" smtClean="0"/>
-              <a:t>社</a:t>
+              <a:t>社。</a:t>
             </a:r>
             <a:endParaRPr lang="en-US" altLang="ja-JP" sz="1200" dirty="0" smtClean="0"/>
           </a:p>
@@ -7986,37 +5213,6 @@
             </a:r>
             <a:r>
               <a:rPr lang="en-US" altLang="ja-JP" sz="1200" dirty="0" smtClean="0"/>
-              <a:t>0.01~0.099</a:t>
-            </a:r>
-            <a:r>
-              <a:rPr lang="ja-JP" altLang="en-US" sz="1200" dirty="0" smtClean="0"/>
-              <a:t>間の企業・・・・・・</a:t>
-            </a:r>
-            <a:r>
-              <a:rPr lang="en-US" altLang="ja-JP" sz="1200" b="1" u="sng" dirty="0" smtClean="0"/>
-              <a:t>27</a:t>
-            </a:r>
-            <a:r>
-              <a:rPr lang="ja-JP" altLang="en-US" sz="1200" dirty="0" smtClean="0"/>
-              <a:t>社</a:t>
-            </a:r>
-            <a:endParaRPr lang="en-US" altLang="ja-JP" sz="1200" dirty="0" smtClean="0"/>
-          </a:p>
-          <a:p>
-            <a:r>
-              <a:rPr lang="ja-JP" altLang="en-US" sz="1200" dirty="0" smtClean="0"/>
-              <a:t>誤差</a:t>
-            </a:r>
-            <a:r>
-              <a:rPr lang="ja-JP" altLang="en-US" sz="1200" dirty="0"/>
-              <a:t>平均</a:t>
-            </a:r>
-            <a:r>
-              <a:rPr lang="ja-JP" altLang="en-US" sz="1200" dirty="0" smtClean="0"/>
-              <a:t>が</a:t>
-            </a:r>
-            <a:r>
-              <a:rPr lang="en-US" altLang="ja-JP" sz="1200" dirty="0" smtClean="0"/>
               <a:t>0.1~0.99</a:t>
             </a:r>
             <a:r>
@@ -8029,7 +5225,7 @@
             </a:r>
             <a:r>
               <a:rPr lang="ja-JP" altLang="en-US" sz="1200" dirty="0" smtClean="0"/>
-              <a:t>社</a:t>
+              <a:t>社。</a:t>
             </a:r>
             <a:endParaRPr lang="en-US" altLang="ja-JP" sz="1200" dirty="0" smtClean="0"/>
           </a:p>
@@ -8069,7 +5265,7 @@
         </p:nvSpPr>
         <p:spPr>
           <a:xfrm>
-            <a:off x="375560" y="8330744"/>
+            <a:off x="404664" y="8383994"/>
             <a:ext cx="5645728" cy="731998"/>
           </a:xfrm>
           <a:prstGeom prst="horizontalScroll">
@@ -8104,6 +5300,219 @@
               <a:t>経常利益と予測データの取得効率が向上する手法を考え、サンプル数を増やす事。</a:t>
             </a:r>
             <a:endParaRPr lang="en-US" altLang="ja-JP" sz="1200" dirty="0" smtClean="0"/>
+          </a:p>
+        </p:txBody>
+      </p:sp>
+      <p:sp>
+        <p:nvSpPr>
+          <p:cNvPr id="3" name="テキスト ボックス 2"/>
+          <p:cNvSpPr txBox="1"/>
+          <p:nvPr/>
+        </p:nvSpPr>
+        <p:spPr>
+          <a:xfrm>
+            <a:off x="4130327" y="6956313"/>
+            <a:ext cx="654346" cy="184666"/>
+          </a:xfrm>
+          <a:prstGeom prst="rect">
+            <a:avLst/>
+          </a:prstGeom>
+          <a:noFill/>
+        </p:spPr>
+        <p:txBody>
+          <a:bodyPr wrap="none" rtlCol="0">
+            <a:spAutoFit/>
+          </a:bodyPr>
+          <a:lstStyle/>
+          <a:p>
+            <a:r>
+              <a:rPr kumimoji="1" lang="ja-JP" altLang="en-US" sz="600" dirty="0" smtClean="0"/>
+              <a:t>四季報</a:t>
+            </a:r>
+            <a:r>
+              <a:rPr kumimoji="1" lang="en-US" altLang="ja-JP" sz="600" dirty="0" smtClean="0"/>
+              <a:t>ONLINE</a:t>
+            </a:r>
+            <a:endParaRPr kumimoji="1" lang="ja-JP" altLang="en-US" sz="600" dirty="0"/>
+          </a:p>
+        </p:txBody>
+      </p:sp>
+      <p:sp>
+        <p:nvSpPr>
+          <p:cNvPr id="35" name="テキスト ボックス 34"/>
+          <p:cNvSpPr txBox="1"/>
+          <p:nvPr/>
+        </p:nvSpPr>
+        <p:spPr>
+          <a:xfrm>
+            <a:off x="4122571" y="8215737"/>
+            <a:ext cx="654346" cy="184666"/>
+          </a:xfrm>
+          <a:prstGeom prst="rect">
+            <a:avLst/>
+          </a:prstGeom>
+          <a:noFill/>
+        </p:spPr>
+        <p:txBody>
+          <a:bodyPr wrap="none" rtlCol="0">
+            <a:spAutoFit/>
+          </a:bodyPr>
+          <a:lstStyle/>
+          <a:p>
+            <a:r>
+              <a:rPr kumimoji="1" lang="ja-JP" altLang="en-US" sz="600" dirty="0" smtClean="0"/>
+              <a:t>四季報</a:t>
+            </a:r>
+            <a:r>
+              <a:rPr kumimoji="1" lang="en-US" altLang="ja-JP" sz="600" dirty="0" smtClean="0"/>
+              <a:t>ONLINE</a:t>
+            </a:r>
+            <a:endParaRPr kumimoji="1" lang="ja-JP" altLang="en-US" sz="600" dirty="0"/>
+          </a:p>
+        </p:txBody>
+      </p:sp>
+      <p:sp>
+        <p:nvSpPr>
+          <p:cNvPr id="36" name="テキスト ボックス 35"/>
+          <p:cNvSpPr txBox="1"/>
+          <p:nvPr/>
+        </p:nvSpPr>
+        <p:spPr>
+          <a:xfrm>
+            <a:off x="5778160" y="6958878"/>
+            <a:ext cx="338554" cy="184666"/>
+          </a:xfrm>
+          <a:prstGeom prst="rect">
+            <a:avLst/>
+          </a:prstGeom>
+          <a:noFill/>
+        </p:spPr>
+        <p:txBody>
+          <a:bodyPr wrap="none" rtlCol="0">
+            <a:spAutoFit/>
+          </a:bodyPr>
+          <a:lstStyle/>
+          <a:p>
+            <a:r>
+              <a:rPr kumimoji="1" lang="ja-JP" altLang="en-US" sz="600" dirty="0" smtClean="0"/>
+              <a:t>株探</a:t>
+            </a:r>
+            <a:endParaRPr kumimoji="1" lang="ja-JP" altLang="en-US" sz="600" dirty="0"/>
+          </a:p>
+        </p:txBody>
+      </p:sp>
+      <p:sp>
+        <p:nvSpPr>
+          <p:cNvPr id="37" name="テキスト ボックス 36"/>
+          <p:cNvSpPr txBox="1"/>
+          <p:nvPr/>
+        </p:nvSpPr>
+        <p:spPr>
+          <a:xfrm>
+            <a:off x="5842610" y="8201778"/>
+            <a:ext cx="338554" cy="184666"/>
+          </a:xfrm>
+          <a:prstGeom prst="rect">
+            <a:avLst/>
+          </a:prstGeom>
+          <a:noFill/>
+        </p:spPr>
+        <p:txBody>
+          <a:bodyPr wrap="none" rtlCol="0">
+            <a:spAutoFit/>
+          </a:bodyPr>
+          <a:lstStyle/>
+          <a:p>
+            <a:r>
+              <a:rPr kumimoji="1" lang="ja-JP" altLang="en-US" sz="600" dirty="0" smtClean="0"/>
+              <a:t>株探</a:t>
+            </a:r>
+            <a:endParaRPr lang="ja-JP" altLang="en-US" sz="600" dirty="0"/>
+          </a:p>
+        </p:txBody>
+      </p:sp>
+      <p:sp>
+        <p:nvSpPr>
+          <p:cNvPr id="38" name="コンテンツ プレースホルダー 2"/>
+          <p:cNvSpPr>
+            <a:spLocks noGrp="1"/>
+          </p:cNvSpPr>
+          <p:nvPr>
+            <p:ph idx="1"/>
+          </p:nvPr>
+        </p:nvSpPr>
+        <p:spPr>
+          <a:xfrm>
+            <a:off x="1562000" y="4418154"/>
+            <a:ext cx="4765645" cy="1139467"/>
+          </a:xfrm>
+        </p:spPr>
+        <p:txBody>
+          <a:bodyPr/>
+          <a:lstStyle/>
+          <a:p>
+            <a:r>
+              <a:rPr lang="ja-JP" altLang="en-US" sz="1200" dirty="0"/>
+              <a:t>東証一部に上場している企業約</a:t>
+            </a:r>
+            <a:r>
+              <a:rPr lang="en-US" altLang="ja-JP" sz="1200" b="1" u="sng" dirty="0"/>
+              <a:t>2000</a:t>
+            </a:r>
+            <a:r>
+              <a:rPr lang="ja-JP" altLang="en-US" sz="1200" dirty="0"/>
+              <a:t>の中から</a:t>
+            </a:r>
+            <a:r>
+              <a:rPr lang="en-US" altLang="ja-JP" sz="1200" b="1" u="sng" dirty="0"/>
+              <a:t>500</a:t>
+            </a:r>
+            <a:r>
+              <a:rPr lang="ja-JP" altLang="en-US" sz="1200" dirty="0"/>
+              <a:t>社を選択する</a:t>
+            </a:r>
+            <a:endParaRPr lang="en-US" altLang="ja-JP" sz="1200" dirty="0"/>
+          </a:p>
+          <a:p>
+            <a:r>
+              <a:rPr lang="ja-JP" altLang="en-US" sz="1200" dirty="0"/>
+              <a:t>選んだ企業の</a:t>
+            </a:r>
+            <a:r>
+              <a:rPr lang="en-US" altLang="ja-JP" sz="1200" b="1" u="sng" dirty="0"/>
+              <a:t>26</a:t>
+            </a:r>
+            <a:r>
+              <a:rPr lang="ja-JP" altLang="en-US" sz="1200" dirty="0"/>
+              <a:t>年間の経常利益と、予測データを取得する</a:t>
+            </a:r>
+            <a:r>
+              <a:rPr lang="ja-JP" altLang="en-US" sz="1200" dirty="0" smtClean="0"/>
+              <a:t>。</a:t>
+            </a:r>
+            <a:endParaRPr lang="en-US" altLang="ja-JP" sz="1200" dirty="0" smtClean="0"/>
+          </a:p>
+          <a:p>
+            <a:r>
+              <a:rPr lang="ja-JP" altLang="en-US" sz="1200" dirty="0"/>
+              <a:t>予測データから経常利益を割り、その値の平均が</a:t>
+            </a:r>
+            <a:r>
+              <a:rPr lang="en-US" altLang="ja-JP" sz="1200" b="1" u="sng" dirty="0"/>
+              <a:t>1</a:t>
+            </a:r>
+            <a:r>
+              <a:rPr lang="ja-JP" altLang="en-US" sz="1200" dirty="0"/>
+              <a:t>に</a:t>
+            </a:r>
+            <a:r>
+              <a:rPr lang="ja-JP" altLang="en-US" sz="1200" dirty="0" smtClean="0"/>
+              <a:t>近かった企業を集計する。</a:t>
+            </a:r>
+            <a:endParaRPr lang="en-US" altLang="ja-JP" sz="1200" dirty="0"/>
+          </a:p>
+          <a:p>
+            <a:endParaRPr kumimoji="1" lang="ja-JP" altLang="en-US" dirty="0"/>
           </a:p>
         </p:txBody>
       </p:sp>
@@ -8134,9 +5543,9 @@
 </file>
 
 <file path=ppt/theme/theme1.xml><?xml version="1.0" encoding="utf-8"?>
-<a:theme xmlns:a="http://schemas.openxmlformats.org/drawingml/2006/main" name="飛行機雲">
+<a:theme xmlns:a="http://schemas.openxmlformats.org/drawingml/2006/main" name="Blank">
   <a:themeElements>
-    <a:clrScheme name="飛行機雲">
+    <a:clrScheme name="Office">
       <a:dk1>
         <a:sysClr val="windowText" lastClr="000000"/>
       </a:dk1>
@@ -8144,39 +5553,39 @@
         <a:sysClr val="window" lastClr="FFFFFF"/>
       </a:lt1>
       <a:dk2>
-        <a:srgbClr val="454545"/>
+        <a:srgbClr val="6E747A"/>
       </a:dk2>
       <a:lt2>
-        <a:srgbClr val="DADADA"/>
+        <a:srgbClr val="E7E6E6"/>
       </a:lt2>
       <a:accent1>
-        <a:srgbClr val="E5224E"/>
+        <a:srgbClr val="5B9BD5"/>
       </a:accent1>
       <a:accent2>
-        <a:srgbClr val="9D074E"/>
+        <a:srgbClr val="ED7D31"/>
       </a:accent2>
       <a:accent3>
-        <a:srgbClr val="7F2294"/>
+        <a:srgbClr val="A5A5A5"/>
       </a:accent3>
       <a:accent4>
-        <a:srgbClr val="8D65EA"/>
+        <a:srgbClr val="FFC000"/>
       </a:accent4>
       <a:accent5>
-        <a:srgbClr val="588FE2"/>
+        <a:srgbClr val="4472C4"/>
       </a:accent5>
       <a:accent6>
-        <a:srgbClr val="127CA4"/>
+        <a:srgbClr val="70AD47"/>
       </a:accent6>
       <a:hlink>
-        <a:srgbClr val="FB4AB6"/>
+        <a:srgbClr val="085296"/>
       </a:hlink>
       <a:folHlink>
-        <a:srgbClr val="F98FE9"/>
+        <a:srgbClr val="993366"/>
       </a:folHlink>
     </a:clrScheme>
-    <a:fontScheme name="飛行機雲">
+    <a:fontScheme name="Office">
       <a:majorFont>
-        <a:latin typeface="Century Gothic" panose="020B0502020202020204"/>
+        <a:latin typeface="Calibri"/>
         <a:ea typeface=""/>
         <a:cs typeface=""/>
         <a:font script="Jpan" typeface="ＭＳ Ｐゴシック"/>
@@ -8211,7 +5620,7 @@
         <a:font script="Geor" typeface="Sylfaen"/>
       </a:majorFont>
       <a:minorFont>
-        <a:latin typeface="Century Gothic" panose="020B0502020202020204"/>
+        <a:latin typeface="Calibri"/>
         <a:ea typeface=""/>
         <a:cs typeface=""/>
         <a:font script="Jpan" typeface="ＭＳ Ｐゴシック"/>
@@ -8246,7 +5655,7 @@
         <a:font script="Geor" typeface="Sylfaen"/>
       </a:minorFont>
     </a:fontScheme>
-    <a:fmtScheme name="飛行機雲">
+    <a:fmtScheme name="Office">
       <a:fillStyleLst>
         <a:solidFill>
           <a:schemeClr val="phClr"/>
@@ -8255,24 +5664,20 @@
           <a:gsLst>
             <a:gs pos="0">
               <a:schemeClr val="phClr">
-                <a:tint val="69000"/>
-                <a:alpha val="100000"/>
-                <a:satMod val="109000"/>
-                <a:lumMod val="110000"/>
+                <a:lumMod val="157000"/>
+                <a:satMod val="101000"/>
               </a:schemeClr>
             </a:gs>
-            <a:gs pos="52000">
+            <a:gs pos="50000">
               <a:schemeClr val="phClr">
-                <a:tint val="74000"/>
-                <a:satMod val="100000"/>
-                <a:lumMod val="104000"/>
+                <a:lumMod val="137000"/>
+                <a:satMod val="103000"/>
               </a:schemeClr>
             </a:gs>
             <a:gs pos="100000">
               <a:schemeClr val="phClr">
-                <a:tint val="78000"/>
-                <a:satMod val="100000"/>
-                <a:lumMod val="100000"/>
+                <a:lumMod val="115000"/>
+                <a:satMod val="109000"/>
               </a:schemeClr>
             </a:gs>
           </a:gsLst>
@@ -8282,16 +5687,19 @@
           <a:gsLst>
             <a:gs pos="0">
               <a:schemeClr val="phClr">
-                <a:tint val="96000"/>
-                <a:satMod val="100000"/>
-                <a:lumMod val="104000"/>
+                <a:satMod val="103000"/>
+                <a:lumMod val="118000"/>
               </a:schemeClr>
             </a:gs>
-            <a:gs pos="78000">
+            <a:gs pos="50000">
               <a:schemeClr val="phClr">
-                <a:shade val="100000"/>
-                <a:satMod val="110000"/>
-                <a:lumMod val="100000"/>
+                <a:satMod val="89000"/>
+                <a:lumMod val="91000"/>
+              </a:schemeClr>
+            </a:gs>
+            <a:gs pos="100000">
+              <a:schemeClr val="phClr">
+                <a:lumMod val="69000"/>
               </a:schemeClr>
             </a:gs>
           </a:gsLst>
@@ -8299,7 +5707,7 @@
         </a:gradFill>
       </a:fillStyleLst>
       <a:lnStyleLst>
-        <a:ln w="9525" cap="flat" cmpd="sng" algn="ctr">
+        <a:ln w="6350" cap="flat" cmpd="sng" algn="ctr">
           <a:solidFill>
             <a:schemeClr val="phClr"/>
           </a:solidFill>
@@ -8324,82 +5732,66 @@
         </a:effectStyle>
         <a:effectStyle>
           <a:effectLst/>
-          <a:scene3d>
-            <a:camera prst="orthographicFront">
-              <a:rot lat="0" lon="0" rev="0"/>
-            </a:camera>
-            <a:lightRig rig="threePt" dir="t"/>
-          </a:scene3d>
-          <a:sp3d>
-            <a:bevelT w="25400" h="12700"/>
-          </a:sp3d>
         </a:effectStyle>
         <a:effectStyle>
           <a:effectLst>
             <a:outerShdw blurRad="57150" dist="19050" dir="5400000" algn="ctr" rotWithShape="0">
               <a:srgbClr val="000000">
-                <a:alpha val="48000"/>
+                <a:alpha val="63000"/>
               </a:srgbClr>
             </a:outerShdw>
           </a:effectLst>
-          <a:scene3d>
-            <a:camera prst="orthographicFront">
-              <a:rot lat="0" lon="0" rev="0"/>
-            </a:camera>
-            <a:lightRig rig="threePt" dir="t"/>
-          </a:scene3d>
-          <a:sp3d>
-            <a:bevelT w="50800" h="25400"/>
-          </a:sp3d>
         </a:effectStyle>
       </a:effectStyleLst>
       <a:bgFillStyleLst>
         <a:solidFill>
           <a:schemeClr val="phClr"/>
         </a:solidFill>
-        <a:solidFill>
-          <a:schemeClr val="phClr">
-            <a:tint val="95000"/>
-            <a:satMod val="170000"/>
-          </a:schemeClr>
-        </a:solidFill>
         <a:gradFill rotWithShape="1">
           <a:gsLst>
             <a:gs pos="0">
               <a:schemeClr val="phClr">
-                <a:tint val="93000"/>
-                <a:shade val="98000"/>
-                <a:satMod val="150000"/>
-                <a:lumMod val="102000"/>
+                <a:tint val="100000"/>
+                <a:satMod val="100000"/>
+                <a:shade val="0"/>
               </a:schemeClr>
             </a:gs>
-            <a:gs pos="50000">
+            <a:gs pos="0">
+              <a:scrgbClr r="0" g="0" b="0"/>
+            </a:gs>
+            <a:gs pos="100000">
               <a:schemeClr val="phClr">
-                <a:tint val="98000"/>
-                <a:shade val="90000"/>
-                <a:satMod val="130000"/>
-                <a:lumMod val="103000"/>
+                <a:shade val="100000"/>
+                <a:satMod val="100000"/>
+              </a:schemeClr>
+            </a:gs>
+          </a:gsLst>
+          <a:lin ang="5400000" scaled="0"/>
+        </a:gradFill>
+        <a:gradFill rotWithShape="1">
+          <a:gsLst>
+            <a:gs pos="0">
+              <a:schemeClr val="phClr">
+                <a:tint val="80000"/>
+                <a:satMod val="300000"/>
               </a:schemeClr>
             </a:gs>
             <a:gs pos="100000">
               <a:schemeClr val="phClr">
-                <a:shade val="63000"/>
-                <a:satMod val="120000"/>
+                <a:shade val="30000"/>
+                <a:satMod val="200000"/>
               </a:schemeClr>
             </a:gs>
           </a:gsLst>
-          <a:lin ang="5400000" scaled="0"/>
+          <a:path path="circle">
+            <a:fillToRect l="50000" t="50000" r="50000" b="50000"/>
+          </a:path>
         </a:gradFill>
       </a:bgFillStyleLst>
     </a:fmtScheme>
   </a:themeElements>
   <a:objectDefaults/>
   <a:extraClrSchemeLst/>
-  <a:extLst>
-    <a:ext uri="{05A4C25C-085E-4340-85A3-A5531E510DB2}">
-      <thm15:themeFamily xmlns:thm15="http://schemas.microsoft.com/office/thememl/2012/main" name="Vapor Trail" id="{4FDF2955-7D9C-493C-B9F9-C205151B46CD}" vid="{6DB8EB18-3657-4051-A897-2ED38832359E}"/>
-    </a:ext>
-  </a:extLst>
 </a:theme>
 </file>
 
